--- a/投影片/0.課程說明.pptx
+++ b/投影片/0.課程說明.pptx
@@ -5,8 +5,13 @@
     <p:sldMasterId id="2147483648" r:id="rId1"/>
   </p:sldMasterIdLst>
   <p:sldIdLst>
-    <p:sldId id="256" r:id="rId2"/>
-    <p:sldId id="257" r:id="rId3"/>
+    <p:sldId id="258" r:id="rId2"/>
+    <p:sldId id="259" r:id="rId3"/>
+    <p:sldId id="263" r:id="rId4"/>
+    <p:sldId id="261" r:id="rId5"/>
+    <p:sldId id="264" r:id="rId6"/>
+    <p:sldId id="265" r:id="rId7"/>
+    <p:sldId id="266" r:id="rId8"/>
   </p:sldIdLst>
   <p:sldSz cx="12192000" cy="6858000"/>
   <p:notesSz cx="6858000" cy="9144000"/>
@@ -105,11 +110,16 @@
       </a:defRPr>
     </a:lvl9pPr>
   </p:defaultTextStyle>
+  <p:extLst>
+    <p:ext uri="{EFAFB233-063F-42B5-8137-9DF3F51BA10A}">
+      <p15:sldGuideLst xmlns:p15="http://schemas.microsoft.com/office/powerpoint/2012/main"/>
+    </p:ext>
+  </p:extLst>
 </p:presentation>
 </file>
 
 <file path=ppt/slideLayouts/slideLayout1.xml><?xml version="1.0" encoding="utf-8"?>
-<p:sldLayout xmlns:a="http://schemas.openxmlformats.org/drawingml/2006/main" xmlns:r="http://schemas.openxmlformats.org/officeDocument/2006/relationships" xmlns:p="http://schemas.openxmlformats.org/presentationml/2006/main" type="title" preserve="1">
+<p:sldLayout xmlns:a="http://schemas.openxmlformats.org/drawingml/2006/main" xmlns:r="http://schemas.openxmlformats.org/officeDocument/2006/relationships" xmlns:p="http://schemas.openxmlformats.org/presentationml/2006/main" preserve="1" userDrawn="1">
   <p:cSld name="標題投影片">
     <p:spTree>
       <p:nvGrpSpPr>
@@ -127,103 +137,6 @@
       </p:grpSpPr>
       <p:sp>
         <p:nvSpPr>
-          <p:cNvPr id="2" name="標題 1"/>
-          <p:cNvSpPr>
-            <a:spLocks noGrp="1"/>
-          </p:cNvSpPr>
-          <p:nvPr>
-            <p:ph type="ctrTitle"/>
-          </p:nvPr>
-        </p:nvSpPr>
-        <p:spPr>
-          <a:xfrm>
-            <a:off x="1524000" y="1122363"/>
-            <a:ext cx="9144000" cy="2387600"/>
-          </a:xfrm>
-        </p:spPr>
-        <p:txBody>
-          <a:bodyPr anchor="b"/>
-          <a:lstStyle>
-            <a:lvl1pPr algn="ctr">
-              <a:defRPr sz="6000"/>
-            </a:lvl1pPr>
-          </a:lstStyle>
-          <a:p>
-            <a:r>
-              <a:rPr lang="zh-TW" altLang="en-US" smtClean="0"/>
-              <a:t>按一下以編輯母片標題樣式</a:t>
-            </a:r>
-            <a:endParaRPr lang="zh-TW" altLang="en-US"/>
-          </a:p>
-        </p:txBody>
-      </p:sp>
-      <p:sp>
-        <p:nvSpPr>
-          <p:cNvPr id="3" name="副標題 2"/>
-          <p:cNvSpPr>
-            <a:spLocks noGrp="1"/>
-          </p:cNvSpPr>
-          <p:nvPr>
-            <p:ph type="subTitle" idx="1"/>
-          </p:nvPr>
-        </p:nvSpPr>
-        <p:spPr>
-          <a:xfrm>
-            <a:off x="1524000" y="3602038"/>
-            <a:ext cx="9144000" cy="1655762"/>
-          </a:xfrm>
-        </p:spPr>
-        <p:txBody>
-          <a:bodyPr/>
-          <a:lstStyle>
-            <a:lvl1pPr marL="0" indent="0" algn="ctr">
-              <a:buNone/>
-              <a:defRPr sz="2400"/>
-            </a:lvl1pPr>
-            <a:lvl2pPr marL="457200" indent="0" algn="ctr">
-              <a:buNone/>
-              <a:defRPr sz="2000"/>
-            </a:lvl2pPr>
-            <a:lvl3pPr marL="914400" indent="0" algn="ctr">
-              <a:buNone/>
-              <a:defRPr sz="1800"/>
-            </a:lvl3pPr>
-            <a:lvl4pPr marL="1371600" indent="0" algn="ctr">
-              <a:buNone/>
-              <a:defRPr sz="1600"/>
-            </a:lvl4pPr>
-            <a:lvl5pPr marL="1828800" indent="0" algn="ctr">
-              <a:buNone/>
-              <a:defRPr sz="1600"/>
-            </a:lvl5pPr>
-            <a:lvl6pPr marL="2286000" indent="0" algn="ctr">
-              <a:buNone/>
-              <a:defRPr sz="1600"/>
-            </a:lvl6pPr>
-            <a:lvl7pPr marL="2743200" indent="0" algn="ctr">
-              <a:buNone/>
-              <a:defRPr sz="1600"/>
-            </a:lvl7pPr>
-            <a:lvl8pPr marL="3200400" indent="0" algn="ctr">
-              <a:buNone/>
-              <a:defRPr sz="1600"/>
-            </a:lvl8pPr>
-            <a:lvl9pPr marL="3657600" indent="0" algn="ctr">
-              <a:buNone/>
-              <a:defRPr sz="1600"/>
-            </a:lvl9pPr>
-          </a:lstStyle>
-          <a:p>
-            <a:r>
-              <a:rPr lang="zh-TW" altLang="en-US" smtClean="0"/>
-              <a:t>按一下以編輯母片副標題樣式</a:t>
-            </a:r>
-            <a:endParaRPr lang="zh-TW" altLang="en-US"/>
-          </a:p>
-        </p:txBody>
-      </p:sp>
-      <p:sp>
-        <p:nvSpPr>
           <p:cNvPr id="4" name="日期版面配置區 3"/>
           <p:cNvSpPr>
             <a:spLocks noGrp="1"/>
@@ -239,7 +152,7 @@
           <a:p>
             <a:fld id="{31CDE89B-FBD9-4E23-BEEB-B0C8819124B3}" type="datetimeFigureOut">
               <a:rPr lang="zh-TW" altLang="en-US" smtClean="0"/>
-              <a:t>2022/1/20</a:t>
+              <a:t>2022/2/8</a:t>
             </a:fld>
             <a:endParaRPr lang="zh-TW" altLang="en-US"/>
           </a:p>
@@ -284,6 +197,1427 @@
               <a:t>‹#›</a:t>
             </a:fld>
             <a:endParaRPr lang="zh-TW" altLang="en-US"/>
+          </a:p>
+        </p:txBody>
+      </p:sp>
+      <p:sp>
+        <p:nvSpPr>
+          <p:cNvPr id="7" name="等腰三角形 6"/>
+          <p:cNvSpPr/>
+          <p:nvPr userDrawn="1"/>
+        </p:nvSpPr>
+        <p:spPr>
+          <a:xfrm rot="5400000">
+            <a:off x="-169752" y="169753"/>
+            <a:ext cx="4227936" cy="3888432"/>
+          </a:xfrm>
+          <a:prstGeom prst="triangle">
+            <a:avLst>
+              <a:gd name="adj" fmla="val 0"/>
+            </a:avLst>
+          </a:prstGeom>
+          <a:solidFill>
+            <a:srgbClr val="273045"/>
+          </a:solidFill>
+          <a:ln>
+            <a:noFill/>
+          </a:ln>
+        </p:spPr>
+        <p:style>
+          <a:lnRef idx="2">
+            <a:schemeClr val="accent1">
+              <a:shade val="50000"/>
+            </a:schemeClr>
+          </a:lnRef>
+          <a:fillRef idx="1">
+            <a:schemeClr val="accent1"/>
+          </a:fillRef>
+          <a:effectRef idx="0">
+            <a:schemeClr val="accent1"/>
+          </a:effectRef>
+          <a:fontRef idx="minor">
+            <a:schemeClr val="lt1"/>
+          </a:fontRef>
+        </p:style>
+        <p:txBody>
+          <a:bodyPr rtlCol="0" anchor="ctr"/>
+          <a:lstStyle/>
+          <a:p>
+            <a:pPr algn="ctr"/>
+            <a:endParaRPr lang="zh-CN" altLang="en-US">
+              <a:cs typeface="+mn-ea"/>
+              <a:sym typeface="+mn-lt"/>
+            </a:endParaRPr>
+          </a:p>
+        </p:txBody>
+      </p:sp>
+      <p:sp>
+        <p:nvSpPr>
+          <p:cNvPr id="8" name="矩形 7"/>
+          <p:cNvSpPr/>
+          <p:nvPr userDrawn="1"/>
+        </p:nvSpPr>
+        <p:spPr>
+          <a:xfrm rot="18900000">
+            <a:off x="1675926" y="618677"/>
+            <a:ext cx="443459" cy="443459"/>
+          </a:xfrm>
+          <a:prstGeom prst="rect">
+            <a:avLst/>
+          </a:prstGeom>
+          <a:solidFill>
+            <a:schemeClr val="bg1">
+              <a:lumMod val="85000"/>
+            </a:schemeClr>
+          </a:solidFill>
+          <a:ln>
+            <a:noFill/>
+          </a:ln>
+        </p:spPr>
+        <p:style>
+          <a:lnRef idx="2">
+            <a:schemeClr val="accent1">
+              <a:shade val="50000"/>
+            </a:schemeClr>
+          </a:lnRef>
+          <a:fillRef idx="1">
+            <a:schemeClr val="accent1"/>
+          </a:fillRef>
+          <a:effectRef idx="0">
+            <a:schemeClr val="accent1"/>
+          </a:effectRef>
+          <a:fontRef idx="minor">
+            <a:schemeClr val="lt1"/>
+          </a:fontRef>
+        </p:style>
+        <p:txBody>
+          <a:bodyPr rtlCol="0" anchor="ctr"/>
+          <a:lstStyle/>
+          <a:p>
+            <a:pPr algn="ctr"/>
+            <a:endParaRPr lang="zh-CN" altLang="en-US" dirty="0">
+              <a:cs typeface="+mn-ea"/>
+              <a:sym typeface="+mn-lt"/>
+            </a:endParaRPr>
+          </a:p>
+        </p:txBody>
+      </p:sp>
+      <p:sp>
+        <p:nvSpPr>
+          <p:cNvPr id="9" name="矩形 8"/>
+          <p:cNvSpPr/>
+          <p:nvPr userDrawn="1"/>
+        </p:nvSpPr>
+        <p:spPr>
+          <a:xfrm rot="18900000">
+            <a:off x="1218202" y="1969952"/>
+            <a:ext cx="288032" cy="288032"/>
+          </a:xfrm>
+          <a:prstGeom prst="rect">
+            <a:avLst/>
+          </a:prstGeom>
+          <a:solidFill>
+            <a:schemeClr val="bg1">
+              <a:lumMod val="65000"/>
+            </a:schemeClr>
+          </a:solidFill>
+          <a:ln>
+            <a:noFill/>
+          </a:ln>
+        </p:spPr>
+        <p:style>
+          <a:lnRef idx="2">
+            <a:schemeClr val="accent1">
+              <a:shade val="50000"/>
+            </a:schemeClr>
+          </a:lnRef>
+          <a:fillRef idx="1">
+            <a:schemeClr val="accent1"/>
+          </a:fillRef>
+          <a:effectRef idx="0">
+            <a:schemeClr val="accent1"/>
+          </a:effectRef>
+          <a:fontRef idx="minor">
+            <a:schemeClr val="lt1"/>
+          </a:fontRef>
+        </p:style>
+        <p:txBody>
+          <a:bodyPr rtlCol="0" anchor="ctr"/>
+          <a:lstStyle/>
+          <a:p>
+            <a:pPr algn="ctr"/>
+            <a:endParaRPr lang="zh-CN" altLang="en-US">
+              <a:cs typeface="+mn-ea"/>
+              <a:sym typeface="+mn-lt"/>
+            </a:endParaRPr>
+          </a:p>
+        </p:txBody>
+      </p:sp>
+      <p:sp>
+        <p:nvSpPr>
+          <p:cNvPr id="10" name="矩形 9"/>
+          <p:cNvSpPr/>
+          <p:nvPr userDrawn="1"/>
+        </p:nvSpPr>
+        <p:spPr>
+          <a:xfrm rot="18900000">
+            <a:off x="526632" y="1152871"/>
+            <a:ext cx="450432" cy="450432"/>
+          </a:xfrm>
+          <a:prstGeom prst="rect">
+            <a:avLst/>
+          </a:prstGeom>
+          <a:solidFill>
+            <a:schemeClr val="bg1">
+              <a:lumMod val="85000"/>
+            </a:schemeClr>
+          </a:solidFill>
+          <a:ln>
+            <a:noFill/>
+          </a:ln>
+        </p:spPr>
+        <p:style>
+          <a:lnRef idx="2">
+            <a:schemeClr val="accent1">
+              <a:shade val="50000"/>
+            </a:schemeClr>
+          </a:lnRef>
+          <a:fillRef idx="1">
+            <a:schemeClr val="accent1"/>
+          </a:fillRef>
+          <a:effectRef idx="0">
+            <a:schemeClr val="accent1"/>
+          </a:effectRef>
+          <a:fontRef idx="minor">
+            <a:schemeClr val="lt1"/>
+          </a:fontRef>
+        </p:style>
+        <p:txBody>
+          <a:bodyPr rtlCol="0" anchor="ctr"/>
+          <a:lstStyle/>
+          <a:p>
+            <a:pPr algn="ctr"/>
+            <a:endParaRPr lang="en-US" altLang="zh-CN" dirty="0">
+              <a:cs typeface="+mn-ea"/>
+              <a:sym typeface="+mn-lt"/>
+            </a:endParaRPr>
+          </a:p>
+          <a:p>
+            <a:pPr algn="ctr"/>
+            <a:endParaRPr lang="en-US" altLang="zh-CN" dirty="0">
+              <a:cs typeface="+mn-ea"/>
+              <a:sym typeface="+mn-lt"/>
+            </a:endParaRPr>
+          </a:p>
+          <a:p>
+            <a:pPr algn="ctr"/>
+            <a:endParaRPr lang="en-US" altLang="zh-CN" dirty="0">
+              <a:cs typeface="+mn-ea"/>
+              <a:sym typeface="+mn-lt"/>
+            </a:endParaRPr>
+          </a:p>
+          <a:p>
+            <a:pPr algn="ctr"/>
+            <a:endParaRPr lang="en-US" altLang="zh-CN" dirty="0">
+              <a:cs typeface="+mn-ea"/>
+              <a:sym typeface="+mn-lt"/>
+            </a:endParaRPr>
+          </a:p>
+          <a:p>
+            <a:pPr algn="ctr"/>
+            <a:endParaRPr lang="en-US" altLang="zh-CN" dirty="0">
+              <a:cs typeface="+mn-ea"/>
+              <a:sym typeface="+mn-lt"/>
+            </a:endParaRPr>
+          </a:p>
+          <a:p>
+            <a:pPr algn="ctr"/>
+            <a:endParaRPr lang="zh-CN" altLang="en-US" dirty="0">
+              <a:cs typeface="+mn-ea"/>
+              <a:sym typeface="+mn-lt"/>
+            </a:endParaRPr>
+          </a:p>
+        </p:txBody>
+      </p:sp>
+      <p:sp>
+        <p:nvSpPr>
+          <p:cNvPr id="11" name="矩形 10"/>
+          <p:cNvSpPr/>
+          <p:nvPr userDrawn="1"/>
+        </p:nvSpPr>
+        <p:spPr>
+          <a:xfrm rot="18900000">
+            <a:off x="566624" y="1447533"/>
+            <a:ext cx="397532" cy="397532"/>
+          </a:xfrm>
+          <a:prstGeom prst="rect">
+            <a:avLst/>
+          </a:prstGeom>
+          <a:solidFill>
+            <a:schemeClr val="bg1">
+              <a:lumMod val="75000"/>
+            </a:schemeClr>
+          </a:solidFill>
+          <a:ln>
+            <a:noFill/>
+          </a:ln>
+          <a:effectLst>
+            <a:outerShdw blurRad="50800" dist="38100" dir="2700000" algn="tl" rotWithShape="0">
+              <a:prstClr val="black">
+                <a:alpha val="40000"/>
+              </a:prstClr>
+            </a:outerShdw>
+          </a:effectLst>
+        </p:spPr>
+        <p:style>
+          <a:lnRef idx="2">
+            <a:schemeClr val="accent1">
+              <a:shade val="50000"/>
+            </a:schemeClr>
+          </a:lnRef>
+          <a:fillRef idx="1">
+            <a:schemeClr val="accent1"/>
+          </a:fillRef>
+          <a:effectRef idx="0">
+            <a:schemeClr val="accent1"/>
+          </a:effectRef>
+          <a:fontRef idx="minor">
+            <a:schemeClr val="lt1"/>
+          </a:fontRef>
+        </p:style>
+        <p:txBody>
+          <a:bodyPr rtlCol="0" anchor="ctr"/>
+          <a:lstStyle/>
+          <a:p>
+            <a:pPr algn="ctr"/>
+            <a:endParaRPr lang="zh-CN" altLang="en-US">
+              <a:cs typeface="+mn-ea"/>
+              <a:sym typeface="+mn-lt"/>
+            </a:endParaRPr>
+          </a:p>
+        </p:txBody>
+      </p:sp>
+      <p:sp>
+        <p:nvSpPr>
+          <p:cNvPr id="12" name="矩形 11"/>
+          <p:cNvSpPr/>
+          <p:nvPr userDrawn="1"/>
+        </p:nvSpPr>
+        <p:spPr>
+          <a:xfrm rot="18900000">
+            <a:off x="3067483" y="470465"/>
+            <a:ext cx="288032" cy="144016"/>
+          </a:xfrm>
+          <a:prstGeom prst="rect">
+            <a:avLst/>
+          </a:prstGeom>
+          <a:solidFill>
+            <a:schemeClr val="bg1">
+              <a:lumMod val="65000"/>
+            </a:schemeClr>
+          </a:solidFill>
+          <a:ln>
+            <a:noFill/>
+          </a:ln>
+        </p:spPr>
+        <p:style>
+          <a:lnRef idx="2">
+            <a:schemeClr val="accent1">
+              <a:shade val="50000"/>
+            </a:schemeClr>
+          </a:lnRef>
+          <a:fillRef idx="1">
+            <a:schemeClr val="accent1"/>
+          </a:fillRef>
+          <a:effectRef idx="0">
+            <a:schemeClr val="accent1"/>
+          </a:effectRef>
+          <a:fontRef idx="minor">
+            <a:schemeClr val="lt1"/>
+          </a:fontRef>
+        </p:style>
+        <p:txBody>
+          <a:bodyPr rtlCol="0" anchor="ctr"/>
+          <a:lstStyle/>
+          <a:p>
+            <a:pPr algn="ctr"/>
+            <a:endParaRPr lang="zh-CN" altLang="en-US">
+              <a:cs typeface="+mn-ea"/>
+              <a:sym typeface="+mn-lt"/>
+            </a:endParaRPr>
+          </a:p>
+        </p:txBody>
+      </p:sp>
+      <p:sp>
+        <p:nvSpPr>
+          <p:cNvPr id="13" name="矩形 12"/>
+          <p:cNvSpPr/>
+          <p:nvPr userDrawn="1"/>
+        </p:nvSpPr>
+        <p:spPr>
+          <a:xfrm rot="18900000">
+            <a:off x="3198605" y="1933205"/>
+            <a:ext cx="544052" cy="544052"/>
+          </a:xfrm>
+          <a:prstGeom prst="rect">
+            <a:avLst/>
+          </a:prstGeom>
+          <a:solidFill>
+            <a:schemeClr val="bg1">
+              <a:lumMod val="85000"/>
+            </a:schemeClr>
+          </a:solidFill>
+          <a:ln>
+            <a:noFill/>
+          </a:ln>
+        </p:spPr>
+        <p:style>
+          <a:lnRef idx="2">
+            <a:schemeClr val="accent1">
+              <a:shade val="50000"/>
+            </a:schemeClr>
+          </a:lnRef>
+          <a:fillRef idx="1">
+            <a:schemeClr val="accent1"/>
+          </a:fillRef>
+          <a:effectRef idx="0">
+            <a:schemeClr val="accent1"/>
+          </a:effectRef>
+          <a:fontRef idx="minor">
+            <a:schemeClr val="lt1"/>
+          </a:fontRef>
+        </p:style>
+        <p:txBody>
+          <a:bodyPr rtlCol="0" anchor="ctr"/>
+          <a:lstStyle/>
+          <a:p>
+            <a:pPr algn="ctr"/>
+            <a:endParaRPr lang="zh-CN" altLang="en-US">
+              <a:cs typeface="+mn-ea"/>
+              <a:sym typeface="+mn-lt"/>
+            </a:endParaRPr>
+          </a:p>
+        </p:txBody>
+      </p:sp>
+      <p:sp>
+        <p:nvSpPr>
+          <p:cNvPr id="14" name="矩形 13"/>
+          <p:cNvSpPr/>
+          <p:nvPr userDrawn="1"/>
+        </p:nvSpPr>
+        <p:spPr>
+          <a:xfrm rot="18900000">
+            <a:off x="2826103" y="1368225"/>
+            <a:ext cx="272026" cy="272026"/>
+          </a:xfrm>
+          <a:prstGeom prst="rect">
+            <a:avLst/>
+          </a:prstGeom>
+          <a:solidFill>
+            <a:srgbClr val="273045"/>
+          </a:solidFill>
+          <a:ln>
+            <a:noFill/>
+          </a:ln>
+          <a:effectLst>
+            <a:outerShdw blurRad="50800" dist="38100" dir="2700000" algn="tl" rotWithShape="0">
+              <a:prstClr val="black">
+                <a:alpha val="40000"/>
+              </a:prstClr>
+            </a:outerShdw>
+          </a:effectLst>
+        </p:spPr>
+        <p:style>
+          <a:lnRef idx="2">
+            <a:schemeClr val="accent1">
+              <a:shade val="50000"/>
+            </a:schemeClr>
+          </a:lnRef>
+          <a:fillRef idx="1">
+            <a:schemeClr val="accent1"/>
+          </a:fillRef>
+          <a:effectRef idx="0">
+            <a:schemeClr val="accent1"/>
+          </a:effectRef>
+          <a:fontRef idx="minor">
+            <a:schemeClr val="lt1"/>
+          </a:fontRef>
+        </p:style>
+        <p:txBody>
+          <a:bodyPr rtlCol="0" anchor="ctr"/>
+          <a:lstStyle/>
+          <a:p>
+            <a:pPr algn="ctr"/>
+            <a:endParaRPr lang="zh-CN" altLang="en-US">
+              <a:cs typeface="+mn-ea"/>
+              <a:sym typeface="+mn-lt"/>
+            </a:endParaRPr>
+          </a:p>
+        </p:txBody>
+      </p:sp>
+      <p:sp>
+        <p:nvSpPr>
+          <p:cNvPr id="15" name="矩形 14"/>
+          <p:cNvSpPr/>
+          <p:nvPr userDrawn="1"/>
+        </p:nvSpPr>
+        <p:spPr>
+          <a:xfrm rot="18900000">
+            <a:off x="3210016" y="2373976"/>
+            <a:ext cx="272026" cy="272026"/>
+          </a:xfrm>
+          <a:prstGeom prst="rect">
+            <a:avLst/>
+          </a:prstGeom>
+          <a:solidFill>
+            <a:srgbClr val="273045">
+              <a:alpha val="80000"/>
+            </a:srgbClr>
+          </a:solidFill>
+          <a:ln>
+            <a:noFill/>
+          </a:ln>
+        </p:spPr>
+        <p:style>
+          <a:lnRef idx="2">
+            <a:schemeClr val="accent1">
+              <a:shade val="50000"/>
+            </a:schemeClr>
+          </a:lnRef>
+          <a:fillRef idx="1">
+            <a:schemeClr val="accent1"/>
+          </a:fillRef>
+          <a:effectRef idx="0">
+            <a:schemeClr val="accent1"/>
+          </a:effectRef>
+          <a:fontRef idx="minor">
+            <a:schemeClr val="lt1"/>
+          </a:fontRef>
+        </p:style>
+        <p:txBody>
+          <a:bodyPr rtlCol="0" anchor="ctr"/>
+          <a:lstStyle/>
+          <a:p>
+            <a:pPr algn="ctr"/>
+            <a:endParaRPr lang="zh-CN" altLang="en-US">
+              <a:cs typeface="+mn-ea"/>
+              <a:sym typeface="+mn-lt"/>
+            </a:endParaRPr>
+          </a:p>
+        </p:txBody>
+      </p:sp>
+      <p:sp>
+        <p:nvSpPr>
+          <p:cNvPr id="16" name="矩形 15"/>
+          <p:cNvSpPr/>
+          <p:nvPr userDrawn="1"/>
+        </p:nvSpPr>
+        <p:spPr>
+          <a:xfrm rot="18900000">
+            <a:off x="1998752" y="1636898"/>
+            <a:ext cx="470822" cy="470822"/>
+          </a:xfrm>
+          <a:prstGeom prst="rect">
+            <a:avLst/>
+          </a:prstGeom>
+          <a:solidFill>
+            <a:schemeClr val="bg1">
+              <a:lumMod val="85000"/>
+              <a:alpha val="80000"/>
+            </a:schemeClr>
+          </a:solidFill>
+          <a:ln>
+            <a:noFill/>
+          </a:ln>
+        </p:spPr>
+        <p:style>
+          <a:lnRef idx="2">
+            <a:schemeClr val="accent1">
+              <a:shade val="50000"/>
+            </a:schemeClr>
+          </a:lnRef>
+          <a:fillRef idx="1">
+            <a:schemeClr val="accent1"/>
+          </a:fillRef>
+          <a:effectRef idx="0">
+            <a:schemeClr val="accent1"/>
+          </a:effectRef>
+          <a:fontRef idx="minor">
+            <a:schemeClr val="lt1"/>
+          </a:fontRef>
+        </p:style>
+        <p:txBody>
+          <a:bodyPr rtlCol="0" anchor="ctr"/>
+          <a:lstStyle/>
+          <a:p>
+            <a:pPr algn="ctr"/>
+            <a:endParaRPr lang="zh-CN" altLang="en-US">
+              <a:cs typeface="+mn-ea"/>
+              <a:sym typeface="+mn-lt"/>
+            </a:endParaRPr>
+          </a:p>
+        </p:txBody>
+      </p:sp>
+      <p:grpSp>
+        <p:nvGrpSpPr>
+          <p:cNvPr id="17" name="组合 1"/>
+          <p:cNvGrpSpPr/>
+          <p:nvPr userDrawn="1"/>
+        </p:nvGrpSpPr>
+        <p:grpSpPr>
+          <a:xfrm>
+            <a:off x="478188" y="2491941"/>
+            <a:ext cx="1604068" cy="1825962"/>
+            <a:chOff x="478188" y="2491941"/>
+            <a:chExt cx="1604068" cy="1825962"/>
+          </a:xfrm>
+        </p:grpSpPr>
+        <p:sp>
+          <p:nvSpPr>
+            <p:cNvPr id="18" name="矩形 17"/>
+            <p:cNvSpPr/>
+            <p:nvPr/>
+          </p:nvSpPr>
+          <p:spPr>
+            <a:xfrm rot="18900000">
+              <a:off x="478188" y="2741565"/>
+              <a:ext cx="732139" cy="732139"/>
+            </a:xfrm>
+            <a:prstGeom prst="rect">
+              <a:avLst/>
+            </a:prstGeom>
+            <a:solidFill>
+              <a:schemeClr val="bg1">
+                <a:lumMod val="85000"/>
+              </a:schemeClr>
+            </a:solidFill>
+            <a:ln>
+              <a:noFill/>
+            </a:ln>
+          </p:spPr>
+          <p:style>
+            <a:lnRef idx="2">
+              <a:schemeClr val="accent1">
+                <a:shade val="50000"/>
+              </a:schemeClr>
+            </a:lnRef>
+            <a:fillRef idx="1">
+              <a:schemeClr val="accent1"/>
+            </a:fillRef>
+            <a:effectRef idx="0">
+              <a:schemeClr val="accent1"/>
+            </a:effectRef>
+            <a:fontRef idx="minor">
+              <a:schemeClr val="lt1"/>
+            </a:fontRef>
+          </p:style>
+          <p:txBody>
+            <a:bodyPr rtlCol="0" anchor="ctr"/>
+            <a:lstStyle/>
+            <a:p>
+              <a:pPr algn="ctr"/>
+              <a:endParaRPr lang="zh-CN" altLang="en-US">
+                <a:cs typeface="+mn-ea"/>
+                <a:sym typeface="+mn-lt"/>
+              </a:endParaRPr>
+            </a:p>
+          </p:txBody>
+        </p:sp>
+        <p:sp>
+          <p:nvSpPr>
+            <p:cNvPr id="19" name="矩形 18"/>
+            <p:cNvSpPr/>
+            <p:nvPr/>
+          </p:nvSpPr>
+          <p:spPr>
+            <a:xfrm rot="18900000">
+              <a:off x="1444626" y="3204415"/>
+              <a:ext cx="606878" cy="606878"/>
+            </a:xfrm>
+            <a:prstGeom prst="rect">
+              <a:avLst/>
+            </a:prstGeom>
+            <a:solidFill>
+              <a:schemeClr val="bg1">
+                <a:lumMod val="85000"/>
+              </a:schemeClr>
+            </a:solidFill>
+            <a:ln>
+              <a:noFill/>
+            </a:ln>
+            <a:effectLst>
+              <a:outerShdw blurRad="50800" dist="38100" dir="2700000" algn="tl" rotWithShape="0">
+                <a:prstClr val="black">
+                  <a:alpha val="40000"/>
+                </a:prstClr>
+              </a:outerShdw>
+            </a:effectLst>
+          </p:spPr>
+          <p:style>
+            <a:lnRef idx="2">
+              <a:schemeClr val="accent1">
+                <a:shade val="50000"/>
+              </a:schemeClr>
+            </a:lnRef>
+            <a:fillRef idx="1">
+              <a:schemeClr val="accent1"/>
+            </a:fillRef>
+            <a:effectRef idx="0">
+              <a:schemeClr val="accent1"/>
+            </a:effectRef>
+            <a:fontRef idx="minor">
+              <a:schemeClr val="lt1"/>
+            </a:fontRef>
+          </p:style>
+          <p:txBody>
+            <a:bodyPr rtlCol="0" anchor="ctr"/>
+            <a:lstStyle/>
+            <a:p>
+              <a:pPr algn="ctr"/>
+              <a:endParaRPr lang="zh-CN" altLang="en-US">
+                <a:cs typeface="+mn-ea"/>
+                <a:sym typeface="+mn-lt"/>
+              </a:endParaRPr>
+            </a:p>
+          </p:txBody>
+        </p:sp>
+        <p:sp>
+          <p:nvSpPr>
+            <p:cNvPr id="20" name="矩形 19"/>
+            <p:cNvSpPr/>
+            <p:nvPr/>
+          </p:nvSpPr>
+          <p:spPr>
+            <a:xfrm rot="18900000">
+              <a:off x="1241886" y="3051907"/>
+              <a:ext cx="377718" cy="377718"/>
+            </a:xfrm>
+            <a:prstGeom prst="rect">
+              <a:avLst/>
+            </a:prstGeom>
+            <a:solidFill>
+              <a:schemeClr val="bg1">
+                <a:lumMod val="85000"/>
+              </a:schemeClr>
+            </a:solidFill>
+            <a:ln>
+              <a:noFill/>
+            </a:ln>
+          </p:spPr>
+          <p:style>
+            <a:lnRef idx="2">
+              <a:schemeClr val="accent1">
+                <a:shade val="50000"/>
+              </a:schemeClr>
+            </a:lnRef>
+            <a:fillRef idx="1">
+              <a:schemeClr val="accent1"/>
+            </a:fillRef>
+            <a:effectRef idx="0">
+              <a:schemeClr val="accent1"/>
+            </a:effectRef>
+            <a:fontRef idx="minor">
+              <a:schemeClr val="lt1"/>
+            </a:fontRef>
+          </p:style>
+          <p:txBody>
+            <a:bodyPr rtlCol="0" anchor="ctr"/>
+            <a:lstStyle/>
+            <a:p>
+              <a:pPr algn="ctr"/>
+              <a:endParaRPr lang="zh-CN" altLang="en-US">
+                <a:cs typeface="+mn-ea"/>
+                <a:sym typeface="+mn-lt"/>
+              </a:endParaRPr>
+            </a:p>
+          </p:txBody>
+        </p:sp>
+        <p:sp>
+          <p:nvSpPr>
+            <p:cNvPr id="21" name="矩形 20"/>
+            <p:cNvSpPr/>
+            <p:nvPr/>
+          </p:nvSpPr>
+          <p:spPr>
+            <a:xfrm rot="18900000">
+              <a:off x="1210483" y="3663338"/>
+              <a:ext cx="654565" cy="654565"/>
+            </a:xfrm>
+            <a:prstGeom prst="rect">
+              <a:avLst/>
+            </a:prstGeom>
+            <a:solidFill>
+              <a:schemeClr val="bg1">
+                <a:lumMod val="85000"/>
+              </a:schemeClr>
+            </a:solidFill>
+            <a:ln>
+              <a:noFill/>
+            </a:ln>
+          </p:spPr>
+          <p:style>
+            <a:lnRef idx="2">
+              <a:schemeClr val="accent1">
+                <a:shade val="50000"/>
+              </a:schemeClr>
+            </a:lnRef>
+            <a:fillRef idx="1">
+              <a:schemeClr val="accent1"/>
+            </a:fillRef>
+            <a:effectRef idx="0">
+              <a:schemeClr val="accent1"/>
+            </a:effectRef>
+            <a:fontRef idx="minor">
+              <a:schemeClr val="lt1"/>
+            </a:fontRef>
+          </p:style>
+          <p:txBody>
+            <a:bodyPr rtlCol="0" anchor="ctr"/>
+            <a:lstStyle/>
+            <a:p>
+              <a:pPr algn="ctr"/>
+              <a:endParaRPr lang="zh-CN" altLang="en-US">
+                <a:cs typeface="+mn-ea"/>
+                <a:sym typeface="+mn-lt"/>
+              </a:endParaRPr>
+            </a:p>
+          </p:txBody>
+        </p:sp>
+        <p:sp>
+          <p:nvSpPr>
+            <p:cNvPr id="22" name="矩形 21"/>
+            <p:cNvSpPr/>
+            <p:nvPr/>
+          </p:nvSpPr>
+          <p:spPr>
+            <a:xfrm rot="18900000">
+              <a:off x="956846" y="3117753"/>
+              <a:ext cx="654565" cy="654565"/>
+            </a:xfrm>
+            <a:prstGeom prst="rect">
+              <a:avLst/>
+            </a:prstGeom>
+            <a:solidFill>
+              <a:schemeClr val="bg1">
+                <a:lumMod val="85000"/>
+              </a:schemeClr>
+            </a:solidFill>
+            <a:ln>
+              <a:noFill/>
+            </a:ln>
+          </p:spPr>
+          <p:style>
+            <a:lnRef idx="2">
+              <a:schemeClr val="accent1">
+                <a:shade val="50000"/>
+              </a:schemeClr>
+            </a:lnRef>
+            <a:fillRef idx="1">
+              <a:schemeClr val="accent1"/>
+            </a:fillRef>
+            <a:effectRef idx="0">
+              <a:schemeClr val="accent1"/>
+            </a:effectRef>
+            <a:fontRef idx="minor">
+              <a:schemeClr val="lt1"/>
+            </a:fontRef>
+          </p:style>
+          <p:txBody>
+            <a:bodyPr rtlCol="0" anchor="ctr"/>
+            <a:lstStyle/>
+            <a:p>
+              <a:pPr algn="ctr"/>
+              <a:endParaRPr lang="zh-CN" altLang="en-US">
+                <a:cs typeface="+mn-ea"/>
+                <a:sym typeface="+mn-lt"/>
+              </a:endParaRPr>
+            </a:p>
+          </p:txBody>
+        </p:sp>
+        <p:sp>
+          <p:nvSpPr>
+            <p:cNvPr id="23" name="矩形 22"/>
+            <p:cNvSpPr/>
+            <p:nvPr/>
+          </p:nvSpPr>
+          <p:spPr>
+            <a:xfrm rot="18900000">
+              <a:off x="1240646" y="2491941"/>
+              <a:ext cx="841610" cy="841610"/>
+            </a:xfrm>
+            <a:prstGeom prst="rect">
+              <a:avLst/>
+            </a:prstGeom>
+            <a:solidFill>
+              <a:schemeClr val="bg1">
+                <a:lumMod val="85000"/>
+              </a:schemeClr>
+            </a:solidFill>
+            <a:ln>
+              <a:noFill/>
+            </a:ln>
+          </p:spPr>
+          <p:style>
+            <a:lnRef idx="2">
+              <a:schemeClr val="accent1">
+                <a:shade val="50000"/>
+              </a:schemeClr>
+            </a:lnRef>
+            <a:fillRef idx="1">
+              <a:schemeClr val="accent1"/>
+            </a:fillRef>
+            <a:effectRef idx="0">
+              <a:schemeClr val="accent1"/>
+            </a:effectRef>
+            <a:fontRef idx="minor">
+              <a:schemeClr val="lt1"/>
+            </a:fontRef>
+          </p:style>
+          <p:txBody>
+            <a:bodyPr rtlCol="0" anchor="ctr"/>
+            <a:lstStyle/>
+            <a:p>
+              <a:pPr algn="ctr"/>
+              <a:endParaRPr lang="zh-CN" altLang="en-US">
+                <a:cs typeface="+mn-ea"/>
+                <a:sym typeface="+mn-lt"/>
+              </a:endParaRPr>
+            </a:p>
+          </p:txBody>
+        </p:sp>
+      </p:grpSp>
+      <p:grpSp>
+        <p:nvGrpSpPr>
+          <p:cNvPr id="24" name="组合 1024"/>
+          <p:cNvGrpSpPr/>
+          <p:nvPr userDrawn="1"/>
+        </p:nvGrpSpPr>
+        <p:grpSpPr>
+          <a:xfrm>
+            <a:off x="10944225" y="5735993"/>
+            <a:ext cx="845241" cy="620356"/>
+            <a:chOff x="7789817" y="4257180"/>
+            <a:chExt cx="845241" cy="620356"/>
+          </a:xfrm>
+        </p:grpSpPr>
+        <p:grpSp>
+          <p:nvGrpSpPr>
+            <p:cNvPr id="25" name="组合 6"/>
+            <p:cNvGrpSpPr/>
+            <p:nvPr/>
+          </p:nvGrpSpPr>
+          <p:grpSpPr>
+            <a:xfrm>
+              <a:off x="8306276" y="4330865"/>
+              <a:ext cx="328782" cy="303293"/>
+              <a:chOff x="8349677" y="4284250"/>
+              <a:chExt cx="600042" cy="553523"/>
+            </a:xfrm>
+          </p:grpSpPr>
+          <p:sp>
+            <p:nvSpPr>
+              <p:cNvPr id="29" name="矩形 28"/>
+              <p:cNvSpPr/>
+              <p:nvPr/>
+            </p:nvSpPr>
+            <p:spPr>
+              <a:xfrm rot="18900000">
+                <a:off x="8349677" y="4284250"/>
+                <a:ext cx="272026" cy="272026"/>
+              </a:xfrm>
+              <a:prstGeom prst="rect">
+                <a:avLst/>
+              </a:prstGeom>
+              <a:solidFill>
+                <a:srgbClr val="273045"/>
+              </a:solidFill>
+              <a:ln>
+                <a:noFill/>
+              </a:ln>
+            </p:spPr>
+            <p:style>
+              <a:lnRef idx="2">
+                <a:schemeClr val="accent1">
+                  <a:shade val="50000"/>
+                </a:schemeClr>
+              </a:lnRef>
+              <a:fillRef idx="1">
+                <a:schemeClr val="accent1"/>
+              </a:fillRef>
+              <a:effectRef idx="0">
+                <a:schemeClr val="accent1"/>
+              </a:effectRef>
+              <a:fontRef idx="minor">
+                <a:schemeClr val="lt1"/>
+              </a:fontRef>
+            </p:style>
+            <p:txBody>
+              <a:bodyPr rtlCol="0" anchor="ctr"/>
+              <a:lstStyle/>
+              <a:p>
+                <a:pPr algn="ctr"/>
+                <a:endParaRPr lang="zh-CN" altLang="en-US">
+                  <a:cs typeface="+mn-ea"/>
+                  <a:sym typeface="+mn-lt"/>
+                </a:endParaRPr>
+              </a:p>
+            </p:txBody>
+          </p:sp>
+          <p:sp>
+            <p:nvSpPr>
+              <p:cNvPr id="30" name="矩形 29"/>
+              <p:cNvSpPr/>
+              <p:nvPr/>
+            </p:nvSpPr>
+            <p:spPr>
+              <a:xfrm rot="18900000">
+                <a:off x="8724654" y="4612708"/>
+                <a:ext cx="225065" cy="225065"/>
+              </a:xfrm>
+              <a:prstGeom prst="rect">
+                <a:avLst/>
+              </a:prstGeom>
+              <a:solidFill>
+                <a:schemeClr val="bg1">
+                  <a:lumMod val="85000"/>
+                </a:schemeClr>
+              </a:solidFill>
+              <a:ln>
+                <a:noFill/>
+              </a:ln>
+            </p:spPr>
+            <p:style>
+              <a:lnRef idx="2">
+                <a:schemeClr val="accent1">
+                  <a:shade val="50000"/>
+                </a:schemeClr>
+              </a:lnRef>
+              <a:fillRef idx="1">
+                <a:schemeClr val="accent1"/>
+              </a:fillRef>
+              <a:effectRef idx="0">
+                <a:schemeClr val="accent1"/>
+              </a:effectRef>
+              <a:fontRef idx="minor">
+                <a:schemeClr val="lt1"/>
+              </a:fontRef>
+            </p:style>
+            <p:txBody>
+              <a:bodyPr rtlCol="0" anchor="ctr"/>
+              <a:lstStyle/>
+              <a:p>
+                <a:pPr algn="ctr"/>
+                <a:endParaRPr lang="zh-CN" altLang="en-US">
+                  <a:cs typeface="+mn-ea"/>
+                  <a:sym typeface="+mn-lt"/>
+                </a:endParaRPr>
+              </a:p>
+            </p:txBody>
+          </p:sp>
+        </p:grpSp>
+        <p:sp>
+          <p:nvSpPr>
+            <p:cNvPr id="26" name="矩形 25"/>
+            <p:cNvSpPr/>
+            <p:nvPr/>
+          </p:nvSpPr>
+          <p:spPr>
+            <a:xfrm rot="8100000">
+              <a:off x="7789817" y="4339105"/>
+              <a:ext cx="264135" cy="264135"/>
+            </a:xfrm>
+            <a:prstGeom prst="rect">
+              <a:avLst/>
+            </a:prstGeom>
+            <a:solidFill>
+              <a:schemeClr val="bg1">
+                <a:lumMod val="85000"/>
+              </a:schemeClr>
+            </a:solidFill>
+            <a:ln>
+              <a:noFill/>
+            </a:ln>
+          </p:spPr>
+          <p:style>
+            <a:lnRef idx="2">
+              <a:schemeClr val="accent1">
+                <a:shade val="50000"/>
+              </a:schemeClr>
+            </a:lnRef>
+            <a:fillRef idx="1">
+              <a:schemeClr val="accent1"/>
+            </a:fillRef>
+            <a:effectRef idx="0">
+              <a:schemeClr val="accent1"/>
+            </a:effectRef>
+            <a:fontRef idx="minor">
+              <a:schemeClr val="lt1"/>
+            </a:fontRef>
+          </p:style>
+          <p:txBody>
+            <a:bodyPr rtlCol="0" anchor="ctr"/>
+            <a:lstStyle/>
+            <a:p>
+              <a:pPr algn="ctr"/>
+              <a:endParaRPr lang="zh-CN" altLang="en-US">
+                <a:cs typeface="+mn-ea"/>
+                <a:sym typeface="+mn-lt"/>
+              </a:endParaRPr>
+            </a:p>
+          </p:txBody>
+        </p:sp>
+        <p:sp>
+          <p:nvSpPr>
+            <p:cNvPr id="27" name="矩形 26"/>
+            <p:cNvSpPr/>
+            <p:nvPr/>
+          </p:nvSpPr>
+          <p:spPr>
+            <a:xfrm rot="8100000">
+              <a:off x="8102733" y="4745468"/>
+              <a:ext cx="132068" cy="132068"/>
+            </a:xfrm>
+            <a:prstGeom prst="rect">
+              <a:avLst/>
+            </a:prstGeom>
+            <a:solidFill>
+              <a:srgbClr val="273045"/>
+            </a:solidFill>
+            <a:ln>
+              <a:noFill/>
+            </a:ln>
+            <a:effectLst>
+              <a:outerShdw blurRad="50800" dist="38100" dir="2700000" algn="tl" rotWithShape="0">
+                <a:prstClr val="black">
+                  <a:alpha val="40000"/>
+                </a:prstClr>
+              </a:outerShdw>
+            </a:effectLst>
+          </p:spPr>
+          <p:style>
+            <a:lnRef idx="2">
+              <a:schemeClr val="accent1">
+                <a:shade val="50000"/>
+              </a:schemeClr>
+            </a:lnRef>
+            <a:fillRef idx="1">
+              <a:schemeClr val="accent1"/>
+            </a:fillRef>
+            <a:effectRef idx="0">
+              <a:schemeClr val="accent1"/>
+            </a:effectRef>
+            <a:fontRef idx="minor">
+              <a:schemeClr val="lt1"/>
+            </a:fontRef>
+          </p:style>
+          <p:txBody>
+            <a:bodyPr rtlCol="0" anchor="ctr"/>
+            <a:lstStyle/>
+            <a:p>
+              <a:pPr algn="ctr"/>
+              <a:endParaRPr lang="zh-CN" altLang="en-US">
+                <a:cs typeface="+mn-ea"/>
+                <a:sym typeface="+mn-lt"/>
+              </a:endParaRPr>
+            </a:p>
+          </p:txBody>
+        </p:sp>
+        <p:sp>
+          <p:nvSpPr>
+            <p:cNvPr id="28" name="矩形 27"/>
+            <p:cNvSpPr/>
+            <p:nvPr/>
+          </p:nvSpPr>
+          <p:spPr>
+            <a:xfrm rot="8100000">
+              <a:off x="7916345" y="4257180"/>
+              <a:ext cx="132068" cy="132068"/>
+            </a:xfrm>
+            <a:prstGeom prst="rect">
+              <a:avLst/>
+            </a:prstGeom>
+            <a:solidFill>
+              <a:srgbClr val="273045">
+                <a:alpha val="80000"/>
+              </a:srgbClr>
+            </a:solidFill>
+            <a:ln>
+              <a:noFill/>
+            </a:ln>
+          </p:spPr>
+          <p:style>
+            <a:lnRef idx="2">
+              <a:schemeClr val="accent1">
+                <a:shade val="50000"/>
+              </a:schemeClr>
+            </a:lnRef>
+            <a:fillRef idx="1">
+              <a:schemeClr val="accent1"/>
+            </a:fillRef>
+            <a:effectRef idx="0">
+              <a:schemeClr val="accent1"/>
+            </a:effectRef>
+            <a:fontRef idx="minor">
+              <a:schemeClr val="lt1"/>
+            </a:fontRef>
+          </p:style>
+          <p:txBody>
+            <a:bodyPr rtlCol="0" anchor="ctr"/>
+            <a:lstStyle/>
+            <a:p>
+              <a:pPr algn="ctr"/>
+              <a:endParaRPr lang="zh-CN" altLang="en-US">
+                <a:cs typeface="+mn-ea"/>
+                <a:sym typeface="+mn-lt"/>
+              </a:endParaRPr>
+            </a:p>
+          </p:txBody>
+        </p:sp>
+      </p:grpSp>
+      <p:grpSp>
+        <p:nvGrpSpPr>
+          <p:cNvPr id="31" name="组合 1029"/>
+          <p:cNvGrpSpPr/>
+          <p:nvPr userDrawn="1"/>
+        </p:nvGrpSpPr>
+        <p:grpSpPr>
+          <a:xfrm>
+            <a:off x="3346029" y="-367929"/>
+            <a:ext cx="1237092" cy="1436232"/>
+            <a:chOff x="3288977" y="-263355"/>
+            <a:chExt cx="1237092" cy="1436232"/>
+          </a:xfrm>
+        </p:grpSpPr>
+        <p:cxnSp>
+          <p:nvCxnSpPr>
+            <p:cNvPr id="32" name="直接连接符 1028"/>
+            <p:cNvCxnSpPr/>
+            <p:nvPr/>
+          </p:nvCxnSpPr>
+          <p:spPr>
+            <a:xfrm flipV="1">
+              <a:off x="3685663" y="-263355"/>
+              <a:ext cx="840406" cy="840406"/>
+            </a:xfrm>
+            <a:prstGeom prst="line">
+              <a:avLst/>
+            </a:prstGeom>
+            <a:ln w="12700">
+              <a:solidFill>
+                <a:srgbClr val="273045"/>
+              </a:solidFill>
+            </a:ln>
+          </p:spPr>
+          <p:style>
+            <a:lnRef idx="1">
+              <a:schemeClr val="accent1"/>
+            </a:lnRef>
+            <a:fillRef idx="0">
+              <a:schemeClr val="accent1"/>
+            </a:fillRef>
+            <a:effectRef idx="0">
+              <a:schemeClr val="accent1"/>
+            </a:effectRef>
+            <a:fontRef idx="minor">
+              <a:schemeClr val="tx1"/>
+            </a:fontRef>
+          </p:style>
+        </p:cxnSp>
+        <p:cxnSp>
+          <p:nvCxnSpPr>
+            <p:cNvPr id="33" name="直接连接符 57"/>
+            <p:cNvCxnSpPr/>
+            <p:nvPr/>
+          </p:nvCxnSpPr>
+          <p:spPr>
+            <a:xfrm flipV="1">
+              <a:off x="3288977" y="332471"/>
+              <a:ext cx="840406" cy="840406"/>
+            </a:xfrm>
+            <a:prstGeom prst="line">
+              <a:avLst/>
+            </a:prstGeom>
+            <a:ln w="12700">
+              <a:solidFill>
+                <a:schemeClr val="bg1">
+                  <a:lumMod val="75000"/>
+                </a:schemeClr>
+              </a:solidFill>
+            </a:ln>
+          </p:spPr>
+          <p:style>
+            <a:lnRef idx="1">
+              <a:schemeClr val="accent1"/>
+            </a:lnRef>
+            <a:fillRef idx="0">
+              <a:schemeClr val="accent1"/>
+            </a:fillRef>
+            <a:effectRef idx="0">
+              <a:schemeClr val="accent1"/>
+            </a:effectRef>
+            <a:fontRef idx="minor">
+              <a:schemeClr val="tx1"/>
+            </a:fontRef>
+          </p:style>
+        </p:cxnSp>
+      </p:grpSp>
+      <p:cxnSp>
+        <p:nvCxnSpPr>
+          <p:cNvPr id="34" name="直接连接符 59"/>
+          <p:cNvCxnSpPr/>
+          <p:nvPr userDrawn="1"/>
+        </p:nvCxnSpPr>
+        <p:spPr>
+          <a:xfrm flipV="1">
+            <a:off x="401078" y="4725733"/>
+            <a:ext cx="840406" cy="840406"/>
+          </a:xfrm>
+          <a:prstGeom prst="line">
+            <a:avLst/>
+          </a:prstGeom>
+          <a:ln w="12700">
+            <a:solidFill>
+              <a:srgbClr val="273045"/>
+            </a:solidFill>
+          </a:ln>
+        </p:spPr>
+        <p:style>
+          <a:lnRef idx="1">
+            <a:schemeClr val="accent1"/>
+          </a:lnRef>
+          <a:fillRef idx="0">
+            <a:schemeClr val="accent1"/>
+          </a:fillRef>
+          <a:effectRef idx="0">
+            <a:schemeClr val="accent1"/>
+          </a:effectRef>
+          <a:fontRef idx="minor">
+            <a:schemeClr val="tx1"/>
+          </a:fontRef>
+        </p:style>
+      </p:cxnSp>
+      <p:sp>
+        <p:nvSpPr>
+          <p:cNvPr id="35" name="矩形 34"/>
+          <p:cNvSpPr/>
+          <p:nvPr userDrawn="1"/>
+        </p:nvSpPr>
+        <p:spPr>
+          <a:xfrm rot="18900000">
+            <a:off x="1044499" y="3248316"/>
+            <a:ext cx="393968" cy="393968"/>
+          </a:xfrm>
+          <a:prstGeom prst="rect">
+            <a:avLst/>
+          </a:prstGeom>
+          <a:solidFill>
+            <a:srgbClr val="273045"/>
+          </a:solidFill>
+          <a:ln>
+            <a:noFill/>
+          </a:ln>
+          <a:effectLst>
+            <a:outerShdw blurRad="50800" dist="38100" dir="2700000" algn="tl" rotWithShape="0">
+              <a:prstClr val="black">
+                <a:alpha val="40000"/>
+              </a:prstClr>
+            </a:outerShdw>
+          </a:effectLst>
+        </p:spPr>
+        <p:style>
+          <a:lnRef idx="2">
+            <a:schemeClr val="accent1">
+              <a:shade val="50000"/>
+            </a:schemeClr>
+          </a:lnRef>
+          <a:fillRef idx="1">
+            <a:schemeClr val="accent1"/>
+          </a:fillRef>
+          <a:effectRef idx="0">
+            <a:schemeClr val="accent1"/>
+          </a:effectRef>
+          <a:fontRef idx="minor">
+            <a:schemeClr val="lt1"/>
+          </a:fontRef>
+        </p:style>
+        <p:txBody>
+          <a:bodyPr rtlCol="0" anchor="ctr"/>
+          <a:lstStyle/>
+          <a:p>
+            <a:pPr algn="ctr"/>
+            <a:endParaRPr lang="zh-CN" altLang="en-US">
+              <a:cs typeface="+mn-ea"/>
+              <a:sym typeface="+mn-lt"/>
+            </a:endParaRPr>
+          </a:p>
+        </p:txBody>
+      </p:sp>
+      <p:sp>
+        <p:nvSpPr>
+          <p:cNvPr id="36" name="標題 2"/>
+          <p:cNvSpPr>
+            <a:spLocks noGrp="1"/>
+          </p:cNvSpPr>
+          <p:nvPr>
+            <p:ph type="ctrTitle"/>
+          </p:nvPr>
+        </p:nvSpPr>
+        <p:spPr>
+          <a:xfrm>
+            <a:off x="4141028" y="2405334"/>
+            <a:ext cx="7275534" cy="1102519"/>
+          </a:xfrm>
+        </p:spPr>
+        <p:txBody>
+          <a:bodyPr>
+            <a:normAutofit/>
+          </a:bodyPr>
+          <a:lstStyle>
+            <a:lvl1pPr algn="r">
+              <a:defRPr sz="4800"/>
+            </a:lvl1pPr>
+          </a:lstStyle>
+          <a:p>
+            <a:pPr algn="r"/>
+            <a:endParaRPr lang="zh-TW" altLang="en-US" dirty="0"/>
+          </a:p>
+        </p:txBody>
+      </p:sp>
+      <p:sp>
+        <p:nvSpPr>
+          <p:cNvPr id="37" name="副標題 7"/>
+          <p:cNvSpPr>
+            <a:spLocks noGrp="1"/>
+          </p:cNvSpPr>
+          <p:nvPr>
+            <p:ph type="subTitle" idx="1"/>
+          </p:nvPr>
+        </p:nvSpPr>
+        <p:spPr>
+          <a:xfrm>
+            <a:off x="4141028" y="3677957"/>
+            <a:ext cx="7275534" cy="643582"/>
+          </a:xfrm>
+        </p:spPr>
+        <p:txBody>
+          <a:bodyPr>
+            <a:normAutofit/>
+          </a:bodyPr>
+          <a:lstStyle>
+            <a:lvl1pPr marL="0" indent="0" algn="r">
+              <a:buNone/>
+              <a:defRPr sz="4000" b="1">
+                <a:solidFill>
+                  <a:schemeClr val="bg1">
+                    <a:lumMod val="50000"/>
+                  </a:schemeClr>
+                </a:solidFill>
+              </a:defRPr>
+            </a:lvl1pPr>
+          </a:lstStyle>
+          <a:p>
+            <a:pPr algn="r"/>
+            <a:endParaRPr lang="zh-TW" altLang="en-US" dirty="0"/>
           </a:p>
         </p:txBody>
       </p:sp>
@@ -297,6 +1631,1288 @@
   <p:clrMapOvr>
     <a:masterClrMapping/>
   </p:clrMapOvr>
+  <mc:AlternateContent xmlns:mc="http://schemas.openxmlformats.org/markup-compatibility/2006">
+    <mc:Choice xmlns:p14="http://schemas.microsoft.com/office/powerpoint/2010/main" Requires="p14">
+      <p:transition spd="slow" p14:dur="1500">
+        <p:random/>
+      </p:transition>
+    </mc:Choice>
+    <mc:Fallback>
+      <p:transition spd="slow">
+        <p:random/>
+      </p:transition>
+    </mc:Fallback>
+  </mc:AlternateContent>
+  <p:timing>
+    <p:tnLst>
+      <p:par>
+        <p:cTn id="1" dur="indefinite" restart="never" nodeType="tmRoot">
+          <p:childTnLst>
+            <p:seq concurrent="1" nextAc="seek">
+              <p:cTn id="2" dur="indefinite" nodeType="mainSeq">
+                <p:childTnLst>
+                  <p:par>
+                    <p:cTn id="3" fill="hold">
+                      <p:stCondLst>
+                        <p:cond delay="indefinite"/>
+                        <p:cond evt="onBegin" delay="0">
+                          <p:tn val="2"/>
+                        </p:cond>
+                      </p:stCondLst>
+                      <p:childTnLst>
+                        <p:par>
+                          <p:cTn id="4" fill="hold">
+                            <p:stCondLst>
+                              <p:cond delay="0"/>
+                            </p:stCondLst>
+                            <p:childTnLst>
+                              <p:par>
+                                <p:cTn id="5" presetID="2" presetClass="entr" presetSubtype="9" fill="hold" grpId="0" nodeType="withEffect">
+                                  <p:stCondLst>
+                                    <p:cond delay="0"/>
+                                  </p:stCondLst>
+                                  <p:childTnLst>
+                                    <p:set>
+                                      <p:cBhvr>
+                                        <p:cTn id="6" dur="1" fill="hold">
+                                          <p:stCondLst>
+                                            <p:cond delay="0"/>
+                                          </p:stCondLst>
+                                        </p:cTn>
+                                        <p:tgtEl>
+                                          <p:spTgt spid="7"/>
+                                        </p:tgtEl>
+                                        <p:attrNameLst>
+                                          <p:attrName>style.visibility</p:attrName>
+                                        </p:attrNameLst>
+                                      </p:cBhvr>
+                                      <p:to>
+                                        <p:strVal val="visible"/>
+                                      </p:to>
+                                    </p:set>
+                                    <p:anim calcmode="lin" valueType="num">
+                                      <p:cBhvr additive="base">
+                                        <p:cTn id="7" dur="500" fill="hold"/>
+                                        <p:tgtEl>
+                                          <p:spTgt spid="7"/>
+                                        </p:tgtEl>
+                                        <p:attrNameLst>
+                                          <p:attrName>ppt_x</p:attrName>
+                                        </p:attrNameLst>
+                                      </p:cBhvr>
+                                      <p:tavLst>
+                                        <p:tav tm="0">
+                                          <p:val>
+                                            <p:strVal val="0-#ppt_w/2"/>
+                                          </p:val>
+                                        </p:tav>
+                                        <p:tav tm="100000">
+                                          <p:val>
+                                            <p:strVal val="#ppt_x"/>
+                                          </p:val>
+                                        </p:tav>
+                                      </p:tavLst>
+                                    </p:anim>
+                                    <p:anim calcmode="lin" valueType="num">
+                                      <p:cBhvr additive="base">
+                                        <p:cTn id="8" dur="500" fill="hold"/>
+                                        <p:tgtEl>
+                                          <p:spTgt spid="7"/>
+                                        </p:tgtEl>
+                                        <p:attrNameLst>
+                                          <p:attrName>ppt_y</p:attrName>
+                                        </p:attrNameLst>
+                                      </p:cBhvr>
+                                      <p:tavLst>
+                                        <p:tav tm="0">
+                                          <p:val>
+                                            <p:strVal val="0-#ppt_h/2"/>
+                                          </p:val>
+                                        </p:tav>
+                                        <p:tav tm="100000">
+                                          <p:val>
+                                            <p:strVal val="#ppt_y"/>
+                                          </p:val>
+                                        </p:tav>
+                                      </p:tavLst>
+                                    </p:anim>
+                                  </p:childTnLst>
+                                </p:cTn>
+                              </p:par>
+                              <p:par>
+                                <p:cTn id="9" presetID="42" presetClass="entr" presetSubtype="0" fill="hold" grpId="0" nodeType="withEffect">
+                                  <p:stCondLst>
+                                    <p:cond delay="200"/>
+                                  </p:stCondLst>
+                                  <p:childTnLst>
+                                    <p:set>
+                                      <p:cBhvr>
+                                        <p:cTn id="10" dur="1" fill="hold">
+                                          <p:stCondLst>
+                                            <p:cond delay="0"/>
+                                          </p:stCondLst>
+                                        </p:cTn>
+                                        <p:tgtEl>
+                                          <p:spTgt spid="8"/>
+                                        </p:tgtEl>
+                                        <p:attrNameLst>
+                                          <p:attrName>style.visibility</p:attrName>
+                                        </p:attrNameLst>
+                                      </p:cBhvr>
+                                      <p:to>
+                                        <p:strVal val="visible"/>
+                                      </p:to>
+                                    </p:set>
+                                    <p:animEffect transition="in" filter="fade">
+                                      <p:cBhvr>
+                                        <p:cTn id="11" dur="750"/>
+                                        <p:tgtEl>
+                                          <p:spTgt spid="8"/>
+                                        </p:tgtEl>
+                                      </p:cBhvr>
+                                    </p:animEffect>
+                                    <p:anim calcmode="lin" valueType="num">
+                                      <p:cBhvr>
+                                        <p:cTn id="12" dur="750" fill="hold"/>
+                                        <p:tgtEl>
+                                          <p:spTgt spid="8"/>
+                                        </p:tgtEl>
+                                        <p:attrNameLst>
+                                          <p:attrName>ppt_x</p:attrName>
+                                        </p:attrNameLst>
+                                      </p:cBhvr>
+                                      <p:tavLst>
+                                        <p:tav tm="0">
+                                          <p:val>
+                                            <p:strVal val="#ppt_x"/>
+                                          </p:val>
+                                        </p:tav>
+                                        <p:tav tm="100000">
+                                          <p:val>
+                                            <p:strVal val="#ppt_x"/>
+                                          </p:val>
+                                        </p:tav>
+                                      </p:tavLst>
+                                    </p:anim>
+                                    <p:anim calcmode="lin" valueType="num">
+                                      <p:cBhvr>
+                                        <p:cTn id="13" dur="750" fill="hold"/>
+                                        <p:tgtEl>
+                                          <p:spTgt spid="8"/>
+                                        </p:tgtEl>
+                                        <p:attrNameLst>
+                                          <p:attrName>ppt_y</p:attrName>
+                                        </p:attrNameLst>
+                                      </p:cBhvr>
+                                      <p:tavLst>
+                                        <p:tav tm="0">
+                                          <p:val>
+                                            <p:strVal val="#ppt_y+.1"/>
+                                          </p:val>
+                                        </p:tav>
+                                        <p:tav tm="100000">
+                                          <p:val>
+                                            <p:strVal val="#ppt_y"/>
+                                          </p:val>
+                                        </p:tav>
+                                      </p:tavLst>
+                                    </p:anim>
+                                  </p:childTnLst>
+                                </p:cTn>
+                              </p:par>
+                              <p:par>
+                                <p:cTn id="14" presetID="42" presetClass="entr" presetSubtype="0" fill="hold" grpId="0" nodeType="withEffect">
+                                  <p:stCondLst>
+                                    <p:cond delay="200"/>
+                                  </p:stCondLst>
+                                  <p:childTnLst>
+                                    <p:set>
+                                      <p:cBhvr>
+                                        <p:cTn id="15" dur="1" fill="hold">
+                                          <p:stCondLst>
+                                            <p:cond delay="0"/>
+                                          </p:stCondLst>
+                                        </p:cTn>
+                                        <p:tgtEl>
+                                          <p:spTgt spid="10"/>
+                                        </p:tgtEl>
+                                        <p:attrNameLst>
+                                          <p:attrName>style.visibility</p:attrName>
+                                        </p:attrNameLst>
+                                      </p:cBhvr>
+                                      <p:to>
+                                        <p:strVal val="visible"/>
+                                      </p:to>
+                                    </p:set>
+                                    <p:animEffect transition="in" filter="fade">
+                                      <p:cBhvr>
+                                        <p:cTn id="16" dur="750"/>
+                                        <p:tgtEl>
+                                          <p:spTgt spid="10"/>
+                                        </p:tgtEl>
+                                      </p:cBhvr>
+                                    </p:animEffect>
+                                    <p:anim calcmode="lin" valueType="num">
+                                      <p:cBhvr>
+                                        <p:cTn id="17" dur="750" fill="hold"/>
+                                        <p:tgtEl>
+                                          <p:spTgt spid="10"/>
+                                        </p:tgtEl>
+                                        <p:attrNameLst>
+                                          <p:attrName>ppt_x</p:attrName>
+                                        </p:attrNameLst>
+                                      </p:cBhvr>
+                                      <p:tavLst>
+                                        <p:tav tm="0">
+                                          <p:val>
+                                            <p:strVal val="#ppt_x"/>
+                                          </p:val>
+                                        </p:tav>
+                                        <p:tav tm="100000">
+                                          <p:val>
+                                            <p:strVal val="#ppt_x"/>
+                                          </p:val>
+                                        </p:tav>
+                                      </p:tavLst>
+                                    </p:anim>
+                                    <p:anim calcmode="lin" valueType="num">
+                                      <p:cBhvr>
+                                        <p:cTn id="18" dur="750" fill="hold"/>
+                                        <p:tgtEl>
+                                          <p:spTgt spid="10"/>
+                                        </p:tgtEl>
+                                        <p:attrNameLst>
+                                          <p:attrName>ppt_y</p:attrName>
+                                        </p:attrNameLst>
+                                      </p:cBhvr>
+                                      <p:tavLst>
+                                        <p:tav tm="0">
+                                          <p:val>
+                                            <p:strVal val="#ppt_y+.1"/>
+                                          </p:val>
+                                        </p:tav>
+                                        <p:tav tm="100000">
+                                          <p:val>
+                                            <p:strVal val="#ppt_y"/>
+                                          </p:val>
+                                        </p:tav>
+                                      </p:tavLst>
+                                    </p:anim>
+                                  </p:childTnLst>
+                                </p:cTn>
+                              </p:par>
+                              <p:par>
+                                <p:cTn id="19" presetID="42" presetClass="entr" presetSubtype="0" fill="hold" grpId="0" nodeType="withEffect">
+                                  <p:stCondLst>
+                                    <p:cond delay="200"/>
+                                  </p:stCondLst>
+                                  <p:childTnLst>
+                                    <p:set>
+                                      <p:cBhvr>
+                                        <p:cTn id="20" dur="1" fill="hold">
+                                          <p:stCondLst>
+                                            <p:cond delay="0"/>
+                                          </p:stCondLst>
+                                        </p:cTn>
+                                        <p:tgtEl>
+                                          <p:spTgt spid="11"/>
+                                        </p:tgtEl>
+                                        <p:attrNameLst>
+                                          <p:attrName>style.visibility</p:attrName>
+                                        </p:attrNameLst>
+                                      </p:cBhvr>
+                                      <p:to>
+                                        <p:strVal val="visible"/>
+                                      </p:to>
+                                    </p:set>
+                                    <p:animEffect transition="in" filter="fade">
+                                      <p:cBhvr>
+                                        <p:cTn id="21" dur="750"/>
+                                        <p:tgtEl>
+                                          <p:spTgt spid="11"/>
+                                        </p:tgtEl>
+                                      </p:cBhvr>
+                                    </p:animEffect>
+                                    <p:anim calcmode="lin" valueType="num">
+                                      <p:cBhvr>
+                                        <p:cTn id="22" dur="750" fill="hold"/>
+                                        <p:tgtEl>
+                                          <p:spTgt spid="11"/>
+                                        </p:tgtEl>
+                                        <p:attrNameLst>
+                                          <p:attrName>ppt_x</p:attrName>
+                                        </p:attrNameLst>
+                                      </p:cBhvr>
+                                      <p:tavLst>
+                                        <p:tav tm="0">
+                                          <p:val>
+                                            <p:strVal val="#ppt_x"/>
+                                          </p:val>
+                                        </p:tav>
+                                        <p:tav tm="100000">
+                                          <p:val>
+                                            <p:strVal val="#ppt_x"/>
+                                          </p:val>
+                                        </p:tav>
+                                      </p:tavLst>
+                                    </p:anim>
+                                    <p:anim calcmode="lin" valueType="num">
+                                      <p:cBhvr>
+                                        <p:cTn id="23" dur="750" fill="hold"/>
+                                        <p:tgtEl>
+                                          <p:spTgt spid="11"/>
+                                        </p:tgtEl>
+                                        <p:attrNameLst>
+                                          <p:attrName>ppt_y</p:attrName>
+                                        </p:attrNameLst>
+                                      </p:cBhvr>
+                                      <p:tavLst>
+                                        <p:tav tm="0">
+                                          <p:val>
+                                            <p:strVal val="#ppt_y+.1"/>
+                                          </p:val>
+                                        </p:tav>
+                                        <p:tav tm="100000">
+                                          <p:val>
+                                            <p:strVal val="#ppt_y"/>
+                                          </p:val>
+                                        </p:tav>
+                                      </p:tavLst>
+                                    </p:anim>
+                                  </p:childTnLst>
+                                </p:cTn>
+                              </p:par>
+                              <p:par>
+                                <p:cTn id="24" presetID="42" presetClass="entr" presetSubtype="0" fill="hold" grpId="0" nodeType="withEffect">
+                                  <p:stCondLst>
+                                    <p:cond delay="200"/>
+                                  </p:stCondLst>
+                                  <p:childTnLst>
+                                    <p:set>
+                                      <p:cBhvr>
+                                        <p:cTn id="25" dur="1" fill="hold">
+                                          <p:stCondLst>
+                                            <p:cond delay="0"/>
+                                          </p:stCondLst>
+                                        </p:cTn>
+                                        <p:tgtEl>
+                                          <p:spTgt spid="9"/>
+                                        </p:tgtEl>
+                                        <p:attrNameLst>
+                                          <p:attrName>style.visibility</p:attrName>
+                                        </p:attrNameLst>
+                                      </p:cBhvr>
+                                      <p:to>
+                                        <p:strVal val="visible"/>
+                                      </p:to>
+                                    </p:set>
+                                    <p:animEffect transition="in" filter="fade">
+                                      <p:cBhvr>
+                                        <p:cTn id="26" dur="750"/>
+                                        <p:tgtEl>
+                                          <p:spTgt spid="9"/>
+                                        </p:tgtEl>
+                                      </p:cBhvr>
+                                    </p:animEffect>
+                                    <p:anim calcmode="lin" valueType="num">
+                                      <p:cBhvr>
+                                        <p:cTn id="27" dur="750" fill="hold"/>
+                                        <p:tgtEl>
+                                          <p:spTgt spid="9"/>
+                                        </p:tgtEl>
+                                        <p:attrNameLst>
+                                          <p:attrName>ppt_x</p:attrName>
+                                        </p:attrNameLst>
+                                      </p:cBhvr>
+                                      <p:tavLst>
+                                        <p:tav tm="0">
+                                          <p:val>
+                                            <p:strVal val="#ppt_x"/>
+                                          </p:val>
+                                        </p:tav>
+                                        <p:tav tm="100000">
+                                          <p:val>
+                                            <p:strVal val="#ppt_x"/>
+                                          </p:val>
+                                        </p:tav>
+                                      </p:tavLst>
+                                    </p:anim>
+                                    <p:anim calcmode="lin" valueType="num">
+                                      <p:cBhvr>
+                                        <p:cTn id="28" dur="750" fill="hold"/>
+                                        <p:tgtEl>
+                                          <p:spTgt spid="9"/>
+                                        </p:tgtEl>
+                                        <p:attrNameLst>
+                                          <p:attrName>ppt_y</p:attrName>
+                                        </p:attrNameLst>
+                                      </p:cBhvr>
+                                      <p:tavLst>
+                                        <p:tav tm="0">
+                                          <p:val>
+                                            <p:strVal val="#ppt_y+.1"/>
+                                          </p:val>
+                                        </p:tav>
+                                        <p:tav tm="100000">
+                                          <p:val>
+                                            <p:strVal val="#ppt_y"/>
+                                          </p:val>
+                                        </p:tav>
+                                      </p:tavLst>
+                                    </p:anim>
+                                  </p:childTnLst>
+                                </p:cTn>
+                              </p:par>
+                              <p:par>
+                                <p:cTn id="29" presetID="42" presetClass="entr" presetSubtype="0" fill="hold" grpId="0" nodeType="withEffect">
+                                  <p:stCondLst>
+                                    <p:cond delay="200"/>
+                                  </p:stCondLst>
+                                  <p:childTnLst>
+                                    <p:set>
+                                      <p:cBhvr>
+                                        <p:cTn id="30" dur="1" fill="hold">
+                                          <p:stCondLst>
+                                            <p:cond delay="0"/>
+                                          </p:stCondLst>
+                                        </p:cTn>
+                                        <p:tgtEl>
+                                          <p:spTgt spid="16"/>
+                                        </p:tgtEl>
+                                        <p:attrNameLst>
+                                          <p:attrName>style.visibility</p:attrName>
+                                        </p:attrNameLst>
+                                      </p:cBhvr>
+                                      <p:to>
+                                        <p:strVal val="visible"/>
+                                      </p:to>
+                                    </p:set>
+                                    <p:animEffect transition="in" filter="fade">
+                                      <p:cBhvr>
+                                        <p:cTn id="31" dur="750"/>
+                                        <p:tgtEl>
+                                          <p:spTgt spid="16"/>
+                                        </p:tgtEl>
+                                      </p:cBhvr>
+                                    </p:animEffect>
+                                    <p:anim calcmode="lin" valueType="num">
+                                      <p:cBhvr>
+                                        <p:cTn id="32" dur="750" fill="hold"/>
+                                        <p:tgtEl>
+                                          <p:spTgt spid="16"/>
+                                        </p:tgtEl>
+                                        <p:attrNameLst>
+                                          <p:attrName>ppt_x</p:attrName>
+                                        </p:attrNameLst>
+                                      </p:cBhvr>
+                                      <p:tavLst>
+                                        <p:tav tm="0">
+                                          <p:val>
+                                            <p:strVal val="#ppt_x"/>
+                                          </p:val>
+                                        </p:tav>
+                                        <p:tav tm="100000">
+                                          <p:val>
+                                            <p:strVal val="#ppt_x"/>
+                                          </p:val>
+                                        </p:tav>
+                                      </p:tavLst>
+                                    </p:anim>
+                                    <p:anim calcmode="lin" valueType="num">
+                                      <p:cBhvr>
+                                        <p:cTn id="33" dur="750" fill="hold"/>
+                                        <p:tgtEl>
+                                          <p:spTgt spid="16"/>
+                                        </p:tgtEl>
+                                        <p:attrNameLst>
+                                          <p:attrName>ppt_y</p:attrName>
+                                        </p:attrNameLst>
+                                      </p:cBhvr>
+                                      <p:tavLst>
+                                        <p:tav tm="0">
+                                          <p:val>
+                                            <p:strVal val="#ppt_y+.1"/>
+                                          </p:val>
+                                        </p:tav>
+                                        <p:tav tm="100000">
+                                          <p:val>
+                                            <p:strVal val="#ppt_y"/>
+                                          </p:val>
+                                        </p:tav>
+                                      </p:tavLst>
+                                    </p:anim>
+                                  </p:childTnLst>
+                                </p:cTn>
+                              </p:par>
+                              <p:par>
+                                <p:cTn id="34" presetID="42" presetClass="entr" presetSubtype="0" fill="hold" grpId="0" nodeType="withEffect">
+                                  <p:stCondLst>
+                                    <p:cond delay="200"/>
+                                  </p:stCondLst>
+                                  <p:childTnLst>
+                                    <p:set>
+                                      <p:cBhvr>
+                                        <p:cTn id="35" dur="1" fill="hold">
+                                          <p:stCondLst>
+                                            <p:cond delay="0"/>
+                                          </p:stCondLst>
+                                        </p:cTn>
+                                        <p:tgtEl>
+                                          <p:spTgt spid="13"/>
+                                        </p:tgtEl>
+                                        <p:attrNameLst>
+                                          <p:attrName>style.visibility</p:attrName>
+                                        </p:attrNameLst>
+                                      </p:cBhvr>
+                                      <p:to>
+                                        <p:strVal val="visible"/>
+                                      </p:to>
+                                    </p:set>
+                                    <p:animEffect transition="in" filter="fade">
+                                      <p:cBhvr>
+                                        <p:cTn id="36" dur="750"/>
+                                        <p:tgtEl>
+                                          <p:spTgt spid="13"/>
+                                        </p:tgtEl>
+                                      </p:cBhvr>
+                                    </p:animEffect>
+                                    <p:anim calcmode="lin" valueType="num">
+                                      <p:cBhvr>
+                                        <p:cTn id="37" dur="750" fill="hold"/>
+                                        <p:tgtEl>
+                                          <p:spTgt spid="13"/>
+                                        </p:tgtEl>
+                                        <p:attrNameLst>
+                                          <p:attrName>ppt_x</p:attrName>
+                                        </p:attrNameLst>
+                                      </p:cBhvr>
+                                      <p:tavLst>
+                                        <p:tav tm="0">
+                                          <p:val>
+                                            <p:strVal val="#ppt_x"/>
+                                          </p:val>
+                                        </p:tav>
+                                        <p:tav tm="100000">
+                                          <p:val>
+                                            <p:strVal val="#ppt_x"/>
+                                          </p:val>
+                                        </p:tav>
+                                      </p:tavLst>
+                                    </p:anim>
+                                    <p:anim calcmode="lin" valueType="num">
+                                      <p:cBhvr>
+                                        <p:cTn id="38" dur="750" fill="hold"/>
+                                        <p:tgtEl>
+                                          <p:spTgt spid="13"/>
+                                        </p:tgtEl>
+                                        <p:attrNameLst>
+                                          <p:attrName>ppt_y</p:attrName>
+                                        </p:attrNameLst>
+                                      </p:cBhvr>
+                                      <p:tavLst>
+                                        <p:tav tm="0">
+                                          <p:val>
+                                            <p:strVal val="#ppt_y+.1"/>
+                                          </p:val>
+                                        </p:tav>
+                                        <p:tav tm="100000">
+                                          <p:val>
+                                            <p:strVal val="#ppt_y"/>
+                                          </p:val>
+                                        </p:tav>
+                                      </p:tavLst>
+                                    </p:anim>
+                                  </p:childTnLst>
+                                </p:cTn>
+                              </p:par>
+                              <p:par>
+                                <p:cTn id="39" presetID="42" presetClass="entr" presetSubtype="0" fill="hold" grpId="0" nodeType="withEffect">
+                                  <p:stCondLst>
+                                    <p:cond delay="200"/>
+                                  </p:stCondLst>
+                                  <p:childTnLst>
+                                    <p:set>
+                                      <p:cBhvr>
+                                        <p:cTn id="40" dur="1" fill="hold">
+                                          <p:stCondLst>
+                                            <p:cond delay="0"/>
+                                          </p:stCondLst>
+                                        </p:cTn>
+                                        <p:tgtEl>
+                                          <p:spTgt spid="14"/>
+                                        </p:tgtEl>
+                                        <p:attrNameLst>
+                                          <p:attrName>style.visibility</p:attrName>
+                                        </p:attrNameLst>
+                                      </p:cBhvr>
+                                      <p:to>
+                                        <p:strVal val="visible"/>
+                                      </p:to>
+                                    </p:set>
+                                    <p:animEffect transition="in" filter="fade">
+                                      <p:cBhvr>
+                                        <p:cTn id="41" dur="750"/>
+                                        <p:tgtEl>
+                                          <p:spTgt spid="14"/>
+                                        </p:tgtEl>
+                                      </p:cBhvr>
+                                    </p:animEffect>
+                                    <p:anim calcmode="lin" valueType="num">
+                                      <p:cBhvr>
+                                        <p:cTn id="42" dur="750" fill="hold"/>
+                                        <p:tgtEl>
+                                          <p:spTgt spid="14"/>
+                                        </p:tgtEl>
+                                        <p:attrNameLst>
+                                          <p:attrName>ppt_x</p:attrName>
+                                        </p:attrNameLst>
+                                      </p:cBhvr>
+                                      <p:tavLst>
+                                        <p:tav tm="0">
+                                          <p:val>
+                                            <p:strVal val="#ppt_x"/>
+                                          </p:val>
+                                        </p:tav>
+                                        <p:tav tm="100000">
+                                          <p:val>
+                                            <p:strVal val="#ppt_x"/>
+                                          </p:val>
+                                        </p:tav>
+                                      </p:tavLst>
+                                    </p:anim>
+                                    <p:anim calcmode="lin" valueType="num">
+                                      <p:cBhvr>
+                                        <p:cTn id="43" dur="750" fill="hold"/>
+                                        <p:tgtEl>
+                                          <p:spTgt spid="14"/>
+                                        </p:tgtEl>
+                                        <p:attrNameLst>
+                                          <p:attrName>ppt_y</p:attrName>
+                                        </p:attrNameLst>
+                                      </p:cBhvr>
+                                      <p:tavLst>
+                                        <p:tav tm="0">
+                                          <p:val>
+                                            <p:strVal val="#ppt_y+.1"/>
+                                          </p:val>
+                                        </p:tav>
+                                        <p:tav tm="100000">
+                                          <p:val>
+                                            <p:strVal val="#ppt_y"/>
+                                          </p:val>
+                                        </p:tav>
+                                      </p:tavLst>
+                                    </p:anim>
+                                  </p:childTnLst>
+                                </p:cTn>
+                              </p:par>
+                              <p:par>
+                                <p:cTn id="44" presetID="42" presetClass="entr" presetSubtype="0" fill="hold" grpId="0" nodeType="withEffect">
+                                  <p:stCondLst>
+                                    <p:cond delay="200"/>
+                                  </p:stCondLst>
+                                  <p:childTnLst>
+                                    <p:set>
+                                      <p:cBhvr>
+                                        <p:cTn id="45" dur="1" fill="hold">
+                                          <p:stCondLst>
+                                            <p:cond delay="0"/>
+                                          </p:stCondLst>
+                                        </p:cTn>
+                                        <p:tgtEl>
+                                          <p:spTgt spid="15"/>
+                                        </p:tgtEl>
+                                        <p:attrNameLst>
+                                          <p:attrName>style.visibility</p:attrName>
+                                        </p:attrNameLst>
+                                      </p:cBhvr>
+                                      <p:to>
+                                        <p:strVal val="visible"/>
+                                      </p:to>
+                                    </p:set>
+                                    <p:animEffect transition="in" filter="fade">
+                                      <p:cBhvr>
+                                        <p:cTn id="46" dur="750"/>
+                                        <p:tgtEl>
+                                          <p:spTgt spid="15"/>
+                                        </p:tgtEl>
+                                      </p:cBhvr>
+                                    </p:animEffect>
+                                    <p:anim calcmode="lin" valueType="num">
+                                      <p:cBhvr>
+                                        <p:cTn id="47" dur="750" fill="hold"/>
+                                        <p:tgtEl>
+                                          <p:spTgt spid="15"/>
+                                        </p:tgtEl>
+                                        <p:attrNameLst>
+                                          <p:attrName>ppt_x</p:attrName>
+                                        </p:attrNameLst>
+                                      </p:cBhvr>
+                                      <p:tavLst>
+                                        <p:tav tm="0">
+                                          <p:val>
+                                            <p:strVal val="#ppt_x"/>
+                                          </p:val>
+                                        </p:tav>
+                                        <p:tav tm="100000">
+                                          <p:val>
+                                            <p:strVal val="#ppt_x"/>
+                                          </p:val>
+                                        </p:tav>
+                                      </p:tavLst>
+                                    </p:anim>
+                                    <p:anim calcmode="lin" valueType="num">
+                                      <p:cBhvr>
+                                        <p:cTn id="48" dur="750" fill="hold"/>
+                                        <p:tgtEl>
+                                          <p:spTgt spid="15"/>
+                                        </p:tgtEl>
+                                        <p:attrNameLst>
+                                          <p:attrName>ppt_y</p:attrName>
+                                        </p:attrNameLst>
+                                      </p:cBhvr>
+                                      <p:tavLst>
+                                        <p:tav tm="0">
+                                          <p:val>
+                                            <p:strVal val="#ppt_y+.1"/>
+                                          </p:val>
+                                        </p:tav>
+                                        <p:tav tm="100000">
+                                          <p:val>
+                                            <p:strVal val="#ppt_y"/>
+                                          </p:val>
+                                        </p:tav>
+                                      </p:tavLst>
+                                    </p:anim>
+                                  </p:childTnLst>
+                                </p:cTn>
+                              </p:par>
+                              <p:par>
+                                <p:cTn id="49" presetID="42" presetClass="entr" presetSubtype="0" fill="hold" grpId="0" nodeType="withEffect">
+                                  <p:stCondLst>
+                                    <p:cond delay="200"/>
+                                  </p:stCondLst>
+                                  <p:childTnLst>
+                                    <p:set>
+                                      <p:cBhvr>
+                                        <p:cTn id="50" dur="1" fill="hold">
+                                          <p:stCondLst>
+                                            <p:cond delay="0"/>
+                                          </p:stCondLst>
+                                        </p:cTn>
+                                        <p:tgtEl>
+                                          <p:spTgt spid="12"/>
+                                        </p:tgtEl>
+                                        <p:attrNameLst>
+                                          <p:attrName>style.visibility</p:attrName>
+                                        </p:attrNameLst>
+                                      </p:cBhvr>
+                                      <p:to>
+                                        <p:strVal val="visible"/>
+                                      </p:to>
+                                    </p:set>
+                                    <p:animEffect transition="in" filter="fade">
+                                      <p:cBhvr>
+                                        <p:cTn id="51" dur="750"/>
+                                        <p:tgtEl>
+                                          <p:spTgt spid="12"/>
+                                        </p:tgtEl>
+                                      </p:cBhvr>
+                                    </p:animEffect>
+                                    <p:anim calcmode="lin" valueType="num">
+                                      <p:cBhvr>
+                                        <p:cTn id="52" dur="750" fill="hold"/>
+                                        <p:tgtEl>
+                                          <p:spTgt spid="12"/>
+                                        </p:tgtEl>
+                                        <p:attrNameLst>
+                                          <p:attrName>ppt_x</p:attrName>
+                                        </p:attrNameLst>
+                                      </p:cBhvr>
+                                      <p:tavLst>
+                                        <p:tav tm="0">
+                                          <p:val>
+                                            <p:strVal val="#ppt_x"/>
+                                          </p:val>
+                                        </p:tav>
+                                        <p:tav tm="100000">
+                                          <p:val>
+                                            <p:strVal val="#ppt_x"/>
+                                          </p:val>
+                                        </p:tav>
+                                      </p:tavLst>
+                                    </p:anim>
+                                    <p:anim calcmode="lin" valueType="num">
+                                      <p:cBhvr>
+                                        <p:cTn id="53" dur="750" fill="hold"/>
+                                        <p:tgtEl>
+                                          <p:spTgt spid="12"/>
+                                        </p:tgtEl>
+                                        <p:attrNameLst>
+                                          <p:attrName>ppt_y</p:attrName>
+                                        </p:attrNameLst>
+                                      </p:cBhvr>
+                                      <p:tavLst>
+                                        <p:tav tm="0">
+                                          <p:val>
+                                            <p:strVal val="#ppt_y+.1"/>
+                                          </p:val>
+                                        </p:tav>
+                                        <p:tav tm="100000">
+                                          <p:val>
+                                            <p:strVal val="#ppt_y"/>
+                                          </p:val>
+                                        </p:tav>
+                                      </p:tavLst>
+                                    </p:anim>
+                                  </p:childTnLst>
+                                </p:cTn>
+                              </p:par>
+                              <p:par>
+                                <p:cTn id="54" presetID="42" presetClass="entr" presetSubtype="0" fill="hold" nodeType="withEffect">
+                                  <p:stCondLst>
+                                    <p:cond delay="200"/>
+                                  </p:stCondLst>
+                                  <p:childTnLst>
+                                    <p:set>
+                                      <p:cBhvr>
+                                        <p:cTn id="55" dur="1" fill="hold">
+                                          <p:stCondLst>
+                                            <p:cond delay="0"/>
+                                          </p:stCondLst>
+                                        </p:cTn>
+                                        <p:tgtEl>
+                                          <p:spTgt spid="17"/>
+                                        </p:tgtEl>
+                                        <p:attrNameLst>
+                                          <p:attrName>style.visibility</p:attrName>
+                                        </p:attrNameLst>
+                                      </p:cBhvr>
+                                      <p:to>
+                                        <p:strVal val="visible"/>
+                                      </p:to>
+                                    </p:set>
+                                    <p:animEffect transition="in" filter="fade">
+                                      <p:cBhvr>
+                                        <p:cTn id="56" dur="750"/>
+                                        <p:tgtEl>
+                                          <p:spTgt spid="17"/>
+                                        </p:tgtEl>
+                                      </p:cBhvr>
+                                    </p:animEffect>
+                                    <p:anim calcmode="lin" valueType="num">
+                                      <p:cBhvr>
+                                        <p:cTn id="57" dur="750" fill="hold"/>
+                                        <p:tgtEl>
+                                          <p:spTgt spid="17"/>
+                                        </p:tgtEl>
+                                        <p:attrNameLst>
+                                          <p:attrName>ppt_x</p:attrName>
+                                        </p:attrNameLst>
+                                      </p:cBhvr>
+                                      <p:tavLst>
+                                        <p:tav tm="0">
+                                          <p:val>
+                                            <p:strVal val="#ppt_x"/>
+                                          </p:val>
+                                        </p:tav>
+                                        <p:tav tm="100000">
+                                          <p:val>
+                                            <p:strVal val="#ppt_x"/>
+                                          </p:val>
+                                        </p:tav>
+                                      </p:tavLst>
+                                    </p:anim>
+                                    <p:anim calcmode="lin" valueType="num">
+                                      <p:cBhvr>
+                                        <p:cTn id="58" dur="750" fill="hold"/>
+                                        <p:tgtEl>
+                                          <p:spTgt spid="17"/>
+                                        </p:tgtEl>
+                                        <p:attrNameLst>
+                                          <p:attrName>ppt_y</p:attrName>
+                                        </p:attrNameLst>
+                                      </p:cBhvr>
+                                      <p:tavLst>
+                                        <p:tav tm="0">
+                                          <p:val>
+                                            <p:strVal val="#ppt_y+.1"/>
+                                          </p:val>
+                                        </p:tav>
+                                        <p:tav tm="100000">
+                                          <p:val>
+                                            <p:strVal val="#ppt_y"/>
+                                          </p:val>
+                                        </p:tav>
+                                      </p:tavLst>
+                                    </p:anim>
+                                  </p:childTnLst>
+                                </p:cTn>
+                              </p:par>
+                              <p:par>
+                                <p:cTn id="59" presetID="42" presetClass="entr" presetSubtype="0" fill="hold" grpId="0" nodeType="withEffect">
+                                  <p:stCondLst>
+                                    <p:cond delay="200"/>
+                                  </p:stCondLst>
+                                  <p:childTnLst>
+                                    <p:set>
+                                      <p:cBhvr>
+                                        <p:cTn id="60" dur="1" fill="hold">
+                                          <p:stCondLst>
+                                            <p:cond delay="0"/>
+                                          </p:stCondLst>
+                                        </p:cTn>
+                                        <p:tgtEl>
+                                          <p:spTgt spid="35"/>
+                                        </p:tgtEl>
+                                        <p:attrNameLst>
+                                          <p:attrName>style.visibility</p:attrName>
+                                        </p:attrNameLst>
+                                      </p:cBhvr>
+                                      <p:to>
+                                        <p:strVal val="visible"/>
+                                      </p:to>
+                                    </p:set>
+                                    <p:animEffect transition="in" filter="fade">
+                                      <p:cBhvr>
+                                        <p:cTn id="61" dur="750"/>
+                                        <p:tgtEl>
+                                          <p:spTgt spid="35"/>
+                                        </p:tgtEl>
+                                      </p:cBhvr>
+                                    </p:animEffect>
+                                    <p:anim calcmode="lin" valueType="num">
+                                      <p:cBhvr>
+                                        <p:cTn id="62" dur="750" fill="hold"/>
+                                        <p:tgtEl>
+                                          <p:spTgt spid="35"/>
+                                        </p:tgtEl>
+                                        <p:attrNameLst>
+                                          <p:attrName>ppt_x</p:attrName>
+                                        </p:attrNameLst>
+                                      </p:cBhvr>
+                                      <p:tavLst>
+                                        <p:tav tm="0">
+                                          <p:val>
+                                            <p:strVal val="#ppt_x"/>
+                                          </p:val>
+                                        </p:tav>
+                                        <p:tav tm="100000">
+                                          <p:val>
+                                            <p:strVal val="#ppt_x"/>
+                                          </p:val>
+                                        </p:tav>
+                                      </p:tavLst>
+                                    </p:anim>
+                                    <p:anim calcmode="lin" valueType="num">
+                                      <p:cBhvr>
+                                        <p:cTn id="63" dur="750" fill="hold"/>
+                                        <p:tgtEl>
+                                          <p:spTgt spid="35"/>
+                                        </p:tgtEl>
+                                        <p:attrNameLst>
+                                          <p:attrName>ppt_y</p:attrName>
+                                        </p:attrNameLst>
+                                      </p:cBhvr>
+                                      <p:tavLst>
+                                        <p:tav tm="0">
+                                          <p:val>
+                                            <p:strVal val="#ppt_y+.1"/>
+                                          </p:val>
+                                        </p:tav>
+                                        <p:tav tm="100000">
+                                          <p:val>
+                                            <p:strVal val="#ppt_y"/>
+                                          </p:val>
+                                        </p:tav>
+                                      </p:tavLst>
+                                    </p:anim>
+                                  </p:childTnLst>
+                                </p:cTn>
+                              </p:par>
+                              <p:par>
+                                <p:cTn id="64" presetID="10" presetClass="entr" presetSubtype="0" fill="hold" nodeType="withEffect">
+                                  <p:stCondLst>
+                                    <p:cond delay="200"/>
+                                  </p:stCondLst>
+                                  <p:childTnLst>
+                                    <p:set>
+                                      <p:cBhvr>
+                                        <p:cTn id="65" dur="1" fill="hold">
+                                          <p:stCondLst>
+                                            <p:cond delay="0"/>
+                                          </p:stCondLst>
+                                        </p:cTn>
+                                        <p:tgtEl>
+                                          <p:spTgt spid="24"/>
+                                        </p:tgtEl>
+                                        <p:attrNameLst>
+                                          <p:attrName>style.visibility</p:attrName>
+                                        </p:attrNameLst>
+                                      </p:cBhvr>
+                                      <p:to>
+                                        <p:strVal val="visible"/>
+                                      </p:to>
+                                    </p:set>
+                                    <p:animEffect transition="in" filter="fade">
+                                      <p:cBhvr>
+                                        <p:cTn id="66" dur="750"/>
+                                        <p:tgtEl>
+                                          <p:spTgt spid="24"/>
+                                        </p:tgtEl>
+                                      </p:cBhvr>
+                                    </p:animEffect>
+                                  </p:childTnLst>
+                                </p:cTn>
+                              </p:par>
+                              <p:par>
+                                <p:cTn id="67" presetID="22" presetClass="entr" presetSubtype="1" fill="hold" nodeType="withEffect">
+                                  <p:stCondLst>
+                                    <p:cond delay="200"/>
+                                  </p:stCondLst>
+                                  <p:childTnLst>
+                                    <p:set>
+                                      <p:cBhvr>
+                                        <p:cTn id="68" dur="1" fill="hold">
+                                          <p:stCondLst>
+                                            <p:cond delay="0"/>
+                                          </p:stCondLst>
+                                        </p:cTn>
+                                        <p:tgtEl>
+                                          <p:spTgt spid="31"/>
+                                        </p:tgtEl>
+                                        <p:attrNameLst>
+                                          <p:attrName>style.visibility</p:attrName>
+                                        </p:attrNameLst>
+                                      </p:cBhvr>
+                                      <p:to>
+                                        <p:strVal val="visible"/>
+                                      </p:to>
+                                    </p:set>
+                                    <p:animEffect transition="in" filter="wipe(up)">
+                                      <p:cBhvr>
+                                        <p:cTn id="69" dur="500"/>
+                                        <p:tgtEl>
+                                          <p:spTgt spid="31"/>
+                                        </p:tgtEl>
+                                      </p:cBhvr>
+                                    </p:animEffect>
+                                  </p:childTnLst>
+                                </p:cTn>
+                              </p:par>
+                              <p:par>
+                                <p:cTn id="70" presetID="22" presetClass="entr" presetSubtype="1" fill="hold" nodeType="withEffect">
+                                  <p:stCondLst>
+                                    <p:cond delay="200"/>
+                                  </p:stCondLst>
+                                  <p:childTnLst>
+                                    <p:set>
+                                      <p:cBhvr>
+                                        <p:cTn id="71" dur="1" fill="hold">
+                                          <p:stCondLst>
+                                            <p:cond delay="0"/>
+                                          </p:stCondLst>
+                                        </p:cTn>
+                                        <p:tgtEl>
+                                          <p:spTgt spid="34"/>
+                                        </p:tgtEl>
+                                        <p:attrNameLst>
+                                          <p:attrName>style.visibility</p:attrName>
+                                        </p:attrNameLst>
+                                      </p:cBhvr>
+                                      <p:to>
+                                        <p:strVal val="visible"/>
+                                      </p:to>
+                                    </p:set>
+                                    <p:animEffect transition="in" filter="wipe(up)">
+                                      <p:cBhvr>
+                                        <p:cTn id="72" dur="500"/>
+                                        <p:tgtEl>
+                                          <p:spTgt spid="34"/>
+                                        </p:tgtEl>
+                                      </p:cBhvr>
+                                    </p:animEffect>
+                                  </p:childTnLst>
+                                </p:cTn>
+                              </p:par>
+                              <p:par>
+                                <p:cTn id="73" presetID="22" presetClass="entr" presetSubtype="4" fill="hold" grpId="0" nodeType="withEffect" nodePh="1">
+                                  <p:stCondLst>
+                                    <p:cond delay="200"/>
+                                  </p:stCondLst>
+                                  <p:endCondLst>
+                                    <p:cond evt="begin" delay="0">
+                                      <p:tn val="73"/>
+                                    </p:cond>
+                                  </p:endCondLst>
+                                  <p:childTnLst>
+                                    <p:set>
+                                      <p:cBhvr>
+                                        <p:cTn id="74" dur="1" fill="hold">
+                                          <p:stCondLst>
+                                            <p:cond delay="0"/>
+                                          </p:stCondLst>
+                                        </p:cTn>
+                                        <p:tgtEl>
+                                          <p:spTgt spid="36"/>
+                                        </p:tgtEl>
+                                        <p:attrNameLst>
+                                          <p:attrName>style.visibility</p:attrName>
+                                        </p:attrNameLst>
+                                      </p:cBhvr>
+                                      <p:to>
+                                        <p:strVal val="visible"/>
+                                      </p:to>
+                                    </p:set>
+                                    <p:animEffect transition="in" filter="wipe(down)">
+                                      <p:cBhvr>
+                                        <p:cTn id="75" dur="500"/>
+                                        <p:tgtEl>
+                                          <p:spTgt spid="36"/>
+                                        </p:tgtEl>
+                                      </p:cBhvr>
+                                    </p:animEffect>
+                                  </p:childTnLst>
+                                </p:cTn>
+                              </p:par>
+                              <p:par>
+                                <p:cTn id="76" presetID="22" presetClass="entr" presetSubtype="4" fill="hold" grpId="0" nodeType="withEffect" nodePh="1">
+                                  <p:stCondLst>
+                                    <p:cond delay="200"/>
+                                  </p:stCondLst>
+                                  <p:endCondLst>
+                                    <p:cond evt="begin" delay="0">
+                                      <p:tn val="76"/>
+                                    </p:cond>
+                                  </p:endCondLst>
+                                  <p:childTnLst>
+                                    <p:set>
+                                      <p:cBhvr>
+                                        <p:cTn id="77" dur="1" fill="hold">
+                                          <p:stCondLst>
+                                            <p:cond delay="0"/>
+                                          </p:stCondLst>
+                                        </p:cTn>
+                                        <p:tgtEl>
+                                          <p:spTgt spid="37">
+                                            <p:txEl>
+                                              <p:pRg st="0" end="0"/>
+                                            </p:txEl>
+                                          </p:spTgt>
+                                        </p:tgtEl>
+                                        <p:attrNameLst>
+                                          <p:attrName>style.visibility</p:attrName>
+                                        </p:attrNameLst>
+                                      </p:cBhvr>
+                                      <p:to>
+                                        <p:strVal val="visible"/>
+                                      </p:to>
+                                    </p:set>
+                                    <p:animEffect transition="in" filter="wipe(down)">
+                                      <p:cBhvr>
+                                        <p:cTn id="78" dur="500"/>
+                                        <p:tgtEl>
+                                          <p:spTgt spid="37">
+                                            <p:txEl>
+                                              <p:pRg st="0" end="0"/>
+                                            </p:txEl>
+                                          </p:spTgt>
+                                        </p:tgtEl>
+                                      </p:cBhvr>
+                                    </p:animEffect>
+                                  </p:childTnLst>
+                                </p:cTn>
+                              </p:par>
+                            </p:childTnLst>
+                          </p:cTn>
+                        </p:par>
+                      </p:childTnLst>
+                    </p:cTn>
+                  </p:par>
+                </p:childTnLst>
+              </p:cTn>
+              <p:prevCondLst>
+                <p:cond evt="onPrev" delay="0">
+                  <p:tgtEl>
+                    <p:sldTgt/>
+                  </p:tgtEl>
+                </p:cond>
+              </p:prevCondLst>
+              <p:nextCondLst>
+                <p:cond evt="onNext" delay="0">
+                  <p:tgtEl>
+                    <p:sldTgt/>
+                  </p:tgtEl>
+                </p:cond>
+              </p:nextCondLst>
+            </p:seq>
+          </p:childTnLst>
+        </p:cTn>
+      </p:par>
+    </p:tnLst>
+    <p:bldLst>
+      <p:bldP spid="7" grpId="0" animBg="1"/>
+      <p:bldP spid="8" grpId="0" animBg="1"/>
+      <p:bldP spid="9" grpId="0" animBg="1"/>
+      <p:bldP spid="10" grpId="0" animBg="1"/>
+      <p:bldP spid="11" grpId="0" animBg="1"/>
+      <p:bldP spid="12" grpId="0" animBg="1"/>
+      <p:bldP spid="13" grpId="0" animBg="1"/>
+      <p:bldP spid="14" grpId="0" animBg="1"/>
+      <p:bldP spid="15" grpId="0" animBg="1"/>
+      <p:bldP spid="16" grpId="0" animBg="1"/>
+      <p:bldP spid="35" grpId="0" animBg="1"/>
+      <p:bldP spid="36" grpId="0"/>
+      <p:bldP spid="37" grpId="0" build="p">
+        <p:tmplLst>
+          <p:tmpl lvl="1">
+            <p:tnLst>
+              <p:par>
+                <p:cTn presetID="22" presetClass="entr" presetSubtype="4" fill="hold" nodeType="withEffect" nodePh="1">
+                  <p:stCondLst>
+                    <p:cond delay="200"/>
+                  </p:stCondLst>
+                  <p:endCondLst>
+                    <p:cond evt="begin" delay="0">
+                      <p:tn val="76"/>
+                    </p:cond>
+                  </p:endCondLst>
+                  <p:childTnLst>
+                    <p:set>
+                      <p:cBhvr>
+                        <p:cTn dur="1" fill="hold">
+                          <p:stCondLst>
+                            <p:cond delay="0"/>
+                          </p:stCondLst>
+                        </p:cTn>
+                        <p:tgtEl>
+                          <p:spTgt spid="37"/>
+                        </p:tgtEl>
+                        <p:attrNameLst>
+                          <p:attrName>style.visibility</p:attrName>
+                        </p:attrNameLst>
+                      </p:cBhvr>
+                      <p:to>
+                        <p:strVal val="visible"/>
+                      </p:to>
+                    </p:set>
+                    <p:animEffect transition="in" filter="wipe(down)">
+                      <p:cBhvr>
+                        <p:cTn dur="500"/>
+                        <p:tgtEl>
+                          <p:spTgt spid="37"/>
+                        </p:tgtEl>
+                      </p:cBhvr>
+                    </p:animEffect>
+                  </p:childTnLst>
+                </p:cTn>
+              </p:par>
+            </p:tnLst>
+          </p:tmpl>
+        </p:tmplLst>
+      </p:bldP>
+    </p:bldLst>
+  </p:timing>
 </p:sldLayout>
 </file>
 
@@ -409,7 +3025,7 @@
           <a:p>
             <a:fld id="{31CDE89B-FBD9-4E23-BEEB-B0C8819124B3}" type="datetimeFigureOut">
               <a:rPr lang="zh-TW" altLang="en-US" smtClean="0"/>
-              <a:t>2022/1/20</a:t>
+              <a:t>2022/2/8</a:t>
             </a:fld>
             <a:endParaRPr lang="zh-TW" altLang="en-US"/>
           </a:p>
@@ -467,6 +3083,18 @@
   <p:clrMapOvr>
     <a:masterClrMapping/>
   </p:clrMapOvr>
+  <mc:AlternateContent xmlns:mc="http://schemas.openxmlformats.org/markup-compatibility/2006">
+    <mc:Choice xmlns:p14="http://schemas.microsoft.com/office/powerpoint/2010/main" Requires="p14">
+      <p:transition spd="slow" p14:dur="1500">
+        <p:random/>
+      </p:transition>
+    </mc:Choice>
+    <mc:Fallback>
+      <p:transition spd="slow">
+        <p:random/>
+      </p:transition>
+    </mc:Fallback>
+  </mc:AlternateContent>
 </p:sldLayout>
 </file>
 
@@ -589,7 +3217,7 @@
           <a:p>
             <a:fld id="{31CDE89B-FBD9-4E23-BEEB-B0C8819124B3}" type="datetimeFigureOut">
               <a:rPr lang="zh-TW" altLang="en-US" smtClean="0"/>
-              <a:t>2022/1/20</a:t>
+              <a:t>2022/2/8</a:t>
             </a:fld>
             <a:endParaRPr lang="zh-TW" altLang="en-US"/>
           </a:p>
@@ -647,6 +3275,18 @@
   <p:clrMapOvr>
     <a:masterClrMapping/>
   </p:clrMapOvr>
+  <mc:AlternateContent xmlns:mc="http://schemas.openxmlformats.org/markup-compatibility/2006">
+    <mc:Choice xmlns:p14="http://schemas.microsoft.com/office/powerpoint/2010/main" Requires="p14">
+      <p:transition spd="slow" p14:dur="1500">
+        <p:random/>
+      </p:transition>
+    </mc:Choice>
+    <mc:Fallback>
+      <p:transition spd="slow">
+        <p:random/>
+      </p:transition>
+    </mc:Fallback>
+  </mc:AlternateContent>
 </p:sldLayout>
 </file>
 
@@ -677,16 +3317,29 @@
             <p:ph type="title"/>
           </p:nvPr>
         </p:nvSpPr>
-        <p:spPr/>
+        <p:spPr>
+          <a:xfrm>
+            <a:off x="1223930" y="365125"/>
+            <a:ext cx="9644095" cy="1189037"/>
+          </a:xfrm>
+        </p:spPr>
         <p:txBody>
           <a:bodyPr/>
-          <a:lstStyle/>
-          <a:p>
-            <a:r>
-              <a:rPr lang="zh-TW" altLang="en-US" smtClean="0"/>
-              <a:t>按一下以編輯母片標題樣式</a:t>
-            </a:r>
-            <a:endParaRPr lang="zh-TW" altLang="en-US"/>
+          <a:lstStyle>
+            <a:lvl1pPr>
+              <a:defRPr/>
+            </a:lvl1pPr>
+          </a:lstStyle>
+          <a:p>
+            <a:r>
+              <a:rPr lang="zh-TW" altLang="en-US" dirty="0" smtClean="0"/>
+              <a:t>按一下以編輯母片標題</a:t>
+            </a:r>
+            <a:r>
+              <a:rPr lang="zh-TW" altLang="en-US" dirty="0" smtClean="0"/>
+              <a:t>樣式</a:t>
+            </a:r>
+            <a:endParaRPr lang="zh-TW" altLang="en-US" dirty="0"/>
           </a:p>
         </p:txBody>
       </p:sp>
@@ -700,7 +3353,12 @@
             <p:ph idx="1"/>
           </p:nvPr>
         </p:nvSpPr>
-        <p:spPr/>
+        <p:spPr>
+          <a:xfrm>
+            <a:off x="1223930" y="1666876"/>
+            <a:ext cx="9644095" cy="4510088"/>
+          </a:xfrm>
+        </p:spPr>
         <p:txBody>
           <a:bodyPr/>
           <a:lstStyle/>
@@ -759,7 +3417,7 @@
           <a:p>
             <a:fld id="{31CDE89B-FBD9-4E23-BEEB-B0C8819124B3}" type="datetimeFigureOut">
               <a:rPr lang="zh-TW" altLang="en-US" smtClean="0"/>
-              <a:t>2022/1/20</a:t>
+              <a:t>2022/2/8</a:t>
             </a:fld>
             <a:endParaRPr lang="zh-TW" altLang="en-US"/>
           </a:p>
@@ -807,6 +3465,844 @@
           </a:p>
         </p:txBody>
       </p:sp>
+      <p:grpSp>
+        <p:nvGrpSpPr>
+          <p:cNvPr id="7" name="组合 726">
+            <a:extLst>
+              <a:ext uri="{FF2B5EF4-FFF2-40B4-BE49-F238E27FC236}">
+                <a16:creationId xmlns:a16="http://schemas.microsoft.com/office/drawing/2014/main" id="{B593CFD7-C733-4DE5-9655-30F4BA8B3C8F}"/>
+              </a:ext>
+            </a:extLst>
+          </p:cNvPr>
+          <p:cNvGrpSpPr/>
+          <p:nvPr userDrawn="1"/>
+        </p:nvGrpSpPr>
+        <p:grpSpPr>
+          <a:xfrm rot="2181050">
+            <a:off x="312210" y="339664"/>
+            <a:ext cx="796804" cy="845023"/>
+            <a:chOff x="1935287" y="2046176"/>
+            <a:chExt cx="836513" cy="807813"/>
+          </a:xfrm>
+        </p:grpSpPr>
+        <p:sp>
+          <p:nvSpPr>
+            <p:cNvPr id="8" name="矩形 7">
+              <a:extLst>
+                <a:ext uri="{FF2B5EF4-FFF2-40B4-BE49-F238E27FC236}">
+                  <a16:creationId xmlns:a16="http://schemas.microsoft.com/office/drawing/2014/main" id="{0AD884D0-0E3D-47D5-AFA8-45D8552E5941}"/>
+                </a:ext>
+              </a:extLst>
+            </p:cNvPr>
+            <p:cNvSpPr/>
+            <p:nvPr/>
+          </p:nvSpPr>
+          <p:spPr>
+            <a:xfrm rot="16200000">
+              <a:off x="2676139" y="2171589"/>
+              <a:ext cx="127547" cy="63774"/>
+            </a:xfrm>
+            <a:prstGeom prst="rect">
+              <a:avLst/>
+            </a:prstGeom>
+            <a:solidFill>
+              <a:schemeClr val="bg1">
+                <a:lumMod val="65000"/>
+              </a:schemeClr>
+            </a:solidFill>
+            <a:ln>
+              <a:noFill/>
+            </a:ln>
+          </p:spPr>
+          <p:style>
+            <a:lnRef idx="2">
+              <a:schemeClr val="accent1">
+                <a:shade val="50000"/>
+              </a:schemeClr>
+            </a:lnRef>
+            <a:fillRef idx="1">
+              <a:schemeClr val="accent1"/>
+            </a:fillRef>
+            <a:effectRef idx="0">
+              <a:schemeClr val="accent1"/>
+            </a:effectRef>
+            <a:fontRef idx="minor">
+              <a:schemeClr val="lt1"/>
+            </a:fontRef>
+          </p:style>
+          <p:txBody>
+            <a:bodyPr rtlCol="0" anchor="ctr"/>
+            <a:lstStyle/>
+            <a:p>
+              <a:pPr algn="ctr"/>
+              <a:endParaRPr lang="zh-CN" altLang="en-US">
+                <a:cs typeface="+mn-ea"/>
+                <a:sym typeface="+mn-lt"/>
+              </a:endParaRPr>
+            </a:p>
+          </p:txBody>
+        </p:sp>
+        <p:grpSp>
+          <p:nvGrpSpPr>
+            <p:cNvPr id="9" name="组合 728">
+              <a:extLst>
+                <a:ext uri="{FF2B5EF4-FFF2-40B4-BE49-F238E27FC236}">
+                  <a16:creationId xmlns:a16="http://schemas.microsoft.com/office/drawing/2014/main" id="{7CC9D096-3BC6-406E-9486-DEA520C7A9A7}"/>
+                </a:ext>
+              </a:extLst>
+            </p:cNvPr>
+            <p:cNvGrpSpPr/>
+            <p:nvPr/>
+          </p:nvGrpSpPr>
+          <p:grpSpPr>
+            <a:xfrm rot="18900000">
+              <a:off x="1935287" y="2046176"/>
+              <a:ext cx="710318" cy="807813"/>
+              <a:chOff x="1935287" y="2046176"/>
+              <a:chExt cx="710318" cy="807813"/>
+            </a:xfrm>
+          </p:grpSpPr>
+          <p:sp>
+            <p:nvSpPr>
+              <p:cNvPr id="10" name="矩形 9">
+                <a:extLst>
+                  <a:ext uri="{FF2B5EF4-FFF2-40B4-BE49-F238E27FC236}">
+                    <a16:creationId xmlns:a16="http://schemas.microsoft.com/office/drawing/2014/main" id="{2A472EA0-16E1-486B-9728-917D16C68205}"/>
+                  </a:ext>
+                </a:extLst>
+              </p:cNvPr>
+              <p:cNvSpPr/>
+              <p:nvPr/>
+            </p:nvSpPr>
+            <p:spPr>
+              <a:xfrm rot="18900000">
+                <a:off x="1935287" y="2156715"/>
+                <a:ext cx="324208" cy="324208"/>
+              </a:xfrm>
+              <a:prstGeom prst="rect">
+                <a:avLst/>
+              </a:prstGeom>
+              <a:solidFill>
+                <a:schemeClr val="bg1">
+                  <a:lumMod val="85000"/>
+                </a:schemeClr>
+              </a:solidFill>
+              <a:ln>
+                <a:noFill/>
+              </a:ln>
+            </p:spPr>
+            <p:style>
+              <a:lnRef idx="2">
+                <a:schemeClr val="accent1">
+                  <a:shade val="50000"/>
+                </a:schemeClr>
+              </a:lnRef>
+              <a:fillRef idx="1">
+                <a:schemeClr val="accent1"/>
+              </a:fillRef>
+              <a:effectRef idx="0">
+                <a:schemeClr val="accent1"/>
+              </a:effectRef>
+              <a:fontRef idx="minor">
+                <a:schemeClr val="lt1"/>
+              </a:fontRef>
+            </p:style>
+            <p:txBody>
+              <a:bodyPr rtlCol="0" anchor="ctr"/>
+              <a:lstStyle/>
+              <a:p>
+                <a:pPr algn="ctr"/>
+                <a:endParaRPr lang="zh-CN" altLang="en-US">
+                  <a:cs typeface="+mn-ea"/>
+                  <a:sym typeface="+mn-lt"/>
+                </a:endParaRPr>
+              </a:p>
+            </p:txBody>
+          </p:sp>
+          <p:sp>
+            <p:nvSpPr>
+              <p:cNvPr id="11" name="矩形 10">
+                <a:extLst>
+                  <a:ext uri="{FF2B5EF4-FFF2-40B4-BE49-F238E27FC236}">
+                    <a16:creationId xmlns:a16="http://schemas.microsoft.com/office/drawing/2014/main" id="{F1030862-6EC8-480D-9FF4-37D1F3774A0C}"/>
+                  </a:ext>
+                </a:extLst>
+              </p:cNvPr>
+              <p:cNvSpPr/>
+              <p:nvPr/>
+            </p:nvSpPr>
+            <p:spPr>
+              <a:xfrm rot="18900000">
+                <a:off x="2363248" y="2361675"/>
+                <a:ext cx="268739" cy="268739"/>
+              </a:xfrm>
+              <a:prstGeom prst="rect">
+                <a:avLst/>
+              </a:prstGeom>
+              <a:solidFill>
+                <a:schemeClr val="bg1">
+                  <a:lumMod val="85000"/>
+                </a:schemeClr>
+              </a:solidFill>
+              <a:ln>
+                <a:noFill/>
+              </a:ln>
+              <a:effectLst>
+                <a:outerShdw blurRad="50800" dist="38100" dir="2700000" algn="tl" rotWithShape="0">
+                  <a:prstClr val="black">
+                    <a:alpha val="40000"/>
+                  </a:prstClr>
+                </a:outerShdw>
+              </a:effectLst>
+            </p:spPr>
+            <p:style>
+              <a:lnRef idx="2">
+                <a:schemeClr val="accent1">
+                  <a:shade val="50000"/>
+                </a:schemeClr>
+              </a:lnRef>
+              <a:fillRef idx="1">
+                <a:schemeClr val="accent1"/>
+              </a:fillRef>
+              <a:effectRef idx="0">
+                <a:schemeClr val="accent1"/>
+              </a:effectRef>
+              <a:fontRef idx="minor">
+                <a:schemeClr val="lt1"/>
+              </a:fontRef>
+            </p:style>
+            <p:txBody>
+              <a:bodyPr rtlCol="0" anchor="ctr"/>
+              <a:lstStyle/>
+              <a:p>
+                <a:pPr algn="ctr"/>
+                <a:endParaRPr lang="zh-CN" altLang="en-US">
+                  <a:cs typeface="+mn-ea"/>
+                  <a:sym typeface="+mn-lt"/>
+                </a:endParaRPr>
+              </a:p>
+            </p:txBody>
+          </p:sp>
+          <p:sp>
+            <p:nvSpPr>
+              <p:cNvPr id="12" name="矩形 11">
+                <a:extLst>
+                  <a:ext uri="{FF2B5EF4-FFF2-40B4-BE49-F238E27FC236}">
+                    <a16:creationId xmlns:a16="http://schemas.microsoft.com/office/drawing/2014/main" id="{426A05D5-FE82-4CE7-AC51-E52A1471466F}"/>
+                  </a:ext>
+                </a:extLst>
+              </p:cNvPr>
+              <p:cNvSpPr/>
+              <p:nvPr/>
+            </p:nvSpPr>
+            <p:spPr>
+              <a:xfrm rot="18900000">
+                <a:off x="2273470" y="2294141"/>
+                <a:ext cx="167263" cy="167262"/>
+              </a:xfrm>
+              <a:prstGeom prst="rect">
+                <a:avLst/>
+              </a:prstGeom>
+              <a:solidFill>
+                <a:schemeClr val="bg1">
+                  <a:lumMod val="85000"/>
+                </a:schemeClr>
+              </a:solidFill>
+              <a:ln>
+                <a:noFill/>
+              </a:ln>
+            </p:spPr>
+            <p:style>
+              <a:lnRef idx="2">
+                <a:schemeClr val="accent1">
+                  <a:shade val="50000"/>
+                </a:schemeClr>
+              </a:lnRef>
+              <a:fillRef idx="1">
+                <a:schemeClr val="accent1"/>
+              </a:fillRef>
+              <a:effectRef idx="0">
+                <a:schemeClr val="accent1"/>
+              </a:effectRef>
+              <a:fontRef idx="minor">
+                <a:schemeClr val="lt1"/>
+              </a:fontRef>
+            </p:style>
+            <p:txBody>
+              <a:bodyPr rtlCol="0" anchor="ctr"/>
+              <a:lstStyle/>
+              <a:p>
+                <a:pPr algn="ctr"/>
+                <a:endParaRPr lang="zh-CN" altLang="en-US">
+                  <a:cs typeface="+mn-ea"/>
+                  <a:sym typeface="+mn-lt"/>
+                </a:endParaRPr>
+              </a:p>
+            </p:txBody>
+          </p:sp>
+          <p:sp>
+            <p:nvSpPr>
+              <p:cNvPr id="13" name="矩形 12">
+                <a:extLst>
+                  <a:ext uri="{FF2B5EF4-FFF2-40B4-BE49-F238E27FC236}">
+                    <a16:creationId xmlns:a16="http://schemas.microsoft.com/office/drawing/2014/main" id="{4EC892DD-9664-4B4E-A655-DFFAA5F5DAC5}"/>
+                  </a:ext>
+                </a:extLst>
+              </p:cNvPr>
+              <p:cNvSpPr/>
+              <p:nvPr/>
+            </p:nvSpPr>
+            <p:spPr>
+              <a:xfrm rot="18900000">
+                <a:off x="2147249" y="2323299"/>
+                <a:ext cx="289856" cy="289856"/>
+              </a:xfrm>
+              <a:prstGeom prst="rect">
+                <a:avLst/>
+              </a:prstGeom>
+              <a:solidFill>
+                <a:schemeClr val="bg1">
+                  <a:lumMod val="85000"/>
+                </a:schemeClr>
+              </a:solidFill>
+              <a:ln>
+                <a:noFill/>
+              </a:ln>
+            </p:spPr>
+            <p:style>
+              <a:lnRef idx="2">
+                <a:schemeClr val="accent1">
+                  <a:shade val="50000"/>
+                </a:schemeClr>
+              </a:lnRef>
+              <a:fillRef idx="1">
+                <a:schemeClr val="accent1"/>
+              </a:fillRef>
+              <a:effectRef idx="0">
+                <a:schemeClr val="accent1"/>
+              </a:effectRef>
+              <a:fontRef idx="minor">
+                <a:schemeClr val="lt1"/>
+              </a:fontRef>
+            </p:style>
+            <p:txBody>
+              <a:bodyPr rtlCol="0" anchor="ctr"/>
+              <a:lstStyle/>
+              <a:p>
+                <a:pPr algn="ctr"/>
+                <a:endParaRPr lang="zh-CN" altLang="en-US">
+                  <a:cs typeface="+mn-ea"/>
+                  <a:sym typeface="+mn-lt"/>
+                </a:endParaRPr>
+              </a:p>
+            </p:txBody>
+          </p:sp>
+          <p:sp>
+            <p:nvSpPr>
+              <p:cNvPr id="14" name="矩形 13">
+                <a:extLst>
+                  <a:ext uri="{FF2B5EF4-FFF2-40B4-BE49-F238E27FC236}">
+                    <a16:creationId xmlns:a16="http://schemas.microsoft.com/office/drawing/2014/main" id="{AE9AC6F7-9BEF-4197-B429-93A905899E9C}"/>
+                  </a:ext>
+                </a:extLst>
+              </p:cNvPr>
+              <p:cNvSpPr/>
+              <p:nvPr/>
+            </p:nvSpPr>
+            <p:spPr>
+              <a:xfrm rot="18900000">
+                <a:off x="2124819" y="2380998"/>
+                <a:ext cx="174458" cy="174458"/>
+              </a:xfrm>
+              <a:prstGeom prst="rect">
+                <a:avLst/>
+              </a:prstGeom>
+              <a:solidFill>
+                <a:srgbClr val="273045"/>
+              </a:solidFill>
+              <a:ln>
+                <a:noFill/>
+              </a:ln>
+              <a:effectLst>
+                <a:outerShdw blurRad="50800" dist="38100" dir="2700000" algn="tl" rotWithShape="0">
+                  <a:prstClr val="black">
+                    <a:alpha val="40000"/>
+                  </a:prstClr>
+                </a:outerShdw>
+              </a:effectLst>
+            </p:spPr>
+            <p:style>
+              <a:lnRef idx="2">
+                <a:schemeClr val="accent1">
+                  <a:shade val="50000"/>
+                </a:schemeClr>
+              </a:lnRef>
+              <a:fillRef idx="1">
+                <a:schemeClr val="accent1"/>
+              </a:fillRef>
+              <a:effectRef idx="0">
+                <a:schemeClr val="accent1"/>
+              </a:effectRef>
+              <a:fontRef idx="minor">
+                <a:schemeClr val="lt1"/>
+              </a:fontRef>
+            </p:style>
+            <p:txBody>
+              <a:bodyPr rtlCol="0" anchor="ctr"/>
+              <a:lstStyle/>
+              <a:p>
+                <a:pPr algn="ctr"/>
+                <a:endParaRPr lang="zh-CN" altLang="en-US">
+                  <a:cs typeface="+mn-ea"/>
+                  <a:sym typeface="+mn-lt"/>
+                </a:endParaRPr>
+              </a:p>
+            </p:txBody>
+          </p:sp>
+          <p:sp>
+            <p:nvSpPr>
+              <p:cNvPr id="15" name="矩形 14">
+                <a:extLst>
+                  <a:ext uri="{FF2B5EF4-FFF2-40B4-BE49-F238E27FC236}">
+                    <a16:creationId xmlns:a16="http://schemas.microsoft.com/office/drawing/2014/main" id="{E349C930-FD9D-4DD9-A2F1-F6EA932FA837}"/>
+                  </a:ext>
+                </a:extLst>
+              </p:cNvPr>
+              <p:cNvSpPr/>
+              <p:nvPr/>
+            </p:nvSpPr>
+            <p:spPr>
+              <a:xfrm rot="18900000">
+                <a:off x="2272921" y="2046176"/>
+                <a:ext cx="372684" cy="372684"/>
+              </a:xfrm>
+              <a:prstGeom prst="rect">
+                <a:avLst/>
+              </a:prstGeom>
+              <a:solidFill>
+                <a:srgbClr val="273045"/>
+              </a:solidFill>
+              <a:ln>
+                <a:noFill/>
+              </a:ln>
+            </p:spPr>
+            <p:style>
+              <a:lnRef idx="2">
+                <a:schemeClr val="accent1">
+                  <a:shade val="50000"/>
+                </a:schemeClr>
+              </a:lnRef>
+              <a:fillRef idx="1">
+                <a:schemeClr val="accent1"/>
+              </a:fillRef>
+              <a:effectRef idx="0">
+                <a:schemeClr val="accent1"/>
+              </a:effectRef>
+              <a:fontRef idx="minor">
+                <a:schemeClr val="lt1"/>
+              </a:fontRef>
+            </p:style>
+            <p:txBody>
+              <a:bodyPr rtlCol="0" anchor="ctr"/>
+              <a:lstStyle/>
+              <a:p>
+                <a:pPr algn="ctr"/>
+                <a:endParaRPr lang="zh-CN" altLang="en-US">
+                  <a:cs typeface="+mn-ea"/>
+                  <a:sym typeface="+mn-lt"/>
+                </a:endParaRPr>
+              </a:p>
+            </p:txBody>
+          </p:sp>
+          <p:sp>
+            <p:nvSpPr>
+              <p:cNvPr id="16" name="矩形 15">
+                <a:extLst>
+                  <a:ext uri="{FF2B5EF4-FFF2-40B4-BE49-F238E27FC236}">
+                    <a16:creationId xmlns:a16="http://schemas.microsoft.com/office/drawing/2014/main" id="{27E0B41E-1D96-4937-8BE9-7F2108387FCB}"/>
+                  </a:ext>
+                </a:extLst>
+              </p:cNvPr>
+              <p:cNvSpPr/>
+              <p:nvPr/>
+            </p:nvSpPr>
+            <p:spPr>
+              <a:xfrm rot="18900000">
+                <a:off x="2233710" y="2575444"/>
+                <a:ext cx="278545" cy="278545"/>
+              </a:xfrm>
+              <a:prstGeom prst="rect">
+                <a:avLst/>
+              </a:prstGeom>
+              <a:solidFill>
+                <a:schemeClr val="bg1">
+                  <a:lumMod val="85000"/>
+                </a:schemeClr>
+              </a:solidFill>
+              <a:ln>
+                <a:noFill/>
+              </a:ln>
+            </p:spPr>
+            <p:style>
+              <a:lnRef idx="2">
+                <a:schemeClr val="accent1">
+                  <a:shade val="50000"/>
+                </a:schemeClr>
+              </a:lnRef>
+              <a:fillRef idx="1">
+                <a:schemeClr val="accent1"/>
+              </a:fillRef>
+              <a:effectRef idx="0">
+                <a:schemeClr val="accent1"/>
+              </a:effectRef>
+              <a:fontRef idx="minor">
+                <a:schemeClr val="lt1"/>
+              </a:fontRef>
+            </p:style>
+            <p:txBody>
+              <a:bodyPr rtlCol="0" anchor="ctr"/>
+              <a:lstStyle/>
+              <a:p>
+                <a:pPr algn="ctr"/>
+                <a:endParaRPr lang="zh-CN" altLang="en-US">
+                  <a:cs typeface="+mn-ea"/>
+                  <a:sym typeface="+mn-lt"/>
+                </a:endParaRPr>
+              </a:p>
+            </p:txBody>
+          </p:sp>
+        </p:grpSp>
+      </p:grpSp>
+      <p:grpSp>
+        <p:nvGrpSpPr>
+          <p:cNvPr id="17" name="组合 736">
+            <a:extLst>
+              <a:ext uri="{FF2B5EF4-FFF2-40B4-BE49-F238E27FC236}">
+                <a16:creationId xmlns:a16="http://schemas.microsoft.com/office/drawing/2014/main" id="{AC6B9E99-34AE-4961-8BF3-FE95BF43369D}"/>
+              </a:ext>
+            </a:extLst>
+          </p:cNvPr>
+          <p:cNvGrpSpPr/>
+          <p:nvPr userDrawn="1"/>
+        </p:nvGrpSpPr>
+        <p:grpSpPr>
+          <a:xfrm>
+            <a:off x="10963275" y="5734051"/>
+            <a:ext cx="1066346" cy="935488"/>
+            <a:chOff x="7789817" y="4257180"/>
+            <a:chExt cx="845241" cy="620356"/>
+          </a:xfrm>
+        </p:grpSpPr>
+        <p:grpSp>
+          <p:nvGrpSpPr>
+            <p:cNvPr id="18" name="组合 737">
+              <a:extLst>
+                <a:ext uri="{FF2B5EF4-FFF2-40B4-BE49-F238E27FC236}">
+                  <a16:creationId xmlns:a16="http://schemas.microsoft.com/office/drawing/2014/main" id="{C61CCA36-103E-4084-8192-3B60146EF6DC}"/>
+                </a:ext>
+              </a:extLst>
+            </p:cNvPr>
+            <p:cNvGrpSpPr/>
+            <p:nvPr/>
+          </p:nvGrpSpPr>
+          <p:grpSpPr>
+            <a:xfrm>
+              <a:off x="8306276" y="4330865"/>
+              <a:ext cx="328782" cy="303293"/>
+              <a:chOff x="8349677" y="4284250"/>
+              <a:chExt cx="600042" cy="553523"/>
+            </a:xfrm>
+          </p:grpSpPr>
+          <p:sp>
+            <p:nvSpPr>
+              <p:cNvPr id="22" name="矩形 21">
+                <a:extLst>
+                  <a:ext uri="{FF2B5EF4-FFF2-40B4-BE49-F238E27FC236}">
+                    <a16:creationId xmlns:a16="http://schemas.microsoft.com/office/drawing/2014/main" id="{2A8B6289-1D5E-4231-B179-87567C06803C}"/>
+                  </a:ext>
+                </a:extLst>
+              </p:cNvPr>
+              <p:cNvSpPr/>
+              <p:nvPr/>
+            </p:nvSpPr>
+            <p:spPr>
+              <a:xfrm rot="18900000">
+                <a:off x="8349677" y="4284250"/>
+                <a:ext cx="272026" cy="272026"/>
+              </a:xfrm>
+              <a:prstGeom prst="rect">
+                <a:avLst/>
+              </a:prstGeom>
+              <a:solidFill>
+                <a:srgbClr val="273045"/>
+              </a:solidFill>
+              <a:ln>
+                <a:noFill/>
+              </a:ln>
+            </p:spPr>
+            <p:style>
+              <a:lnRef idx="2">
+                <a:schemeClr val="accent1">
+                  <a:shade val="50000"/>
+                </a:schemeClr>
+              </a:lnRef>
+              <a:fillRef idx="1">
+                <a:schemeClr val="accent1"/>
+              </a:fillRef>
+              <a:effectRef idx="0">
+                <a:schemeClr val="accent1"/>
+              </a:effectRef>
+              <a:fontRef idx="minor">
+                <a:schemeClr val="lt1"/>
+              </a:fontRef>
+            </p:style>
+            <p:txBody>
+              <a:bodyPr rtlCol="0" anchor="ctr"/>
+              <a:lstStyle/>
+              <a:p>
+                <a:pPr algn="ctr"/>
+                <a:endParaRPr lang="zh-CN" altLang="en-US">
+                  <a:cs typeface="+mn-ea"/>
+                  <a:sym typeface="+mn-lt"/>
+                </a:endParaRPr>
+              </a:p>
+            </p:txBody>
+          </p:sp>
+          <p:sp>
+            <p:nvSpPr>
+              <p:cNvPr id="23" name="矩形 22">
+                <a:extLst>
+                  <a:ext uri="{FF2B5EF4-FFF2-40B4-BE49-F238E27FC236}">
+                    <a16:creationId xmlns:a16="http://schemas.microsoft.com/office/drawing/2014/main" id="{B7278CC7-8768-4702-957F-E2945F8868B3}"/>
+                  </a:ext>
+                </a:extLst>
+              </p:cNvPr>
+              <p:cNvSpPr/>
+              <p:nvPr/>
+            </p:nvSpPr>
+            <p:spPr>
+              <a:xfrm rot="18900000">
+                <a:off x="8724654" y="4612708"/>
+                <a:ext cx="225065" cy="225065"/>
+              </a:xfrm>
+              <a:prstGeom prst="rect">
+                <a:avLst/>
+              </a:prstGeom>
+              <a:solidFill>
+                <a:schemeClr val="bg1">
+                  <a:lumMod val="85000"/>
+                </a:schemeClr>
+              </a:solidFill>
+              <a:ln>
+                <a:noFill/>
+              </a:ln>
+            </p:spPr>
+            <p:style>
+              <a:lnRef idx="2">
+                <a:schemeClr val="accent1">
+                  <a:shade val="50000"/>
+                </a:schemeClr>
+              </a:lnRef>
+              <a:fillRef idx="1">
+                <a:schemeClr val="accent1"/>
+              </a:fillRef>
+              <a:effectRef idx="0">
+                <a:schemeClr val="accent1"/>
+              </a:effectRef>
+              <a:fontRef idx="minor">
+                <a:schemeClr val="lt1"/>
+              </a:fontRef>
+            </p:style>
+            <p:txBody>
+              <a:bodyPr rtlCol="0" anchor="ctr"/>
+              <a:lstStyle/>
+              <a:p>
+                <a:pPr algn="ctr"/>
+                <a:endParaRPr lang="zh-CN" altLang="en-US">
+                  <a:cs typeface="+mn-ea"/>
+                  <a:sym typeface="+mn-lt"/>
+                </a:endParaRPr>
+              </a:p>
+            </p:txBody>
+          </p:sp>
+        </p:grpSp>
+        <p:sp>
+          <p:nvSpPr>
+            <p:cNvPr id="19" name="矩形 18">
+              <a:extLst>
+                <a:ext uri="{FF2B5EF4-FFF2-40B4-BE49-F238E27FC236}">
+                  <a16:creationId xmlns:a16="http://schemas.microsoft.com/office/drawing/2014/main" id="{02B7A504-13FA-4DF2-8418-211D770FCA2E}"/>
+                </a:ext>
+              </a:extLst>
+            </p:cNvPr>
+            <p:cNvSpPr/>
+            <p:nvPr/>
+          </p:nvSpPr>
+          <p:spPr>
+            <a:xfrm rot="8100000">
+              <a:off x="7789817" y="4339105"/>
+              <a:ext cx="264135" cy="264135"/>
+            </a:xfrm>
+            <a:prstGeom prst="rect">
+              <a:avLst/>
+            </a:prstGeom>
+            <a:solidFill>
+              <a:schemeClr val="bg1">
+                <a:lumMod val="85000"/>
+              </a:schemeClr>
+            </a:solidFill>
+            <a:ln>
+              <a:noFill/>
+            </a:ln>
+          </p:spPr>
+          <p:style>
+            <a:lnRef idx="2">
+              <a:schemeClr val="accent1">
+                <a:shade val="50000"/>
+              </a:schemeClr>
+            </a:lnRef>
+            <a:fillRef idx="1">
+              <a:schemeClr val="accent1"/>
+            </a:fillRef>
+            <a:effectRef idx="0">
+              <a:schemeClr val="accent1"/>
+            </a:effectRef>
+            <a:fontRef idx="minor">
+              <a:schemeClr val="lt1"/>
+            </a:fontRef>
+          </p:style>
+          <p:txBody>
+            <a:bodyPr rtlCol="0" anchor="ctr"/>
+            <a:lstStyle/>
+            <a:p>
+              <a:pPr algn="ctr"/>
+              <a:endParaRPr lang="zh-CN" altLang="en-US">
+                <a:cs typeface="+mn-ea"/>
+                <a:sym typeface="+mn-lt"/>
+              </a:endParaRPr>
+            </a:p>
+          </p:txBody>
+        </p:sp>
+        <p:sp>
+          <p:nvSpPr>
+            <p:cNvPr id="20" name="矩形 19">
+              <a:extLst>
+                <a:ext uri="{FF2B5EF4-FFF2-40B4-BE49-F238E27FC236}">
+                  <a16:creationId xmlns:a16="http://schemas.microsoft.com/office/drawing/2014/main" id="{24340827-5015-4606-9130-3D866F679BBB}"/>
+                </a:ext>
+              </a:extLst>
+            </p:cNvPr>
+            <p:cNvSpPr/>
+            <p:nvPr/>
+          </p:nvSpPr>
+          <p:spPr>
+            <a:xfrm rot="8100000">
+              <a:off x="8102733" y="4745468"/>
+              <a:ext cx="132068" cy="132068"/>
+            </a:xfrm>
+            <a:prstGeom prst="rect">
+              <a:avLst/>
+            </a:prstGeom>
+            <a:solidFill>
+              <a:srgbClr val="273045"/>
+            </a:solidFill>
+            <a:ln>
+              <a:noFill/>
+            </a:ln>
+            <a:effectLst>
+              <a:outerShdw blurRad="50800" dist="38100" dir="2700000" algn="tl" rotWithShape="0">
+                <a:prstClr val="black">
+                  <a:alpha val="40000"/>
+                </a:prstClr>
+              </a:outerShdw>
+            </a:effectLst>
+          </p:spPr>
+          <p:style>
+            <a:lnRef idx="2">
+              <a:schemeClr val="accent1">
+                <a:shade val="50000"/>
+              </a:schemeClr>
+            </a:lnRef>
+            <a:fillRef idx="1">
+              <a:schemeClr val="accent1"/>
+            </a:fillRef>
+            <a:effectRef idx="0">
+              <a:schemeClr val="accent1"/>
+            </a:effectRef>
+            <a:fontRef idx="minor">
+              <a:schemeClr val="lt1"/>
+            </a:fontRef>
+          </p:style>
+          <p:txBody>
+            <a:bodyPr rtlCol="0" anchor="ctr"/>
+            <a:lstStyle/>
+            <a:p>
+              <a:pPr algn="ctr"/>
+              <a:endParaRPr lang="zh-CN" altLang="en-US">
+                <a:cs typeface="+mn-ea"/>
+                <a:sym typeface="+mn-lt"/>
+              </a:endParaRPr>
+            </a:p>
+          </p:txBody>
+        </p:sp>
+        <p:sp>
+          <p:nvSpPr>
+            <p:cNvPr id="21" name="矩形 20">
+              <a:extLst>
+                <a:ext uri="{FF2B5EF4-FFF2-40B4-BE49-F238E27FC236}">
+                  <a16:creationId xmlns:a16="http://schemas.microsoft.com/office/drawing/2014/main" id="{B2E4F933-CDFD-473B-A9F1-AADB5AA9B27A}"/>
+                </a:ext>
+              </a:extLst>
+            </p:cNvPr>
+            <p:cNvSpPr/>
+            <p:nvPr/>
+          </p:nvSpPr>
+          <p:spPr>
+            <a:xfrm rot="8100000">
+              <a:off x="7916345" y="4257180"/>
+              <a:ext cx="132068" cy="132068"/>
+            </a:xfrm>
+            <a:prstGeom prst="rect">
+              <a:avLst/>
+            </a:prstGeom>
+            <a:solidFill>
+              <a:srgbClr val="273045">
+                <a:alpha val="80000"/>
+              </a:srgbClr>
+            </a:solidFill>
+            <a:ln>
+              <a:noFill/>
+            </a:ln>
+          </p:spPr>
+          <p:style>
+            <a:lnRef idx="2">
+              <a:schemeClr val="accent1">
+                <a:shade val="50000"/>
+              </a:schemeClr>
+            </a:lnRef>
+            <a:fillRef idx="1">
+              <a:schemeClr val="accent1"/>
+            </a:fillRef>
+            <a:effectRef idx="0">
+              <a:schemeClr val="accent1"/>
+            </a:effectRef>
+            <a:fontRef idx="minor">
+              <a:schemeClr val="lt1"/>
+            </a:fontRef>
+          </p:style>
+          <p:txBody>
+            <a:bodyPr rtlCol="0" anchor="ctr"/>
+            <a:lstStyle/>
+            <a:p>
+              <a:pPr algn="ctr"/>
+              <a:endParaRPr lang="zh-CN" altLang="en-US">
+                <a:cs typeface="+mn-ea"/>
+                <a:sym typeface="+mn-lt"/>
+              </a:endParaRPr>
+            </a:p>
+          </p:txBody>
+        </p:sp>
+      </p:grpSp>
     </p:spTree>
     <p:extLst>
       <p:ext uri="{BB962C8B-B14F-4D97-AF65-F5344CB8AC3E}">
@@ -817,6 +4313,18 @@
   <p:clrMapOvr>
     <a:masterClrMapping/>
   </p:clrMapOvr>
+  <mc:AlternateContent xmlns:mc="http://schemas.openxmlformats.org/markup-compatibility/2006">
+    <mc:Choice xmlns:p14="http://schemas.microsoft.com/office/powerpoint/2010/main" Requires="p14">
+      <p:transition spd="slow" p14:dur="1500">
+        <p:random/>
+      </p:transition>
+    </mc:Choice>
+    <mc:Fallback>
+      <p:transition spd="slow">
+        <p:random/>
+      </p:transition>
+    </mc:Fallback>
+  </mc:AlternateContent>
 </p:sldLayout>
 </file>
 
@@ -1005,7 +4513,7 @@
           <a:p>
             <a:fld id="{31CDE89B-FBD9-4E23-BEEB-B0C8819124B3}" type="datetimeFigureOut">
               <a:rPr lang="zh-TW" altLang="en-US" smtClean="0"/>
-              <a:t>2022/1/20</a:t>
+              <a:t>2022/2/8</a:t>
             </a:fld>
             <a:endParaRPr lang="zh-TW" altLang="en-US"/>
           </a:p>
@@ -1063,6 +4571,18 @@
   <p:clrMapOvr>
     <a:masterClrMapping/>
   </p:clrMapOvr>
+  <mc:AlternateContent xmlns:mc="http://schemas.openxmlformats.org/markup-compatibility/2006">
+    <mc:Choice xmlns:p14="http://schemas.microsoft.com/office/powerpoint/2010/main" Requires="p14">
+      <p:transition spd="slow" p14:dur="1500">
+        <p:random/>
+      </p:transition>
+    </mc:Choice>
+    <mc:Fallback>
+      <p:transition spd="slow">
+        <p:random/>
+      </p:transition>
+    </mc:Fallback>
+  </mc:AlternateContent>
 </p:sldLayout>
 </file>
 
@@ -1093,7 +4613,12 @@
             <p:ph type="title"/>
           </p:nvPr>
         </p:nvSpPr>
-        <p:spPr/>
+        <p:spPr>
+          <a:xfrm>
+            <a:off x="838200" y="365126"/>
+            <a:ext cx="10515600" cy="985880"/>
+          </a:xfrm>
+        </p:spPr>
         <p:txBody>
           <a:bodyPr/>
           <a:lstStyle/>
@@ -1237,7 +4762,7 @@
           <a:p>
             <a:fld id="{31CDE89B-FBD9-4E23-BEEB-B0C8819124B3}" type="datetimeFigureOut">
               <a:rPr lang="zh-TW" altLang="en-US" smtClean="0"/>
-              <a:t>2022/1/20</a:t>
+              <a:t>2022/2/8</a:t>
             </a:fld>
             <a:endParaRPr lang="zh-TW" altLang="en-US"/>
           </a:p>
@@ -1295,6 +4820,18 @@
   <p:clrMapOvr>
     <a:masterClrMapping/>
   </p:clrMapOvr>
+  <mc:AlternateContent xmlns:mc="http://schemas.openxmlformats.org/markup-compatibility/2006">
+    <mc:Choice xmlns:p14="http://schemas.microsoft.com/office/powerpoint/2010/main" Requires="p14">
+      <p:transition spd="slow" p14:dur="1500">
+        <p:random/>
+      </p:transition>
+    </mc:Choice>
+    <mc:Fallback>
+      <p:transition spd="slow">
+        <p:random/>
+      </p:transition>
+    </mc:Fallback>
+  </mc:AlternateContent>
 </p:sldLayout>
 </file>
 
@@ -1604,7 +5141,7 @@
           <a:p>
             <a:fld id="{31CDE89B-FBD9-4E23-BEEB-B0C8819124B3}" type="datetimeFigureOut">
               <a:rPr lang="zh-TW" altLang="en-US" smtClean="0"/>
-              <a:t>2022/1/20</a:t>
+              <a:t>2022/2/8</a:t>
             </a:fld>
             <a:endParaRPr lang="zh-TW" altLang="en-US"/>
           </a:p>
@@ -1662,6 +5199,18 @@
   <p:clrMapOvr>
     <a:masterClrMapping/>
   </p:clrMapOvr>
+  <mc:AlternateContent xmlns:mc="http://schemas.openxmlformats.org/markup-compatibility/2006">
+    <mc:Choice xmlns:p14="http://schemas.microsoft.com/office/powerpoint/2010/main" Requires="p14">
+      <p:transition spd="slow" p14:dur="1500">
+        <p:random/>
+      </p:transition>
+    </mc:Choice>
+    <mc:Fallback>
+      <p:transition spd="slow">
+        <p:random/>
+      </p:transition>
+    </mc:Fallback>
+  </mc:AlternateContent>
 </p:sldLayout>
 </file>
 
@@ -1722,7 +5271,7 @@
           <a:p>
             <a:fld id="{31CDE89B-FBD9-4E23-BEEB-B0C8819124B3}" type="datetimeFigureOut">
               <a:rPr lang="zh-TW" altLang="en-US" smtClean="0"/>
-              <a:t>2022/1/20</a:t>
+              <a:t>2022/2/8</a:t>
             </a:fld>
             <a:endParaRPr lang="zh-TW" altLang="en-US"/>
           </a:p>
@@ -1780,6 +5329,18 @@
   <p:clrMapOvr>
     <a:masterClrMapping/>
   </p:clrMapOvr>
+  <mc:AlternateContent xmlns:mc="http://schemas.openxmlformats.org/markup-compatibility/2006">
+    <mc:Choice xmlns:p14="http://schemas.microsoft.com/office/powerpoint/2010/main" Requires="p14">
+      <p:transition spd="slow" p14:dur="1500">
+        <p:random/>
+      </p:transition>
+    </mc:Choice>
+    <mc:Fallback>
+      <p:transition spd="slow">
+        <p:random/>
+      </p:transition>
+    </mc:Fallback>
+  </mc:AlternateContent>
 </p:sldLayout>
 </file>
 
@@ -1817,7 +5378,7 @@
           <a:p>
             <a:fld id="{31CDE89B-FBD9-4E23-BEEB-B0C8819124B3}" type="datetimeFigureOut">
               <a:rPr lang="zh-TW" altLang="en-US" smtClean="0"/>
-              <a:t>2022/1/20</a:t>
+              <a:t>2022/2/8</a:t>
             </a:fld>
             <a:endParaRPr lang="zh-TW" altLang="en-US"/>
           </a:p>
@@ -1875,6 +5436,18 @@
   <p:clrMapOvr>
     <a:masterClrMapping/>
   </p:clrMapOvr>
+  <mc:AlternateContent xmlns:mc="http://schemas.openxmlformats.org/markup-compatibility/2006">
+    <mc:Choice xmlns:p14="http://schemas.microsoft.com/office/powerpoint/2010/main" Requires="p14">
+      <p:transition spd="slow" p14:dur="1500">
+        <p:random/>
+      </p:transition>
+    </mc:Choice>
+    <mc:Fallback>
+      <p:transition spd="slow">
+        <p:random/>
+      </p:transition>
+    </mc:Fallback>
+  </mc:AlternateContent>
 </p:sldLayout>
 </file>
 
@@ -2094,7 +5667,7 @@
           <a:p>
             <a:fld id="{31CDE89B-FBD9-4E23-BEEB-B0C8819124B3}" type="datetimeFigureOut">
               <a:rPr lang="zh-TW" altLang="en-US" smtClean="0"/>
-              <a:t>2022/1/20</a:t>
+              <a:t>2022/2/8</a:t>
             </a:fld>
             <a:endParaRPr lang="zh-TW" altLang="en-US"/>
           </a:p>
@@ -2152,6 +5725,18 @@
   <p:clrMapOvr>
     <a:masterClrMapping/>
   </p:clrMapOvr>
+  <mc:AlternateContent xmlns:mc="http://schemas.openxmlformats.org/markup-compatibility/2006">
+    <mc:Choice xmlns:p14="http://schemas.microsoft.com/office/powerpoint/2010/main" Requires="p14">
+      <p:transition spd="slow" p14:dur="1500">
+        <p:random/>
+      </p:transition>
+    </mc:Choice>
+    <mc:Fallback>
+      <p:transition spd="slow">
+        <p:random/>
+      </p:transition>
+    </mc:Fallback>
+  </mc:AlternateContent>
 </p:sldLayout>
 </file>
 
@@ -2347,7 +5932,7 @@
           <a:p>
             <a:fld id="{31CDE89B-FBD9-4E23-BEEB-B0C8819124B3}" type="datetimeFigureOut">
               <a:rPr lang="zh-TW" altLang="en-US" smtClean="0"/>
-              <a:t>2022/1/20</a:t>
+              <a:t>2022/2/8</a:t>
             </a:fld>
             <a:endParaRPr lang="zh-TW" altLang="en-US"/>
           </a:p>
@@ -2405,6 +5990,18 @@
   <p:clrMapOvr>
     <a:masterClrMapping/>
   </p:clrMapOvr>
+  <mc:AlternateContent xmlns:mc="http://schemas.openxmlformats.org/markup-compatibility/2006">
+    <mc:Choice xmlns:p14="http://schemas.microsoft.com/office/powerpoint/2010/main" Requires="p14">
+      <p:transition spd="slow" p14:dur="1500">
+        <p:random/>
+      </p:transition>
+    </mc:Choice>
+    <mc:Fallback>
+      <p:transition spd="slow">
+        <p:random/>
+      </p:transition>
+    </mc:Fallback>
+  </mc:AlternateContent>
 </p:sldLayout>
 </file>
 
@@ -2442,8 +6039,8 @@
         </p:nvSpPr>
         <p:spPr>
           <a:xfrm>
-            <a:off x="838200" y="365125"/>
-            <a:ext cx="10515600" cy="1325563"/>
+            <a:off x="1223930" y="365126"/>
+            <a:ext cx="9644095" cy="985880"/>
           </a:xfrm>
           <a:prstGeom prst="rect">
             <a:avLst/>
@@ -2456,10 +6053,10 @@
           <a:lstStyle/>
           <a:p>
             <a:r>
-              <a:rPr lang="zh-TW" altLang="en-US" smtClean="0"/>
+              <a:rPr lang="zh-TW" altLang="en-US" dirty="0" smtClean="0"/>
               <a:t>按一下以編輯母片標題樣式</a:t>
             </a:r>
-            <a:endParaRPr lang="zh-TW" altLang="en-US"/>
+            <a:endParaRPr lang="zh-TW" altLang="en-US" dirty="0"/>
           </a:p>
         </p:txBody>
       </p:sp>
@@ -2475,8 +6072,8 @@
         </p:nvSpPr>
         <p:spPr>
           <a:xfrm>
-            <a:off x="838200" y="1825625"/>
-            <a:ext cx="10515600" cy="4351338"/>
+            <a:off x="1223930" y="1458836"/>
+            <a:ext cx="9644095" cy="4718127"/>
           </a:xfrm>
           <a:prstGeom prst="rect">
             <a:avLst/>
@@ -2490,38 +6087,38 @@
           <a:p>
             <a:pPr lvl="0"/>
             <a:r>
-              <a:rPr lang="zh-TW" altLang="en-US" smtClean="0"/>
+              <a:rPr lang="zh-TW" altLang="en-US" dirty="0" smtClean="0"/>
               <a:t>編輯母片文字樣式</a:t>
             </a:r>
           </a:p>
           <a:p>
             <a:pPr lvl="1"/>
             <a:r>
-              <a:rPr lang="zh-TW" altLang="en-US" smtClean="0"/>
+              <a:rPr lang="zh-TW" altLang="en-US" dirty="0" smtClean="0"/>
               <a:t>第二層</a:t>
             </a:r>
           </a:p>
           <a:p>
             <a:pPr lvl="2"/>
             <a:r>
-              <a:rPr lang="zh-TW" altLang="en-US" smtClean="0"/>
+              <a:rPr lang="zh-TW" altLang="en-US" dirty="0" smtClean="0"/>
               <a:t>第三層</a:t>
             </a:r>
           </a:p>
           <a:p>
             <a:pPr lvl="3"/>
             <a:r>
-              <a:rPr lang="zh-TW" altLang="en-US" smtClean="0"/>
+              <a:rPr lang="zh-TW" altLang="en-US" dirty="0" smtClean="0"/>
               <a:t>第四層</a:t>
             </a:r>
           </a:p>
           <a:p>
             <a:pPr lvl="4"/>
             <a:r>
-              <a:rPr lang="zh-TW" altLang="en-US" smtClean="0"/>
+              <a:rPr lang="zh-TW" altLang="en-US" dirty="0" smtClean="0"/>
               <a:t>第五層</a:t>
             </a:r>
-            <a:endParaRPr lang="zh-TW" altLang="en-US"/>
+            <a:endParaRPr lang="zh-TW" altLang="en-US" dirty="0"/>
           </a:p>
         </p:txBody>
       </p:sp>
@@ -2537,7 +6134,7 @@
         </p:nvSpPr>
         <p:spPr>
           <a:xfrm>
-            <a:off x="838200" y="6356350"/>
+            <a:off x="1223930" y="6356350"/>
             <a:ext cx="2743200" cy="365125"/>
           </a:xfrm>
           <a:prstGeom prst="rect">
@@ -2560,7 +6157,7 @@
           <a:p>
             <a:fld id="{31CDE89B-FBD9-4E23-BEEB-B0C8819124B3}" type="datetimeFigureOut">
               <a:rPr lang="zh-TW" altLang="en-US" smtClean="0"/>
-              <a:t>2022/1/20</a:t>
+              <a:t>2022/2/8</a:t>
             </a:fld>
             <a:endParaRPr lang="zh-TW" altLang="en-US"/>
           </a:p>
@@ -2579,7 +6176,7 @@
         <p:spPr>
           <a:xfrm>
             <a:off x="4038600" y="6356350"/>
-            <a:ext cx="4114800" cy="365125"/>
+            <a:ext cx="4010025" cy="365125"/>
           </a:xfrm>
           <a:prstGeom prst="rect">
             <a:avLst/>
@@ -2599,7 +6196,7 @@
             </a:lvl1pPr>
           </a:lstStyle>
           <a:p>
-            <a:endParaRPr lang="zh-TW" altLang="en-US"/>
+            <a:endParaRPr lang="zh-TW" altLang="en-US" dirty="0"/>
           </a:p>
         </p:txBody>
       </p:sp>
@@ -2615,7 +6212,7 @@
         </p:nvSpPr>
         <p:spPr>
           <a:xfrm>
-            <a:off x="8610600" y="6356350"/>
+            <a:off x="8124825" y="6356349"/>
             <a:ext cx="2743200" cy="365125"/>
           </a:xfrm>
           <a:prstGeom prst="rect">
@@ -2640,7 +6237,7 @@
               <a:rPr lang="zh-TW" altLang="en-US" smtClean="0"/>
               <a:t>‹#›</a:t>
             </a:fld>
-            <a:endParaRPr lang="zh-TW" altLang="en-US"/>
+            <a:endParaRPr lang="zh-TW" altLang="en-US" dirty="0"/>
           </a:p>
         </p:txBody>
       </p:sp>
@@ -2665,6 +6262,18 @@
     <p:sldLayoutId id="2147483658" r:id="rId10"/>
     <p:sldLayoutId id="2147483659" r:id="rId11"/>
   </p:sldLayoutIdLst>
+  <mc:AlternateContent xmlns:mc="http://schemas.openxmlformats.org/markup-compatibility/2006">
+    <mc:Choice xmlns:p14="http://schemas.microsoft.com/office/powerpoint/2010/main" Requires="p14">
+      <p:transition spd="slow" p14:dur="1500">
+        <p:random/>
+      </p:transition>
+    </mc:Choice>
+    <mc:Fallback>
+      <p:transition spd="slow">
+        <p:random/>
+      </p:transition>
+    </mc:Fallback>
+  </mc:AlternateContent>
   <p:txStyles>
     <p:titleStyle>
       <a:lvl1pPr algn="l" defTabSz="914400" rtl="0" eaLnBrk="1" latinLnBrk="0" hangingPunct="1">
@@ -2675,7 +6284,7 @@
           <a:spcPct val="0"/>
         </a:spcBef>
         <a:buNone/>
-        <a:defRPr sz="4400" kern="1200">
+        <a:defRPr sz="3600" b="1" kern="1200">
           <a:solidFill>
             <a:schemeClr val="tx1"/>
           </a:solidFill>
@@ -2967,7 +6576,7 @@
       </p:grpSpPr>
       <p:sp>
         <p:nvSpPr>
-          <p:cNvPr id="2" name="標題 1"/>
+          <p:cNvPr id="4" name="標題 3"/>
           <p:cNvSpPr>
             <a:spLocks noGrp="1"/>
           </p:cNvSpPr>
@@ -2980,13 +6589,16 @@
           <a:bodyPr/>
           <a:lstStyle/>
           <a:p>
-            <a:endParaRPr lang="zh-TW" altLang="en-US"/>
-          </a:p>
-        </p:txBody>
-      </p:sp>
-      <p:sp>
-        <p:nvSpPr>
-          <p:cNvPr id="3" name="副標題 2"/>
+            <a:r>
+              <a:rPr lang="zh-TW" altLang="en-US" dirty="0"/>
+              <a:t>網站應用整合開發</a:t>
+            </a:r>
+          </a:p>
+        </p:txBody>
+      </p:sp>
+      <p:sp>
+        <p:nvSpPr>
+          <p:cNvPr id="6" name="副標題 5"/>
           <p:cNvSpPr>
             <a:spLocks noGrp="1"/>
           </p:cNvSpPr>
@@ -2999,20 +6611,45 @@
           <a:bodyPr/>
           <a:lstStyle/>
           <a:p>
-            <a:endParaRPr lang="zh-TW" altLang="en-US"/>
+            <a:r>
+              <a:rPr lang="zh-TW" altLang="en-US" dirty="0"/>
+              <a:t>課程說明</a:t>
+            </a:r>
+          </a:p>
+          <a:p>
+            <a:endParaRPr lang="zh-TW" altLang="en-US" dirty="0"/>
           </a:p>
         </p:txBody>
       </p:sp>
     </p:spTree>
     <p:extLst>
       <p:ext uri="{BB962C8B-B14F-4D97-AF65-F5344CB8AC3E}">
-        <p14:creationId xmlns:p14="http://schemas.microsoft.com/office/powerpoint/2010/main" val="1523506785"/>
+        <p14:creationId xmlns:p14="http://schemas.microsoft.com/office/powerpoint/2010/main" val="3263398928"/>
       </p:ext>
     </p:extLst>
   </p:cSld>
   <p:clrMapOvr>
     <a:masterClrMapping/>
   </p:clrMapOvr>
+  <mc:AlternateContent xmlns:mc="http://schemas.openxmlformats.org/markup-compatibility/2006">
+    <mc:Choice xmlns:p14="http://schemas.microsoft.com/office/powerpoint/2010/main" Requires="p14">
+      <p:transition spd="slow" p14:dur="1500">
+        <p:random/>
+      </p:transition>
+    </mc:Choice>
+    <mc:Fallback>
+      <p:transition spd="slow">
+        <p:random/>
+      </p:transition>
+    </mc:Fallback>
+  </mc:AlternateContent>
+  <p:timing>
+    <p:tnLst>
+      <p:par>
+        <p:cTn id="1" dur="indefinite" restart="never" nodeType="tmRoot"/>
+      </p:par>
+    </p:tnLst>
+  </p:timing>
 </p:sld>
 </file>
 
@@ -3035,6 +6672,130 @@
       </p:grpSpPr>
       <p:sp>
         <p:nvSpPr>
+          <p:cNvPr id="5" name="標題 4"/>
+          <p:cNvSpPr>
+            <a:spLocks noGrp="1"/>
+          </p:cNvSpPr>
+          <p:nvPr>
+            <p:ph type="title"/>
+          </p:nvPr>
+        </p:nvSpPr>
+        <p:spPr/>
+        <p:txBody>
+          <a:bodyPr/>
+          <a:lstStyle/>
+          <a:p>
+            <a:r>
+              <a:rPr lang="zh-TW" altLang="en-US" dirty="0"/>
+              <a:t>簡報大綱</a:t>
+            </a:r>
+          </a:p>
+        </p:txBody>
+      </p:sp>
+      <p:sp>
+        <p:nvSpPr>
+          <p:cNvPr id="6" name="內容版面配置區 5"/>
+          <p:cNvSpPr>
+            <a:spLocks noGrp="1"/>
+          </p:cNvSpPr>
+          <p:nvPr>
+            <p:ph idx="1"/>
+          </p:nvPr>
+        </p:nvSpPr>
+        <p:spPr/>
+        <p:txBody>
+          <a:bodyPr/>
+          <a:lstStyle/>
+          <a:p>
+            <a:r>
+              <a:rPr lang="zh-TW" altLang="en-US" dirty="0"/>
+              <a:t>課程大綱</a:t>
+            </a:r>
+          </a:p>
+          <a:p>
+            <a:r>
+              <a:rPr lang="zh-TW" altLang="en-US" dirty="0" smtClean="0"/>
+              <a:t>課程配</a:t>
+            </a:r>
+            <a:r>
+              <a:rPr lang="zh-TW" altLang="en-US" dirty="0"/>
+              <a:t>分方式</a:t>
+            </a:r>
+          </a:p>
+          <a:p>
+            <a:r>
+              <a:rPr lang="zh-TW" altLang="en-US" dirty="0" smtClean="0"/>
+              <a:t>期中報告方式</a:t>
+            </a:r>
+            <a:endParaRPr lang="en-US" altLang="zh-TW" dirty="0" smtClean="0"/>
+          </a:p>
+          <a:p>
+            <a:r>
+              <a:rPr lang="zh-TW" altLang="en-US" dirty="0" smtClean="0"/>
+              <a:t>期末</a:t>
+            </a:r>
+            <a:r>
+              <a:rPr lang="zh-TW" altLang="en-US" dirty="0"/>
+              <a:t>報告方式</a:t>
+            </a:r>
+            <a:endParaRPr lang="en-US" altLang="zh-TW" dirty="0"/>
+          </a:p>
+          <a:p>
+            <a:endParaRPr lang="zh-TW" altLang="en-US" dirty="0"/>
+          </a:p>
+        </p:txBody>
+      </p:sp>
+    </p:spTree>
+    <p:extLst>
+      <p:ext uri="{BB962C8B-B14F-4D97-AF65-F5344CB8AC3E}">
+        <p14:creationId xmlns:p14="http://schemas.microsoft.com/office/powerpoint/2010/main" val="841715152"/>
+      </p:ext>
+    </p:extLst>
+  </p:cSld>
+  <p:clrMapOvr>
+    <a:masterClrMapping/>
+  </p:clrMapOvr>
+  <mc:AlternateContent xmlns:mc="http://schemas.openxmlformats.org/markup-compatibility/2006">
+    <mc:Choice xmlns:p14="http://schemas.microsoft.com/office/powerpoint/2010/main" Requires="p14">
+      <p:transition spd="slow" p14:dur="1500">
+        <p:random/>
+      </p:transition>
+    </mc:Choice>
+    <mc:Fallback>
+      <p:transition spd="slow">
+        <p:random/>
+      </p:transition>
+    </mc:Fallback>
+  </mc:AlternateContent>
+  <p:timing>
+    <p:tnLst>
+      <p:par>
+        <p:cTn id="1" dur="indefinite" restart="never" nodeType="tmRoot"/>
+      </p:par>
+    </p:tnLst>
+  </p:timing>
+</p:sld>
+</file>
+
+<file path=ppt/slides/slide3.xml><?xml version="1.0" encoding="utf-8"?>
+<p:sld xmlns:a="http://schemas.openxmlformats.org/drawingml/2006/main" xmlns:r="http://schemas.openxmlformats.org/officeDocument/2006/relationships" xmlns:p="http://schemas.openxmlformats.org/presentationml/2006/main">
+  <p:cSld>
+    <p:spTree>
+      <p:nvGrpSpPr>
+        <p:cNvPr id="1" name=""/>
+        <p:cNvGrpSpPr/>
+        <p:nvPr/>
+      </p:nvGrpSpPr>
+      <p:grpSpPr>
+        <a:xfrm>
+          <a:off x="0" y="0"/>
+          <a:ext cx="0" cy="0"/>
+          <a:chOff x="0" y="0"/>
+          <a:chExt cx="0" cy="0"/>
+        </a:xfrm>
+      </p:grpSpPr>
+      <p:sp>
+        <p:nvSpPr>
           <p:cNvPr id="2" name="標題 1"/>
           <p:cNvSpPr>
             <a:spLocks noGrp="1"/>
@@ -3049,10 +6810,9 @@
           <a:lstStyle/>
           <a:p>
             <a:r>
-              <a:rPr lang="zh-TW" altLang="en-US" dirty="0" smtClean="0"/>
-              <a:t>大綱</a:t>
-            </a:r>
-            <a:endParaRPr lang="zh-TW" altLang="en-US" dirty="0"/>
+              <a:rPr lang="zh-TW" altLang="en-US" dirty="0"/>
+              <a:t>課程大綱</a:t>
+            </a:r>
           </a:p>
         </p:txBody>
       </p:sp>
@@ -3063,157 +6823,202 @@
             <a:spLocks noGrp="1"/>
           </p:cNvSpPr>
           <p:nvPr>
-            <p:ph sz="half" idx="1"/>
+            <p:ph idx="1"/>
           </p:nvPr>
         </p:nvSpPr>
         <p:spPr/>
         <p:txBody>
           <a:bodyPr>
-            <a:normAutofit/>
+            <a:normAutofit lnSpcReduction="10000"/>
           </a:bodyPr>
           <a:lstStyle/>
           <a:p>
+            <a:pPr marL="0" indent="0">
+              <a:buNone/>
+            </a:pPr>
+            <a:r>
+              <a:rPr lang="en-US" altLang="zh-TW" dirty="0"/>
+              <a:t>1. </a:t>
+            </a:r>
+            <a:r>
+              <a:rPr lang="zh-TW" altLang="en-US" dirty="0"/>
+              <a:t>網頁基礎	</a:t>
+            </a:r>
+          </a:p>
+          <a:p>
+            <a:pPr marL="0" indent="0">
+              <a:buNone/>
+            </a:pPr>
+            <a:r>
+              <a:rPr lang="en-US" altLang="zh-TW" dirty="0"/>
+              <a:t>2. ASP.NET Web Form</a:t>
+            </a:r>
+            <a:r>
+              <a:rPr lang="zh-TW" altLang="en-US" dirty="0"/>
+              <a:t>框架	</a:t>
+            </a:r>
+          </a:p>
+          <a:p>
+            <a:pPr marL="0" indent="0">
+              <a:buNone/>
+            </a:pPr>
+            <a:r>
+              <a:rPr lang="en-US" altLang="zh-TW" dirty="0"/>
+              <a:t>3</a:t>
+            </a:r>
+            <a:r>
+              <a:rPr lang="en-US" altLang="zh-TW" dirty="0" smtClean="0"/>
+              <a:t>. </a:t>
+            </a:r>
             <a:r>
               <a:rPr lang="zh-TW" altLang="en-US" dirty="0" smtClean="0"/>
-              <a:t>配分</a:t>
-            </a:r>
-            <a:endParaRPr lang="en-US" altLang="zh-TW" dirty="0" smtClean="0"/>
-          </a:p>
-          <a:p>
+              <a:t>網站</a:t>
+            </a:r>
+            <a:r>
+              <a:rPr lang="zh-TW" altLang="en-US" dirty="0"/>
+              <a:t>程式與資料庫溝通、互動</a:t>
+            </a:r>
+          </a:p>
+          <a:p>
+            <a:pPr marL="0" indent="0">
+              <a:buNone/>
+            </a:pPr>
+            <a:r>
+              <a:rPr lang="en-US" altLang="zh-TW" dirty="0"/>
+              <a:t>4</a:t>
+            </a:r>
+            <a:r>
+              <a:rPr lang="en-US" altLang="zh-TW" dirty="0" smtClean="0"/>
+              <a:t>. </a:t>
+            </a:r>
             <a:r>
               <a:rPr lang="zh-TW" altLang="en-US" dirty="0" smtClean="0"/>
-              <a:t>課程大綱</a:t>
-            </a:r>
-            <a:endParaRPr lang="en-US" altLang="zh-TW" dirty="0" smtClean="0"/>
-          </a:p>
-          <a:p>
-            <a:pPr lvl="1"/>
+              <a:t>實</a:t>
+            </a:r>
+            <a:r>
+              <a:rPr lang="zh-TW" altLang="en-US" dirty="0"/>
+              <a:t>作</a:t>
+            </a:r>
+            <a:r>
+              <a:rPr lang="en-US" altLang="zh-TW" dirty="0"/>
+              <a:t>-</a:t>
+            </a:r>
+            <a:r>
+              <a:rPr lang="zh-TW" altLang="en-US" dirty="0"/>
+              <a:t>帳號註冊、登入網頁	</a:t>
+            </a:r>
+          </a:p>
+          <a:p>
+            <a:pPr marL="0" indent="0">
+              <a:buNone/>
+            </a:pPr>
+            <a:r>
+              <a:rPr lang="en-US" altLang="zh-TW" dirty="0"/>
+              <a:t>5</a:t>
+            </a:r>
             <a:r>
               <a:rPr lang="en-US" altLang="zh-TW" dirty="0" smtClean="0"/>
-              <a:t>18</a:t>
+              <a:t>. </a:t>
+            </a:r>
+            <a:r>
+              <a:rPr lang="zh-TW" altLang="en-US" dirty="0" smtClean="0"/>
+              <a:t>實</a:t>
             </a:r>
             <a:r>
               <a:rPr lang="zh-TW" altLang="en-US" dirty="0"/>
-              <a:t>週</a:t>
-            </a:r>
-            <a:endParaRPr lang="en-US" altLang="zh-TW" dirty="0" smtClean="0"/>
-          </a:p>
-          <a:p>
+              <a:t>作</a:t>
+            </a:r>
+            <a:r>
+              <a:rPr lang="en-US" altLang="zh-TW" dirty="0"/>
+              <a:t>-</a:t>
+            </a:r>
+            <a:r>
+              <a:rPr lang="zh-TW" altLang="en-US" dirty="0"/>
+              <a:t>帳號註冊、登入網頁	</a:t>
+            </a:r>
+          </a:p>
+          <a:p>
+            <a:pPr marL="0" indent="0">
+              <a:buNone/>
+            </a:pPr>
+            <a:r>
+              <a:rPr lang="en-US" altLang="zh-TW" dirty="0" smtClean="0"/>
+              <a:t>6. CSS</a:t>
+            </a:r>
+            <a:r>
+              <a:rPr lang="zh-TW" altLang="en-US" dirty="0"/>
+              <a:t>基礎	</a:t>
+            </a:r>
+          </a:p>
+          <a:p>
+            <a:pPr marL="0" indent="0">
+              <a:buNone/>
+            </a:pPr>
+            <a:r>
+              <a:rPr lang="en-US" altLang="zh-TW" dirty="0"/>
+              <a:t>7</a:t>
+            </a:r>
+            <a:r>
+              <a:rPr lang="en-US" altLang="zh-TW" dirty="0" smtClean="0"/>
+              <a:t>. </a:t>
+            </a:r>
             <a:r>
               <a:rPr lang="zh-TW" altLang="en-US" dirty="0" smtClean="0"/>
-              <a:t>分組</a:t>
-            </a:r>
-            <a:endParaRPr lang="en-US" altLang="zh-TW" dirty="0" smtClean="0"/>
-          </a:p>
-          <a:p>
-            <a:pPr lvl="1"/>
+              <a:t>實</a:t>
+            </a:r>
+            <a:r>
+              <a:rPr lang="zh-TW" altLang="en-US" dirty="0"/>
+              <a:t>作</a:t>
+            </a:r>
+            <a:r>
+              <a:rPr lang="en-US" altLang="zh-TW" dirty="0"/>
+              <a:t>-</a:t>
+            </a:r>
+            <a:r>
+              <a:rPr lang="zh-TW" altLang="en-US" dirty="0"/>
+              <a:t>帳號註冊、登入網頁</a:t>
+            </a:r>
+            <a:r>
+              <a:rPr lang="en-US" altLang="zh-TW" dirty="0"/>
+              <a:t>UI</a:t>
+            </a:r>
+            <a:r>
+              <a:rPr lang="zh-TW" altLang="en-US" dirty="0"/>
+              <a:t>優化</a:t>
+            </a:r>
+          </a:p>
+          <a:p>
+            <a:pPr marL="0" indent="0">
+              <a:buNone/>
+            </a:pPr>
+            <a:r>
+              <a:rPr lang="en-US" altLang="zh-TW" dirty="0"/>
+              <a:t>8. JavaScript </a:t>
+            </a:r>
+            <a:r>
+              <a:rPr lang="zh-TW" altLang="en-US" dirty="0"/>
+              <a:t>基礎	</a:t>
+            </a:r>
+          </a:p>
+          <a:p>
+            <a:pPr marL="0" indent="0">
+              <a:buNone/>
+            </a:pPr>
+            <a:r>
+              <a:rPr lang="en-US" altLang="zh-TW" dirty="0"/>
+              <a:t>9</a:t>
+            </a:r>
             <a:r>
               <a:rPr lang="en-US" altLang="zh-TW" dirty="0" smtClean="0"/>
-              <a:t>3~5</a:t>
-            </a:r>
-            <a:r>
-              <a:rPr lang="zh-TW" altLang="en-US" dirty="0" smtClean="0"/>
-              <a:t>人</a:t>
-            </a:r>
-            <a:endParaRPr lang="en-US" altLang="zh-TW" dirty="0" smtClean="0"/>
-          </a:p>
-          <a:p>
-            <a:pPr lvl="2"/>
-            <a:endParaRPr lang="zh-TW" altLang="en-US" dirty="0"/>
-          </a:p>
-        </p:txBody>
-      </p:sp>
-      <p:sp>
-        <p:nvSpPr>
-          <p:cNvPr id="4" name="內容版面配置區 3"/>
-          <p:cNvSpPr>
-            <a:spLocks noGrp="1"/>
-          </p:cNvSpPr>
-          <p:nvPr>
-            <p:ph sz="half" idx="2"/>
-          </p:nvPr>
-        </p:nvSpPr>
-        <p:spPr/>
-        <p:txBody>
-          <a:bodyPr>
-            <a:normAutofit/>
-          </a:bodyPr>
-          <a:lstStyle/>
-          <a:p>
+              <a:t>. </a:t>
+            </a:r>
             <a:r>
               <a:rPr lang="zh-TW" altLang="en-US" dirty="0" smtClean="0"/>
               <a:t>期中</a:t>
             </a:r>
             <a:r>
-              <a:rPr lang="en-US" altLang="zh-TW" dirty="0" smtClean="0"/>
-              <a:t>:</a:t>
-            </a:r>
-            <a:r>
-              <a:rPr lang="zh-TW" altLang="en-US" dirty="0" smtClean="0"/>
-              <a:t>計劃書</a:t>
-            </a:r>
-            <a:endParaRPr lang="en-US" altLang="zh-TW" dirty="0" smtClean="0"/>
-          </a:p>
-          <a:p>
-            <a:pPr lvl="1"/>
-            <a:r>
-              <a:rPr lang="zh-TW" altLang="en-US" dirty="0" smtClean="0"/>
-              <a:t>主題</a:t>
-            </a:r>
-            <a:endParaRPr lang="en-US" altLang="zh-TW" dirty="0" smtClean="0"/>
-          </a:p>
-          <a:p>
-            <a:pPr lvl="1"/>
-            <a:r>
-              <a:rPr lang="zh-TW" altLang="en-US" dirty="0" smtClean="0"/>
-              <a:t>介面設計</a:t>
-            </a:r>
-            <a:endParaRPr lang="en-US" altLang="zh-TW" dirty="0" smtClean="0"/>
-          </a:p>
-          <a:p>
-            <a:pPr lvl="1"/>
-            <a:r>
-              <a:rPr lang="zh-TW" altLang="en-US" dirty="0" smtClean="0"/>
-              <a:t>資料庫設計</a:t>
-            </a:r>
-            <a:endParaRPr lang="en-US" altLang="zh-TW" dirty="0" smtClean="0"/>
-          </a:p>
-          <a:p>
-            <a:pPr lvl="1"/>
-            <a:r>
-              <a:rPr lang="zh-TW" altLang="en-US" dirty="0" smtClean="0"/>
-              <a:t>操作設計</a:t>
-            </a:r>
-            <a:endParaRPr lang="en-US" altLang="zh-TW" dirty="0" smtClean="0"/>
-          </a:p>
-          <a:p>
-            <a:r>
-              <a:rPr lang="zh-TW" altLang="en-US" dirty="0" smtClean="0"/>
-              <a:t>期末</a:t>
-            </a:r>
-            <a:r>
-              <a:rPr lang="en-US" altLang="zh-TW" dirty="0" smtClean="0"/>
-              <a:t>:</a:t>
-            </a:r>
-            <a:r>
-              <a:rPr lang="zh-TW" altLang="en-US" dirty="0" smtClean="0"/>
-              <a:t>成果</a:t>
-            </a:r>
-            <a:endParaRPr lang="en-US" altLang="zh-TW" dirty="0" smtClean="0"/>
-          </a:p>
-          <a:p>
-            <a:pPr lvl="1"/>
-            <a:r>
-              <a:rPr lang="zh-TW" altLang="en-US" dirty="0" smtClean="0"/>
-              <a:t>展示</a:t>
-            </a:r>
-            <a:endParaRPr lang="en-US" altLang="zh-TW" dirty="0" smtClean="0"/>
-          </a:p>
-          <a:p>
-            <a:pPr lvl="1"/>
-            <a:r>
               <a:rPr lang="zh-TW" altLang="en-US" dirty="0"/>
-              <a:t>說明</a:t>
+              <a:t>報告</a:t>
             </a:r>
           </a:p>
         </p:txBody>
@@ -3221,13 +7026,1232 @@
     </p:spTree>
     <p:extLst>
       <p:ext uri="{BB962C8B-B14F-4D97-AF65-F5344CB8AC3E}">
-        <p14:creationId xmlns:p14="http://schemas.microsoft.com/office/powerpoint/2010/main" val="4216745613"/>
+        <p14:creationId xmlns:p14="http://schemas.microsoft.com/office/powerpoint/2010/main" val="4181288336"/>
       </p:ext>
     </p:extLst>
   </p:cSld>
   <p:clrMapOvr>
     <a:masterClrMapping/>
   </p:clrMapOvr>
+  <mc:AlternateContent xmlns:mc="http://schemas.openxmlformats.org/markup-compatibility/2006">
+    <mc:Choice xmlns:p14="http://schemas.microsoft.com/office/powerpoint/2010/main" Requires="p14">
+      <p:transition spd="slow" p14:dur="1500">
+        <p:random/>
+      </p:transition>
+    </mc:Choice>
+    <mc:Fallback>
+      <p:transition spd="slow">
+        <p:random/>
+      </p:transition>
+    </mc:Fallback>
+  </mc:AlternateContent>
+  <p:timing>
+    <p:tnLst>
+      <p:par>
+        <p:cTn id="1" dur="indefinite" restart="never" nodeType="tmRoot"/>
+      </p:par>
+    </p:tnLst>
+  </p:timing>
+</p:sld>
+</file>
+
+<file path=ppt/slides/slide4.xml><?xml version="1.0" encoding="utf-8"?>
+<p:sld xmlns:a="http://schemas.openxmlformats.org/drawingml/2006/main" xmlns:r="http://schemas.openxmlformats.org/officeDocument/2006/relationships" xmlns:p="http://schemas.openxmlformats.org/presentationml/2006/main">
+  <p:cSld>
+    <p:spTree>
+      <p:nvGrpSpPr>
+        <p:cNvPr id="1" name=""/>
+        <p:cNvGrpSpPr/>
+        <p:nvPr/>
+      </p:nvGrpSpPr>
+      <p:grpSpPr>
+        <a:xfrm>
+          <a:off x="0" y="0"/>
+          <a:ext cx="0" cy="0"/>
+          <a:chOff x="0" y="0"/>
+          <a:chExt cx="0" cy="0"/>
+        </a:xfrm>
+      </p:grpSpPr>
+      <p:sp>
+        <p:nvSpPr>
+          <p:cNvPr id="2" name="標題 1"/>
+          <p:cNvSpPr>
+            <a:spLocks noGrp="1"/>
+          </p:cNvSpPr>
+          <p:nvPr>
+            <p:ph type="title"/>
+          </p:nvPr>
+        </p:nvSpPr>
+        <p:spPr/>
+        <p:txBody>
+          <a:bodyPr/>
+          <a:lstStyle/>
+          <a:p>
+            <a:r>
+              <a:rPr lang="zh-TW" altLang="en-US" dirty="0"/>
+              <a:t>課程大綱</a:t>
+            </a:r>
+          </a:p>
+        </p:txBody>
+      </p:sp>
+      <p:sp>
+        <p:nvSpPr>
+          <p:cNvPr id="3" name="內容版面配置區 2"/>
+          <p:cNvSpPr>
+            <a:spLocks noGrp="1"/>
+          </p:cNvSpPr>
+          <p:nvPr>
+            <p:ph idx="1"/>
+          </p:nvPr>
+        </p:nvSpPr>
+        <p:spPr/>
+        <p:txBody>
+          <a:bodyPr>
+            <a:normAutofit lnSpcReduction="10000"/>
+          </a:bodyPr>
+          <a:lstStyle/>
+          <a:p>
+            <a:pPr marL="0" indent="0">
+              <a:buNone/>
+            </a:pPr>
+            <a:r>
+              <a:rPr lang="en-US" altLang="zh-TW" dirty="0" smtClean="0"/>
+              <a:t>10. </a:t>
+            </a:r>
+            <a:r>
+              <a:rPr lang="zh-TW" altLang="en-US" dirty="0" smtClean="0"/>
+              <a:t>實作</a:t>
+            </a:r>
+            <a:r>
+              <a:rPr lang="en-US" altLang="zh-TW" dirty="0" smtClean="0"/>
+              <a:t>-</a:t>
+            </a:r>
+            <a:r>
+              <a:rPr lang="zh-TW" altLang="en-US" dirty="0" smtClean="0"/>
+              <a:t>帳號註冊、登入網頁前端防呆與提示</a:t>
+            </a:r>
+            <a:r>
+              <a:rPr lang="zh-TW" altLang="en-US" dirty="0"/>
+              <a:t>	</a:t>
+            </a:r>
+          </a:p>
+          <a:p>
+            <a:pPr marL="0" indent="0">
+              <a:buNone/>
+            </a:pPr>
+            <a:r>
+              <a:rPr lang="en-US" altLang="zh-TW" dirty="0" smtClean="0"/>
+              <a:t>11. AJAX </a:t>
+            </a:r>
+            <a:r>
+              <a:rPr lang="zh-TW" altLang="en-US" dirty="0"/>
+              <a:t>與 </a:t>
+            </a:r>
+            <a:r>
+              <a:rPr lang="en-US" altLang="zh-TW" dirty="0"/>
+              <a:t>Web API	</a:t>
+            </a:r>
+          </a:p>
+          <a:p>
+            <a:pPr marL="0" indent="0">
+              <a:buNone/>
+            </a:pPr>
+            <a:r>
+              <a:rPr lang="en-US" altLang="zh-TW" dirty="0" smtClean="0"/>
+              <a:t>12. Responsive </a:t>
+            </a:r>
+            <a:r>
+              <a:rPr lang="en-US" altLang="zh-TW" dirty="0"/>
+              <a:t>Web Design </a:t>
+            </a:r>
+            <a:r>
+              <a:rPr lang="zh-TW" altLang="en-US" dirty="0"/>
+              <a:t>與 </a:t>
+            </a:r>
+            <a:r>
+              <a:rPr lang="en-US" altLang="zh-TW" dirty="0"/>
+              <a:t>Bootstrap </a:t>
+            </a:r>
+            <a:r>
+              <a:rPr lang="zh-TW" altLang="en-US" dirty="0"/>
+              <a:t>網頁框架	</a:t>
+            </a:r>
+          </a:p>
+          <a:p>
+            <a:pPr marL="0" indent="0">
+              <a:buNone/>
+            </a:pPr>
+            <a:r>
+              <a:rPr lang="en-US" altLang="zh-TW" dirty="0" smtClean="0"/>
+              <a:t>13. </a:t>
+            </a:r>
+            <a:r>
+              <a:rPr lang="zh-TW" altLang="en-US" dirty="0" smtClean="0"/>
+              <a:t>實</a:t>
+            </a:r>
+            <a:r>
+              <a:rPr lang="zh-TW" altLang="en-US" dirty="0"/>
+              <a:t>作</a:t>
+            </a:r>
+            <a:r>
+              <a:rPr lang="en-US" altLang="zh-TW" dirty="0"/>
+              <a:t>-</a:t>
+            </a:r>
+            <a:r>
+              <a:rPr lang="zh-TW" altLang="en-US" dirty="0"/>
+              <a:t>數據整合與呈現	</a:t>
+            </a:r>
+          </a:p>
+          <a:p>
+            <a:pPr marL="0" indent="0">
+              <a:buNone/>
+            </a:pPr>
+            <a:r>
+              <a:rPr lang="en-US" altLang="zh-TW" dirty="0" smtClean="0"/>
+              <a:t>14. </a:t>
+            </a:r>
+            <a:r>
+              <a:rPr lang="zh-TW" altLang="en-US" dirty="0" smtClean="0"/>
+              <a:t>實</a:t>
+            </a:r>
+            <a:r>
+              <a:rPr lang="zh-TW" altLang="en-US" dirty="0"/>
+              <a:t>作</a:t>
+            </a:r>
+            <a:r>
+              <a:rPr lang="en-US" altLang="zh-TW" dirty="0"/>
+              <a:t>-</a:t>
+            </a:r>
+            <a:r>
+              <a:rPr lang="zh-TW" altLang="en-US" dirty="0"/>
+              <a:t>數據整合與呈現	</a:t>
+            </a:r>
+          </a:p>
+          <a:p>
+            <a:pPr marL="0" indent="0">
+              <a:buNone/>
+            </a:pPr>
+            <a:r>
+              <a:rPr lang="en-US" altLang="zh-TW" dirty="0" smtClean="0"/>
+              <a:t>15. </a:t>
+            </a:r>
+            <a:r>
+              <a:rPr lang="zh-TW" altLang="en-US" dirty="0" smtClean="0"/>
+              <a:t>實</a:t>
+            </a:r>
+            <a:r>
+              <a:rPr lang="zh-TW" altLang="en-US" dirty="0"/>
+              <a:t>作</a:t>
+            </a:r>
+            <a:r>
+              <a:rPr lang="en-US" altLang="zh-TW" dirty="0"/>
+              <a:t>-</a:t>
+            </a:r>
+            <a:r>
+              <a:rPr lang="zh-TW" altLang="en-US" dirty="0"/>
+              <a:t>數據整合與呈現	</a:t>
+            </a:r>
+          </a:p>
+          <a:p>
+            <a:pPr marL="0" indent="0">
+              <a:buNone/>
+            </a:pPr>
+            <a:r>
+              <a:rPr lang="en-US" altLang="zh-TW" dirty="0" smtClean="0"/>
+              <a:t>16. </a:t>
+            </a:r>
+            <a:r>
+              <a:rPr lang="zh-TW" altLang="en-US" dirty="0" smtClean="0"/>
+              <a:t>網站</a:t>
+            </a:r>
+            <a:r>
+              <a:rPr lang="zh-TW" altLang="en-US" dirty="0"/>
+              <a:t>整合應用	</a:t>
+            </a:r>
+          </a:p>
+          <a:p>
+            <a:pPr marL="0" indent="0">
+              <a:buNone/>
+            </a:pPr>
+            <a:r>
+              <a:rPr lang="en-US" altLang="zh-TW" dirty="0" smtClean="0"/>
+              <a:t>17. </a:t>
+            </a:r>
+            <a:r>
+              <a:rPr lang="zh-TW" altLang="en-US" dirty="0" smtClean="0"/>
+              <a:t>網站</a:t>
+            </a:r>
+            <a:r>
+              <a:rPr lang="zh-TW" altLang="en-US" dirty="0"/>
+              <a:t>整合應用	</a:t>
+            </a:r>
+          </a:p>
+          <a:p>
+            <a:pPr marL="0" indent="0">
+              <a:buNone/>
+            </a:pPr>
+            <a:r>
+              <a:rPr lang="en-US" altLang="zh-TW" dirty="0" smtClean="0"/>
+              <a:t>18. </a:t>
+            </a:r>
+            <a:r>
+              <a:rPr lang="zh-TW" altLang="en-US" dirty="0" smtClean="0"/>
+              <a:t>期末報告</a:t>
+            </a:r>
+            <a:endParaRPr lang="zh-TW" altLang="en-US" dirty="0"/>
+          </a:p>
+        </p:txBody>
+      </p:sp>
+    </p:spTree>
+    <p:extLst>
+      <p:ext uri="{BB962C8B-B14F-4D97-AF65-F5344CB8AC3E}">
+        <p14:creationId xmlns:p14="http://schemas.microsoft.com/office/powerpoint/2010/main" val="1276550881"/>
+      </p:ext>
+    </p:extLst>
+  </p:cSld>
+  <p:clrMapOvr>
+    <a:masterClrMapping/>
+  </p:clrMapOvr>
+  <mc:AlternateContent xmlns:mc="http://schemas.openxmlformats.org/markup-compatibility/2006">
+    <mc:Choice xmlns:p14="http://schemas.microsoft.com/office/powerpoint/2010/main" Requires="p14">
+      <p:transition spd="slow" p14:dur="1500">
+        <p:random/>
+      </p:transition>
+    </mc:Choice>
+    <mc:Fallback>
+      <p:transition spd="slow">
+        <p:random/>
+      </p:transition>
+    </mc:Fallback>
+  </mc:AlternateContent>
+  <p:timing>
+    <p:tnLst>
+      <p:par>
+        <p:cTn id="1" dur="indefinite" restart="never" nodeType="tmRoot"/>
+      </p:par>
+    </p:tnLst>
+  </p:timing>
+</p:sld>
+</file>
+
+<file path=ppt/slides/slide5.xml><?xml version="1.0" encoding="utf-8"?>
+<p:sld xmlns:a="http://schemas.openxmlformats.org/drawingml/2006/main" xmlns:r="http://schemas.openxmlformats.org/officeDocument/2006/relationships" xmlns:p="http://schemas.openxmlformats.org/presentationml/2006/main">
+  <p:cSld>
+    <p:spTree>
+      <p:nvGrpSpPr>
+        <p:cNvPr id="1" name=""/>
+        <p:cNvGrpSpPr/>
+        <p:nvPr/>
+      </p:nvGrpSpPr>
+      <p:grpSpPr>
+        <a:xfrm>
+          <a:off x="0" y="0"/>
+          <a:ext cx="0" cy="0"/>
+          <a:chOff x="0" y="0"/>
+          <a:chExt cx="0" cy="0"/>
+        </a:xfrm>
+      </p:grpSpPr>
+      <p:sp>
+        <p:nvSpPr>
+          <p:cNvPr id="2" name="標題 1"/>
+          <p:cNvSpPr>
+            <a:spLocks noGrp="1"/>
+          </p:cNvSpPr>
+          <p:nvPr>
+            <p:ph type="title"/>
+          </p:nvPr>
+        </p:nvSpPr>
+        <p:spPr/>
+        <p:txBody>
+          <a:bodyPr/>
+          <a:lstStyle/>
+          <a:p>
+            <a:r>
+              <a:rPr lang="zh-TW" altLang="en-US" dirty="0"/>
+              <a:t>課程配分</a:t>
+            </a:r>
+            <a:r>
+              <a:rPr lang="zh-TW" altLang="en-US" dirty="0" smtClean="0"/>
+              <a:t>方式</a:t>
+            </a:r>
+            <a:endParaRPr lang="zh-TW" altLang="en-US" dirty="0"/>
+          </a:p>
+        </p:txBody>
+      </p:sp>
+      <p:graphicFrame>
+        <p:nvGraphicFramePr>
+          <p:cNvPr id="5" name="內容版面配置區 4"/>
+          <p:cNvGraphicFramePr>
+            <a:graphicFrameLocks noGrp="1"/>
+          </p:cNvGraphicFramePr>
+          <p:nvPr>
+            <p:ph idx="1"/>
+            <p:extLst>
+              <p:ext uri="{D42A27DB-BD31-4B8C-83A1-F6EECF244321}">
+                <p14:modId xmlns:p14="http://schemas.microsoft.com/office/powerpoint/2010/main" val="1616784845"/>
+              </p:ext>
+            </p:extLst>
+          </p:nvPr>
+        </p:nvGraphicFramePr>
+        <p:xfrm>
+          <a:off x="1483884" y="2105025"/>
+          <a:ext cx="9384141" cy="2964035"/>
+        </p:xfrm>
+        <a:graphic>
+          <a:graphicData uri="http://schemas.openxmlformats.org/drawingml/2006/table">
+            <a:tbl>
+              <a:tblPr firstRow="1" bandRow="1">
+                <a:tableStyleId>{8EC20E35-A176-4012-BC5E-935CFFF8708E}</a:tableStyleId>
+              </a:tblPr>
+              <a:tblGrid>
+                <a:gridCol w="3183983">
+                  <a:extLst>
+                    <a:ext uri="{9D8B030D-6E8A-4147-A177-3AD203B41FA5}">
+                      <a16:colId xmlns:a16="http://schemas.microsoft.com/office/drawing/2014/main" val="3293796194"/>
+                    </a:ext>
+                  </a:extLst>
+                </a:gridCol>
+                <a:gridCol w="876618">
+                  <a:extLst>
+                    <a:ext uri="{9D8B030D-6E8A-4147-A177-3AD203B41FA5}">
+                      <a16:colId xmlns:a16="http://schemas.microsoft.com/office/drawing/2014/main" val="3090413718"/>
+                    </a:ext>
+                  </a:extLst>
+                </a:gridCol>
+                <a:gridCol w="5323540">
+                  <a:extLst>
+                    <a:ext uri="{9D8B030D-6E8A-4147-A177-3AD203B41FA5}">
+                      <a16:colId xmlns:a16="http://schemas.microsoft.com/office/drawing/2014/main" val="829061986"/>
+                    </a:ext>
+                  </a:extLst>
+                </a:gridCol>
+              </a:tblGrid>
+              <a:tr h="349149">
+                <a:tc>
+                  <a:txBody>
+                    <a:bodyPr/>
+                    <a:lstStyle/>
+                    <a:p>
+                      <a:r>
+                        <a:rPr lang="zh-TW" altLang="en-US" sz="2400" kern="1200" dirty="0" smtClean="0">
+                          <a:effectLst/>
+                        </a:rPr>
+                        <a:t>成績項目</a:t>
+                      </a:r>
+                      <a:r>
+                        <a:rPr lang="en-US" altLang="zh-TW" sz="2400" kern="1200" dirty="0" smtClean="0">
+                          <a:effectLst/>
+                        </a:rPr>
+                        <a:t>/</a:t>
+                      </a:r>
+                      <a:r>
+                        <a:rPr lang="zh-TW" altLang="en-US" sz="2400" kern="1200" dirty="0" smtClean="0">
+                          <a:effectLst/>
+                        </a:rPr>
+                        <a:t>評量項目</a:t>
+                      </a:r>
+                      <a:endParaRPr lang="zh-TW" altLang="en-US" sz="2400" dirty="0"/>
+                    </a:p>
+                  </a:txBody>
+                  <a:tcPr/>
+                </a:tc>
+                <a:tc>
+                  <a:txBody>
+                    <a:bodyPr/>
+                    <a:lstStyle/>
+                    <a:p>
+                      <a:r>
+                        <a:rPr lang="zh-TW" altLang="en-US" sz="2400" kern="1200" dirty="0" smtClean="0">
+                          <a:effectLst/>
+                        </a:rPr>
+                        <a:t>配分</a:t>
+                      </a:r>
+                      <a:endParaRPr lang="zh-TW" altLang="en-US" sz="2400" dirty="0"/>
+                    </a:p>
+                  </a:txBody>
+                  <a:tcPr/>
+                </a:tc>
+                <a:tc>
+                  <a:txBody>
+                    <a:bodyPr/>
+                    <a:lstStyle/>
+                    <a:p>
+                      <a:r>
+                        <a:rPr lang="zh-TW" altLang="en-US" sz="2400" kern="1200" dirty="0" smtClean="0">
+                          <a:effectLst/>
+                        </a:rPr>
+                        <a:t>評量方式</a:t>
+                      </a:r>
+                      <a:r>
+                        <a:rPr lang="en-US" altLang="zh-TW" sz="2400" kern="1200" dirty="0" smtClean="0">
+                          <a:effectLst/>
+                        </a:rPr>
+                        <a:t>/(</a:t>
+                      </a:r>
+                      <a:r>
+                        <a:rPr lang="zh-TW" altLang="en-US" sz="2400" kern="1200" dirty="0" smtClean="0">
+                          <a:effectLst/>
+                        </a:rPr>
+                        <a:t>達成能力指標</a:t>
+                      </a:r>
+                      <a:r>
+                        <a:rPr lang="en-US" altLang="zh-TW" sz="2400" kern="1200" dirty="0" smtClean="0">
+                          <a:effectLst/>
+                        </a:rPr>
+                        <a:t>)</a:t>
+                      </a:r>
+                      <a:endParaRPr lang="zh-TW" altLang="en-US" sz="2400" dirty="0"/>
+                    </a:p>
+                  </a:txBody>
+                  <a:tcPr/>
+                </a:tc>
+                <a:extLst>
+                  <a:ext uri="{0D108BD9-81ED-4DB2-BD59-A6C34878D82A}">
+                    <a16:rowId xmlns:a16="http://schemas.microsoft.com/office/drawing/2014/main" val="1244280917"/>
+                  </a:ext>
+                </a:extLst>
+              </a:tr>
+              <a:tr h="606645">
+                <a:tc>
+                  <a:txBody>
+                    <a:bodyPr/>
+                    <a:lstStyle/>
+                    <a:p>
+                      <a:pPr algn="l"/>
+                      <a:r>
+                        <a:rPr lang="zh-TW" altLang="en-US" sz="2400" dirty="0">
+                          <a:effectLst/>
+                        </a:rPr>
+                        <a:t>平時成績</a:t>
+                      </a:r>
+                      <a:r>
+                        <a:rPr lang="en-US" altLang="zh-TW" sz="2400" dirty="0">
+                          <a:effectLst/>
+                        </a:rPr>
+                        <a:t>/</a:t>
+                      </a:r>
+                      <a:r>
+                        <a:rPr lang="zh-TW" altLang="en-US" sz="2400" dirty="0">
+                          <a:effectLst/>
+                        </a:rPr>
+                        <a:t>形成評量</a:t>
+                      </a:r>
+                    </a:p>
+                  </a:txBody>
+                  <a:tcPr marL="95250" marR="0" marT="47625" marB="47625" anchor="ctr"/>
+                </a:tc>
+                <a:tc>
+                  <a:txBody>
+                    <a:bodyPr/>
+                    <a:lstStyle/>
+                    <a:p>
+                      <a:r>
+                        <a:rPr lang="en-US" altLang="zh-TW" sz="2400" dirty="0" smtClean="0"/>
+                        <a:t>35</a:t>
+                      </a:r>
+                      <a:endParaRPr lang="zh-TW" altLang="en-US" sz="2400" dirty="0"/>
+                    </a:p>
+                  </a:txBody>
+                  <a:tcPr/>
+                </a:tc>
+                <a:tc>
+                  <a:txBody>
+                    <a:bodyPr/>
+                    <a:lstStyle/>
+                    <a:p>
+                      <a:r>
+                        <a:rPr lang="zh-TW" altLang="en-US" sz="2400" kern="1200" dirty="0" smtClean="0">
+                          <a:effectLst/>
+                        </a:rPr>
+                        <a:t>實作評量</a:t>
+                      </a:r>
+                      <a:r>
+                        <a:rPr lang="en-US" altLang="zh-TW" sz="2400" kern="1200" dirty="0" smtClean="0">
+                          <a:effectLst/>
+                        </a:rPr>
+                        <a:t>(</a:t>
+                      </a:r>
+                      <a:r>
+                        <a:rPr lang="zh-TW" altLang="en-US" sz="2400" kern="1200" dirty="0" smtClean="0">
+                          <a:effectLst/>
+                        </a:rPr>
+                        <a:t>日常表現、表演、實作、作業、觀察、軼事記錄</a:t>
+                      </a:r>
+                      <a:r>
+                        <a:rPr lang="en-US" altLang="zh-TW" sz="2400" kern="1200" dirty="0" smtClean="0">
+                          <a:effectLst/>
+                        </a:rPr>
+                        <a:t>)</a:t>
+                      </a:r>
+                      <a:endParaRPr lang="zh-TW" altLang="en-US" sz="2400" dirty="0"/>
+                    </a:p>
+                  </a:txBody>
+                  <a:tcPr/>
+                </a:tc>
+                <a:extLst>
+                  <a:ext uri="{0D108BD9-81ED-4DB2-BD59-A6C34878D82A}">
+                    <a16:rowId xmlns:a16="http://schemas.microsoft.com/office/drawing/2014/main" val="2750257750"/>
+                  </a:ext>
+                </a:extLst>
+              </a:tr>
+              <a:tr h="602641">
+                <a:tc>
+                  <a:txBody>
+                    <a:bodyPr/>
+                    <a:lstStyle/>
+                    <a:p>
+                      <a:pPr algn="l"/>
+                      <a:r>
+                        <a:rPr lang="zh-TW" altLang="en-US" sz="2400" dirty="0">
+                          <a:effectLst/>
+                        </a:rPr>
+                        <a:t>期中成績</a:t>
+                      </a:r>
+                      <a:r>
+                        <a:rPr lang="en-US" altLang="zh-TW" sz="2400" dirty="0">
+                          <a:effectLst/>
+                        </a:rPr>
+                        <a:t>/</a:t>
+                      </a:r>
+                      <a:r>
+                        <a:rPr lang="zh-TW" altLang="en-US" sz="2400" dirty="0">
+                          <a:effectLst/>
+                        </a:rPr>
+                        <a:t>總結評量</a:t>
+                      </a:r>
+                    </a:p>
+                  </a:txBody>
+                  <a:tcPr marL="95250" marR="0" marT="47625" marB="47625" anchor="ctr"/>
+                </a:tc>
+                <a:tc>
+                  <a:txBody>
+                    <a:bodyPr/>
+                    <a:lstStyle/>
+                    <a:p>
+                      <a:r>
+                        <a:rPr lang="en-US" altLang="zh-TW" sz="2400" dirty="0" smtClean="0"/>
+                        <a:t>30</a:t>
+                      </a:r>
+                      <a:endParaRPr lang="zh-TW" altLang="en-US" sz="2400" dirty="0"/>
+                    </a:p>
+                  </a:txBody>
+                  <a:tcPr/>
+                </a:tc>
+                <a:tc>
+                  <a:txBody>
+                    <a:bodyPr/>
+                    <a:lstStyle/>
+                    <a:p>
+                      <a:r>
+                        <a:rPr lang="zh-TW" altLang="en-US" sz="2400" kern="1200" dirty="0" smtClean="0">
+                          <a:effectLst/>
+                        </a:rPr>
+                        <a:t>檔案評量</a:t>
+                      </a:r>
+                      <a:r>
+                        <a:rPr lang="en-US" altLang="zh-TW" sz="2400" kern="1200" dirty="0" smtClean="0">
+                          <a:effectLst/>
+                        </a:rPr>
+                        <a:t>(</a:t>
+                      </a:r>
+                      <a:r>
+                        <a:rPr lang="zh-TW" altLang="en-US" sz="2400" kern="1200" dirty="0" smtClean="0">
+                          <a:effectLst/>
+                        </a:rPr>
+                        <a:t>書面報告或專題檔案</a:t>
+                      </a:r>
+                      <a:r>
+                        <a:rPr lang="en-US" altLang="zh-TW" sz="2400" kern="1200" dirty="0" smtClean="0">
+                          <a:effectLst/>
+                        </a:rPr>
+                        <a:t>),</a:t>
+                      </a:r>
+                      <a:r>
+                        <a:rPr lang="zh-TW" altLang="en-US" sz="2400" kern="1200" dirty="0" smtClean="0">
+                          <a:effectLst/>
+                        </a:rPr>
+                        <a:t>口語評量</a:t>
+                      </a:r>
+                      <a:r>
+                        <a:rPr lang="en-US" altLang="zh-TW" sz="2400" kern="1200" dirty="0" smtClean="0">
+                          <a:effectLst/>
+                        </a:rPr>
+                        <a:t>(</a:t>
+                      </a:r>
+                      <a:r>
+                        <a:rPr lang="zh-TW" altLang="en-US" sz="2400" kern="1200" dirty="0" smtClean="0">
+                          <a:effectLst/>
+                        </a:rPr>
+                        <a:t>口頭報告、口試或課堂討論</a:t>
+                      </a:r>
+                      <a:r>
+                        <a:rPr lang="en-US" altLang="zh-TW" sz="2400" kern="1200" dirty="0" smtClean="0">
+                          <a:effectLst/>
+                        </a:rPr>
+                        <a:t>)</a:t>
+                      </a:r>
+                      <a:endParaRPr lang="zh-TW" altLang="en-US" sz="2400" dirty="0"/>
+                    </a:p>
+                  </a:txBody>
+                  <a:tcPr/>
+                </a:tc>
+                <a:extLst>
+                  <a:ext uri="{0D108BD9-81ED-4DB2-BD59-A6C34878D82A}">
+                    <a16:rowId xmlns:a16="http://schemas.microsoft.com/office/drawing/2014/main" val="1014608526"/>
+                  </a:ext>
+                </a:extLst>
+              </a:tr>
+              <a:tr h="860915">
+                <a:tc>
+                  <a:txBody>
+                    <a:bodyPr/>
+                    <a:lstStyle/>
+                    <a:p>
+                      <a:r>
+                        <a:rPr lang="zh-TW" altLang="en-US" sz="2400" kern="1200" dirty="0" smtClean="0">
+                          <a:effectLst/>
+                        </a:rPr>
+                        <a:t>期末成績</a:t>
+                      </a:r>
+                      <a:endParaRPr lang="zh-TW" altLang="en-US" sz="2400" dirty="0"/>
+                    </a:p>
+                  </a:txBody>
+                  <a:tcPr/>
+                </a:tc>
+                <a:tc>
+                  <a:txBody>
+                    <a:bodyPr/>
+                    <a:lstStyle/>
+                    <a:p>
+                      <a:r>
+                        <a:rPr lang="en-US" altLang="zh-TW" sz="2400" dirty="0" smtClean="0"/>
+                        <a:t>35</a:t>
+                      </a:r>
+                      <a:endParaRPr lang="zh-TW" altLang="en-US" sz="2400" dirty="0"/>
+                    </a:p>
+                  </a:txBody>
+                  <a:tcPr/>
+                </a:tc>
+                <a:tc>
+                  <a:txBody>
+                    <a:bodyPr/>
+                    <a:lstStyle/>
+                    <a:p>
+                      <a:r>
+                        <a:rPr lang="zh-TW" altLang="en-US" sz="2400" kern="1200" dirty="0" smtClean="0">
+                          <a:effectLst/>
+                        </a:rPr>
+                        <a:t>檔案評量</a:t>
+                      </a:r>
+                      <a:r>
+                        <a:rPr lang="en-US" altLang="zh-TW" sz="2400" kern="1200" dirty="0" smtClean="0">
+                          <a:effectLst/>
+                        </a:rPr>
+                        <a:t>(</a:t>
+                      </a:r>
+                      <a:r>
+                        <a:rPr lang="zh-TW" altLang="en-US" sz="2400" kern="1200" dirty="0" smtClean="0">
+                          <a:effectLst/>
+                        </a:rPr>
+                        <a:t>書面報告或專題檔案</a:t>
+                      </a:r>
+                      <a:r>
+                        <a:rPr lang="en-US" altLang="zh-TW" sz="2400" kern="1200" dirty="0" smtClean="0">
+                          <a:effectLst/>
+                        </a:rPr>
+                        <a:t>),</a:t>
+                      </a:r>
+                      <a:r>
+                        <a:rPr lang="zh-TW" altLang="en-US" sz="2400" kern="1200" dirty="0" smtClean="0">
+                          <a:effectLst/>
+                        </a:rPr>
+                        <a:t>口語評量</a:t>
+                      </a:r>
+                      <a:r>
+                        <a:rPr lang="en-US" altLang="zh-TW" sz="2400" kern="1200" dirty="0" smtClean="0">
+                          <a:effectLst/>
+                        </a:rPr>
+                        <a:t>(</a:t>
+                      </a:r>
+                      <a:r>
+                        <a:rPr lang="zh-TW" altLang="en-US" sz="2400" kern="1200" dirty="0" smtClean="0">
+                          <a:effectLst/>
+                        </a:rPr>
+                        <a:t>口頭報告、口試或課堂討論</a:t>
+                      </a:r>
+                      <a:r>
+                        <a:rPr lang="en-US" altLang="zh-TW" sz="2400" kern="1200" dirty="0" smtClean="0">
+                          <a:effectLst/>
+                        </a:rPr>
+                        <a:t>)</a:t>
+                      </a:r>
+                      <a:endParaRPr lang="zh-TW" altLang="en-US" sz="2400" dirty="0"/>
+                    </a:p>
+                  </a:txBody>
+                  <a:tcPr/>
+                </a:tc>
+                <a:extLst>
+                  <a:ext uri="{0D108BD9-81ED-4DB2-BD59-A6C34878D82A}">
+                    <a16:rowId xmlns:a16="http://schemas.microsoft.com/office/drawing/2014/main" val="838876595"/>
+                  </a:ext>
+                </a:extLst>
+              </a:tr>
+            </a:tbl>
+          </a:graphicData>
+        </a:graphic>
+      </p:graphicFrame>
+    </p:spTree>
+    <p:extLst>
+      <p:ext uri="{BB962C8B-B14F-4D97-AF65-F5344CB8AC3E}">
+        <p14:creationId xmlns:p14="http://schemas.microsoft.com/office/powerpoint/2010/main" val="3167777879"/>
+      </p:ext>
+    </p:extLst>
+  </p:cSld>
+  <p:clrMapOvr>
+    <a:masterClrMapping/>
+  </p:clrMapOvr>
+  <mc:AlternateContent xmlns:mc="http://schemas.openxmlformats.org/markup-compatibility/2006">
+    <mc:Choice xmlns:p14="http://schemas.microsoft.com/office/powerpoint/2010/main" Requires="p14">
+      <p:transition spd="slow" p14:dur="1500">
+        <p:random/>
+      </p:transition>
+    </mc:Choice>
+    <mc:Fallback>
+      <p:transition spd="slow">
+        <p:random/>
+      </p:transition>
+    </mc:Fallback>
+  </mc:AlternateContent>
+  <p:timing>
+    <p:tnLst>
+      <p:par>
+        <p:cTn id="1" dur="indefinite" restart="never" nodeType="tmRoot"/>
+      </p:par>
+    </p:tnLst>
+  </p:timing>
+</p:sld>
+</file>
+
+<file path=ppt/slides/slide6.xml><?xml version="1.0" encoding="utf-8"?>
+<p:sld xmlns:a="http://schemas.openxmlformats.org/drawingml/2006/main" xmlns:r="http://schemas.openxmlformats.org/officeDocument/2006/relationships" xmlns:p="http://schemas.openxmlformats.org/presentationml/2006/main">
+  <p:cSld>
+    <p:spTree>
+      <p:nvGrpSpPr>
+        <p:cNvPr id="1" name=""/>
+        <p:cNvGrpSpPr/>
+        <p:nvPr/>
+      </p:nvGrpSpPr>
+      <p:grpSpPr>
+        <a:xfrm>
+          <a:off x="0" y="0"/>
+          <a:ext cx="0" cy="0"/>
+          <a:chOff x="0" y="0"/>
+          <a:chExt cx="0" cy="0"/>
+        </a:xfrm>
+      </p:grpSpPr>
+      <p:sp>
+        <p:nvSpPr>
+          <p:cNvPr id="2" name="標題 1"/>
+          <p:cNvSpPr>
+            <a:spLocks noGrp="1"/>
+          </p:cNvSpPr>
+          <p:nvPr>
+            <p:ph type="title"/>
+          </p:nvPr>
+        </p:nvSpPr>
+        <p:spPr/>
+        <p:txBody>
+          <a:bodyPr/>
+          <a:lstStyle/>
+          <a:p>
+            <a:r>
+              <a:rPr lang="zh-TW" altLang="en-US" dirty="0" smtClean="0"/>
+              <a:t>期中報告方式</a:t>
+            </a:r>
+            <a:endParaRPr lang="zh-TW" altLang="en-US" dirty="0"/>
+          </a:p>
+        </p:txBody>
+      </p:sp>
+      <p:sp>
+        <p:nvSpPr>
+          <p:cNvPr id="3" name="內容版面配置區 2"/>
+          <p:cNvSpPr>
+            <a:spLocks noGrp="1"/>
+          </p:cNvSpPr>
+          <p:nvPr>
+            <p:ph idx="1"/>
+          </p:nvPr>
+        </p:nvSpPr>
+        <p:spPr/>
+        <p:txBody>
+          <a:bodyPr>
+            <a:normAutofit/>
+          </a:bodyPr>
+          <a:lstStyle/>
+          <a:p>
+            <a:r>
+              <a:rPr lang="zh-TW" altLang="en-US" dirty="0" smtClean="0"/>
+              <a:t>報告採分組</a:t>
+            </a:r>
+            <a:r>
+              <a:rPr lang="zh-TW" altLang="en-US" dirty="0"/>
+              <a:t>方式</a:t>
+            </a:r>
+            <a:r>
+              <a:rPr lang="zh-TW" altLang="en-US" dirty="0" smtClean="0"/>
+              <a:t>進行</a:t>
+            </a:r>
+            <a:endParaRPr lang="en-US" altLang="zh-TW" dirty="0" smtClean="0"/>
+          </a:p>
+          <a:p>
+            <a:pPr lvl="1"/>
+            <a:r>
+              <a:rPr lang="zh-TW" altLang="en-US" dirty="0" smtClean="0"/>
+              <a:t>一組約</a:t>
+            </a:r>
+            <a:r>
+              <a:rPr lang="en-US" altLang="zh-TW" dirty="0"/>
+              <a:t>3~5</a:t>
+            </a:r>
+            <a:r>
+              <a:rPr lang="zh-TW" altLang="en-US" dirty="0"/>
+              <a:t>人</a:t>
+            </a:r>
+            <a:endParaRPr lang="en-US" altLang="zh-TW" dirty="0" smtClean="0"/>
+          </a:p>
+          <a:p>
+            <a:pPr lvl="1"/>
+            <a:r>
+              <a:rPr lang="zh-TW" altLang="en-US" dirty="0" smtClean="0"/>
+              <a:t>一組報告約</a:t>
+            </a:r>
+            <a:r>
+              <a:rPr lang="en-US" altLang="zh-TW" dirty="0" smtClean="0"/>
+              <a:t>20~30</a:t>
+            </a:r>
+            <a:r>
+              <a:rPr lang="zh-TW" altLang="en-US" dirty="0" smtClean="0"/>
+              <a:t>分鐘</a:t>
+            </a:r>
+            <a:endParaRPr lang="en-US" altLang="zh-TW" dirty="0" smtClean="0"/>
+          </a:p>
+          <a:p>
+            <a:pPr lvl="1"/>
+            <a:r>
+              <a:rPr lang="zh-TW" altLang="en-US" dirty="0" smtClean="0"/>
+              <a:t>報告前繳交紙本計劃書</a:t>
+            </a:r>
+            <a:r>
+              <a:rPr lang="en-US" altLang="zh-TW" dirty="0" smtClean="0"/>
+              <a:t>(</a:t>
+            </a:r>
+            <a:r>
+              <a:rPr lang="zh-TW" altLang="en-US" dirty="0" smtClean="0"/>
+              <a:t>電子檔傳至</a:t>
+            </a:r>
+            <a:r>
+              <a:rPr lang="en-US" altLang="zh-TW" dirty="0" err="1"/>
+              <a:t>moodle</a:t>
+            </a:r>
+            <a:r>
+              <a:rPr lang="en-US" altLang="zh-TW" dirty="0"/>
+              <a:t>)</a:t>
+            </a:r>
+            <a:endParaRPr lang="en-US" altLang="zh-TW" dirty="0" smtClean="0"/>
+          </a:p>
+          <a:p>
+            <a:pPr lvl="1"/>
+            <a:endParaRPr lang="en-US" altLang="zh-TW" dirty="0" smtClean="0"/>
+          </a:p>
+          <a:p>
+            <a:r>
+              <a:rPr lang="zh-TW" altLang="en-US" dirty="0" smtClean="0"/>
+              <a:t>計劃書所須內容</a:t>
+            </a:r>
+            <a:endParaRPr lang="en-US" altLang="zh-TW" dirty="0"/>
+          </a:p>
+          <a:p>
+            <a:pPr lvl="1"/>
+            <a:r>
+              <a:rPr lang="zh-TW" altLang="en-US" dirty="0" smtClean="0"/>
+              <a:t>網站主題說明</a:t>
+            </a:r>
+            <a:endParaRPr lang="en-US" altLang="zh-TW" dirty="0" smtClean="0"/>
+          </a:p>
+          <a:p>
+            <a:pPr lvl="2"/>
+            <a:r>
+              <a:rPr lang="zh-TW" altLang="en-US" dirty="0" smtClean="0"/>
+              <a:t>參考</a:t>
+            </a:r>
+            <a:r>
+              <a:rPr lang="zh-TW" altLang="en-US" dirty="0" smtClean="0">
+                <a:hlinkClick r:id="rId2"/>
+              </a:rPr>
+              <a:t>行政院環保署開放資料</a:t>
+            </a:r>
+            <a:endParaRPr lang="en-US" altLang="zh-TW" dirty="0" smtClean="0"/>
+          </a:p>
+          <a:p>
+            <a:pPr lvl="1"/>
+            <a:r>
+              <a:rPr lang="zh-TW" altLang="en-US" dirty="0" smtClean="0"/>
+              <a:t>網站地圖設計</a:t>
+            </a:r>
+            <a:endParaRPr lang="en-US" altLang="zh-TW" dirty="0"/>
+          </a:p>
+          <a:p>
+            <a:pPr lvl="1"/>
+            <a:r>
+              <a:rPr lang="zh-TW" altLang="en-US" dirty="0"/>
+              <a:t>網站</a:t>
+            </a:r>
+            <a:r>
+              <a:rPr lang="en-US" altLang="zh-TW" dirty="0" smtClean="0"/>
+              <a:t>UI</a:t>
+            </a:r>
+            <a:r>
+              <a:rPr lang="zh-TW" altLang="en-US" dirty="0"/>
+              <a:t>、</a:t>
+            </a:r>
+            <a:r>
+              <a:rPr lang="en-US" altLang="zh-TW" dirty="0" smtClean="0"/>
+              <a:t>UX</a:t>
+            </a:r>
+            <a:r>
+              <a:rPr lang="zh-TW" altLang="en-US" dirty="0" smtClean="0"/>
+              <a:t>設計</a:t>
+            </a:r>
+            <a:endParaRPr lang="en-US" altLang="zh-TW" dirty="0"/>
+          </a:p>
+          <a:p>
+            <a:pPr lvl="1"/>
+            <a:r>
+              <a:rPr lang="zh-TW" altLang="en-US" dirty="0"/>
+              <a:t>網站</a:t>
+            </a:r>
+            <a:r>
+              <a:rPr lang="zh-TW" altLang="en-US" dirty="0" smtClean="0"/>
+              <a:t>資料庫設計</a:t>
+            </a:r>
+            <a:endParaRPr lang="zh-TW" altLang="en-US" dirty="0"/>
+          </a:p>
+        </p:txBody>
+      </p:sp>
+    </p:spTree>
+    <p:extLst>
+      <p:ext uri="{BB962C8B-B14F-4D97-AF65-F5344CB8AC3E}">
+        <p14:creationId xmlns:p14="http://schemas.microsoft.com/office/powerpoint/2010/main" val="1276663541"/>
+      </p:ext>
+    </p:extLst>
+  </p:cSld>
+  <p:clrMapOvr>
+    <a:masterClrMapping/>
+  </p:clrMapOvr>
+  <mc:AlternateContent xmlns:mc="http://schemas.openxmlformats.org/markup-compatibility/2006">
+    <mc:Choice xmlns:p14="http://schemas.microsoft.com/office/powerpoint/2010/main" Requires="p14">
+      <p:transition spd="slow" p14:dur="1500">
+        <p:random/>
+      </p:transition>
+    </mc:Choice>
+    <mc:Fallback>
+      <p:transition spd="slow">
+        <p:random/>
+      </p:transition>
+    </mc:Fallback>
+  </mc:AlternateContent>
+  <p:timing>
+    <p:tnLst>
+      <p:par>
+        <p:cTn id="1" dur="indefinite" restart="never" nodeType="tmRoot"/>
+      </p:par>
+    </p:tnLst>
+  </p:timing>
+</p:sld>
+</file>
+
+<file path=ppt/slides/slide7.xml><?xml version="1.0" encoding="utf-8"?>
+<p:sld xmlns:a="http://schemas.openxmlformats.org/drawingml/2006/main" xmlns:r="http://schemas.openxmlformats.org/officeDocument/2006/relationships" xmlns:p="http://schemas.openxmlformats.org/presentationml/2006/main">
+  <p:cSld>
+    <p:spTree>
+      <p:nvGrpSpPr>
+        <p:cNvPr id="1" name=""/>
+        <p:cNvGrpSpPr/>
+        <p:nvPr/>
+      </p:nvGrpSpPr>
+      <p:grpSpPr>
+        <a:xfrm>
+          <a:off x="0" y="0"/>
+          <a:ext cx="0" cy="0"/>
+          <a:chOff x="0" y="0"/>
+          <a:chExt cx="0" cy="0"/>
+        </a:xfrm>
+      </p:grpSpPr>
+      <p:sp>
+        <p:nvSpPr>
+          <p:cNvPr id="2" name="標題 1"/>
+          <p:cNvSpPr>
+            <a:spLocks noGrp="1"/>
+          </p:cNvSpPr>
+          <p:nvPr>
+            <p:ph type="title"/>
+          </p:nvPr>
+        </p:nvSpPr>
+        <p:spPr/>
+        <p:txBody>
+          <a:bodyPr/>
+          <a:lstStyle/>
+          <a:p>
+            <a:r>
+              <a:rPr lang="zh-TW" altLang="en-US" dirty="0" smtClean="0"/>
+              <a:t>期末報告</a:t>
+            </a:r>
+            <a:r>
+              <a:rPr lang="zh-TW" altLang="en-US" dirty="0"/>
+              <a:t>方式</a:t>
+            </a:r>
+          </a:p>
+        </p:txBody>
+      </p:sp>
+      <p:sp>
+        <p:nvSpPr>
+          <p:cNvPr id="3" name="內容版面配置區 2"/>
+          <p:cNvSpPr>
+            <a:spLocks noGrp="1"/>
+          </p:cNvSpPr>
+          <p:nvPr>
+            <p:ph idx="1"/>
+          </p:nvPr>
+        </p:nvSpPr>
+        <p:spPr/>
+        <p:txBody>
+          <a:bodyPr/>
+          <a:lstStyle/>
+          <a:p>
+            <a:r>
+              <a:rPr lang="zh-TW" altLang="en-US" dirty="0"/>
+              <a:t>報告採分組方式進行</a:t>
+            </a:r>
+            <a:endParaRPr lang="en-US" altLang="zh-TW" dirty="0"/>
+          </a:p>
+          <a:p>
+            <a:pPr lvl="1"/>
+            <a:r>
+              <a:rPr lang="zh-TW" altLang="en-US" dirty="0"/>
+              <a:t>一組約</a:t>
+            </a:r>
+            <a:r>
+              <a:rPr lang="en-US" altLang="zh-TW" dirty="0"/>
+              <a:t>3~5</a:t>
+            </a:r>
+            <a:r>
+              <a:rPr lang="zh-TW" altLang="en-US" dirty="0"/>
+              <a:t>人</a:t>
+            </a:r>
+            <a:endParaRPr lang="en-US" altLang="zh-TW" dirty="0"/>
+          </a:p>
+          <a:p>
+            <a:pPr lvl="1"/>
+            <a:r>
+              <a:rPr lang="zh-TW" altLang="en-US" dirty="0"/>
+              <a:t>一組報告約</a:t>
+            </a:r>
+            <a:r>
+              <a:rPr lang="en-US" altLang="zh-TW" dirty="0"/>
+              <a:t>20~30</a:t>
+            </a:r>
+            <a:r>
+              <a:rPr lang="zh-TW" altLang="en-US" dirty="0" smtClean="0"/>
+              <a:t>分鐘</a:t>
+            </a:r>
+            <a:endParaRPr lang="en-US" altLang="zh-TW" dirty="0" smtClean="0"/>
+          </a:p>
+          <a:p>
+            <a:pPr lvl="1"/>
+            <a:r>
+              <a:rPr lang="zh-TW" altLang="en-US" dirty="0" smtClean="0"/>
+              <a:t>展示、說明網站開發成果</a:t>
+            </a:r>
+            <a:endParaRPr lang="en-US" altLang="zh-TW" dirty="0" smtClean="0"/>
+          </a:p>
+          <a:p>
+            <a:endParaRPr lang="en-US" altLang="zh-TW" dirty="0" smtClean="0"/>
+          </a:p>
+          <a:p>
+            <a:r>
+              <a:rPr lang="zh-TW" altLang="en-US" dirty="0" smtClean="0"/>
+              <a:t>評分方式</a:t>
+            </a:r>
+            <a:endParaRPr lang="en-US" altLang="zh-TW" dirty="0" smtClean="0"/>
+          </a:p>
+          <a:p>
+            <a:pPr lvl="1"/>
+            <a:r>
+              <a:rPr lang="zh-TW" altLang="en-US" dirty="0" smtClean="0"/>
+              <a:t>老師</a:t>
+            </a:r>
+            <a:r>
+              <a:rPr lang="zh-TW" altLang="en-US" dirty="0"/>
+              <a:t>：</a:t>
+            </a:r>
+            <a:r>
+              <a:rPr lang="en-US" altLang="zh-TW" dirty="0" smtClean="0"/>
+              <a:t>60%</a:t>
+            </a:r>
+          </a:p>
+          <a:p>
+            <a:pPr lvl="1"/>
+            <a:r>
+              <a:rPr lang="zh-TW" altLang="en-US" dirty="0" smtClean="0"/>
+              <a:t>同學：</a:t>
+            </a:r>
+            <a:r>
+              <a:rPr lang="en-US" altLang="zh-TW" dirty="0" smtClean="0"/>
+              <a:t>40%</a:t>
+            </a:r>
+            <a:endParaRPr lang="en-US" altLang="zh-TW" dirty="0"/>
+          </a:p>
+          <a:p>
+            <a:pPr lvl="1"/>
+            <a:endParaRPr lang="en-US" altLang="zh-TW" dirty="0"/>
+          </a:p>
+          <a:p>
+            <a:endParaRPr lang="en-US" altLang="zh-TW" dirty="0" smtClean="0"/>
+          </a:p>
+          <a:p>
+            <a:endParaRPr lang="zh-TW" altLang="en-US" dirty="0"/>
+          </a:p>
+        </p:txBody>
+      </p:sp>
+    </p:spTree>
+    <p:extLst>
+      <p:ext uri="{BB962C8B-B14F-4D97-AF65-F5344CB8AC3E}">
+        <p14:creationId xmlns:p14="http://schemas.microsoft.com/office/powerpoint/2010/main" val="2732306675"/>
+      </p:ext>
+    </p:extLst>
+  </p:cSld>
+  <p:clrMapOvr>
+    <a:masterClrMapping/>
+  </p:clrMapOvr>
+  <mc:AlternateContent xmlns:mc="http://schemas.openxmlformats.org/markup-compatibility/2006">
+    <mc:Choice xmlns:p14="http://schemas.microsoft.com/office/powerpoint/2010/main" Requires="p14">
+      <p:transition spd="slow" p14:dur="1500">
+        <p:random/>
+      </p:transition>
+    </mc:Choice>
+    <mc:Fallback>
+      <p:transition spd="slow">
+        <p:random/>
+      </p:transition>
+    </mc:Fallback>
+  </mc:AlternateContent>
+  <p:timing>
+    <p:tnLst>
+      <p:par>
+        <p:cTn id="1" dur="indefinite" restart="never" nodeType="tmRoot"/>
+      </p:par>
+    </p:tnLst>
+  </p:timing>
 </p:sld>
 </file>
 
@@ -3272,22 +8296,22 @@
         <a:srgbClr val="954F72"/>
       </a:folHlink>
     </a:clrScheme>
-    <a:fontScheme name="Office">
+    <a:fontScheme name="Arial">
       <a:majorFont>
-        <a:latin typeface="Calibri Light" panose="020F0302020204030204"/>
+        <a:latin typeface="Arial" panose="020B0604020202020204"/>
         <a:ea typeface=""/>
         <a:cs typeface=""/>
-        <a:font script="Jpan" typeface="游ゴシック Light"/>
-        <a:font script="Hang" typeface="맑은 고딕"/>
-        <a:font script="Hans" typeface="等线 Light"/>
-        <a:font script="Hant" typeface="新細明體"/>
-        <a:font script="Arab" typeface="Times New Roman"/>
-        <a:font script="Hebr" typeface="Times New Roman"/>
-        <a:font script="Thai" typeface="Angsana New"/>
+        <a:font script="Jpan" typeface="ＭＳ Ｐゴシック"/>
+        <a:font script="Hang" typeface="굴림"/>
+        <a:font script="Hans" typeface="黑体"/>
+        <a:font script="Hant" typeface="微軟正黑體"/>
+        <a:font script="Arab" typeface="Arial"/>
+        <a:font script="Hebr" typeface="Arial"/>
+        <a:font script="Thai" typeface="Cordia New"/>
         <a:font script="Ethi" typeface="Nyala"/>
         <a:font script="Beng" typeface="Vrinda"/>
         <a:font script="Gujr" typeface="Shruti"/>
-        <a:font script="Khmr" typeface="MoolBoran"/>
+        <a:font script="Khmr" typeface="DaunPenh"/>
         <a:font script="Knda" typeface="Tunga"/>
         <a:font script="Guru" typeface="Raavi"/>
         <a:font script="Cans" typeface="Euphemia"/>
@@ -3304,18 +8328,18 @@
         <a:font script="Laoo" typeface="DokChampa"/>
         <a:font script="Sinh" typeface="Iskoola Pota"/>
         <a:font script="Mong" typeface="Mongolian Baiti"/>
-        <a:font script="Viet" typeface="Times New Roman"/>
+        <a:font script="Viet" typeface="Arial"/>
         <a:font script="Uigh" typeface="Microsoft Uighur"/>
         <a:font script="Geor" typeface="Sylfaen"/>
       </a:majorFont>
       <a:minorFont>
-        <a:latin typeface="Calibri" panose="020F0502020204030204"/>
+        <a:latin typeface="Arial" panose="020B0604020202020204"/>
         <a:ea typeface=""/>
         <a:cs typeface=""/>
-        <a:font script="Jpan" typeface="游ゴシック"/>
-        <a:font script="Hang" typeface="맑은 고딕"/>
-        <a:font script="Hans" typeface="等线"/>
-        <a:font script="Hant" typeface="新細明體"/>
+        <a:font script="Jpan" typeface="ＭＳ Ｐゴシック"/>
+        <a:font script="Hang" typeface="굴림"/>
+        <a:font script="Hans" typeface="黑体"/>
+        <a:font script="Hant" typeface="微軟正黑體"/>
         <a:font script="Arab" typeface="Arial"/>
         <a:font script="Hebr" typeface="Arial"/>
         <a:font script="Thai" typeface="Cordia New"/>

--- a/投影片/0.課程說明.pptx
+++ b/投影片/0.課程說明.pptx
@@ -152,7 +152,7 @@
           <a:p>
             <a:fld id="{31CDE89B-FBD9-4E23-BEEB-B0C8819124B3}" type="datetimeFigureOut">
               <a:rPr lang="zh-TW" altLang="en-US" smtClean="0"/>
-              <a:t>2022/2/8</a:t>
+              <a:t>2022/2/11</a:t>
             </a:fld>
             <a:endParaRPr lang="zh-TW" altLang="en-US"/>
           </a:p>
@@ -1631,13 +1631,13 @@
   <p:clrMapOvr>
     <a:masterClrMapping/>
   </p:clrMapOvr>
-  <mc:AlternateContent xmlns:mc="http://schemas.openxmlformats.org/markup-compatibility/2006">
-    <mc:Choice xmlns:p14="http://schemas.microsoft.com/office/powerpoint/2010/main" Requires="p14">
+  <mc:AlternateContent xmlns:mc="http://schemas.openxmlformats.org/markup-compatibility/2006" xmlns:p14="http://schemas.microsoft.com/office/powerpoint/2010/main">
+    <mc:Choice Requires="p14">
       <p:transition spd="slow" p14:dur="1500">
         <p:random/>
       </p:transition>
     </mc:Choice>
-    <mc:Fallback>
+    <mc:Fallback xmlns="">
       <p:transition spd="slow">
         <p:random/>
       </p:transition>
@@ -2873,9 +2873,7 @@
                     <p:cond delay="200"/>
                   </p:stCondLst>
                   <p:endCondLst>
-                    <p:cond evt="begin" delay="0">
-                      <p:tn val="76"/>
-                    </p:cond>
+                    <p:cond delay="0"/>
                   </p:endCondLst>
                   <p:childTnLst>
                     <p:set>
@@ -3025,7 +3023,7 @@
           <a:p>
             <a:fld id="{31CDE89B-FBD9-4E23-BEEB-B0C8819124B3}" type="datetimeFigureOut">
               <a:rPr lang="zh-TW" altLang="en-US" smtClean="0"/>
-              <a:t>2022/2/8</a:t>
+              <a:t>2022/2/11</a:t>
             </a:fld>
             <a:endParaRPr lang="zh-TW" altLang="en-US"/>
           </a:p>
@@ -3083,13 +3081,13 @@
   <p:clrMapOvr>
     <a:masterClrMapping/>
   </p:clrMapOvr>
-  <mc:AlternateContent xmlns:mc="http://schemas.openxmlformats.org/markup-compatibility/2006">
-    <mc:Choice xmlns:p14="http://schemas.microsoft.com/office/powerpoint/2010/main" Requires="p14">
+  <mc:AlternateContent xmlns:mc="http://schemas.openxmlformats.org/markup-compatibility/2006" xmlns:p14="http://schemas.microsoft.com/office/powerpoint/2010/main">
+    <mc:Choice Requires="p14">
       <p:transition spd="slow" p14:dur="1500">
         <p:random/>
       </p:transition>
     </mc:Choice>
-    <mc:Fallback>
+    <mc:Fallback xmlns="">
       <p:transition spd="slow">
         <p:random/>
       </p:transition>
@@ -3217,7 +3215,7 @@
           <a:p>
             <a:fld id="{31CDE89B-FBD9-4E23-BEEB-B0C8819124B3}" type="datetimeFigureOut">
               <a:rPr lang="zh-TW" altLang="en-US" smtClean="0"/>
-              <a:t>2022/2/8</a:t>
+              <a:t>2022/2/11</a:t>
             </a:fld>
             <a:endParaRPr lang="zh-TW" altLang="en-US"/>
           </a:p>
@@ -3275,13 +3273,13 @@
   <p:clrMapOvr>
     <a:masterClrMapping/>
   </p:clrMapOvr>
-  <mc:AlternateContent xmlns:mc="http://schemas.openxmlformats.org/markup-compatibility/2006">
-    <mc:Choice xmlns:p14="http://schemas.microsoft.com/office/powerpoint/2010/main" Requires="p14">
+  <mc:AlternateContent xmlns:mc="http://schemas.openxmlformats.org/markup-compatibility/2006" xmlns:p14="http://schemas.microsoft.com/office/powerpoint/2010/main">
+    <mc:Choice Requires="p14">
       <p:transition spd="slow" p14:dur="1500">
         <p:random/>
       </p:transition>
     </mc:Choice>
-    <mc:Fallback>
+    <mc:Fallback xmlns="">
       <p:transition spd="slow">
         <p:random/>
       </p:transition>
@@ -3333,11 +3331,7 @@
           <a:p>
             <a:r>
               <a:rPr lang="zh-TW" altLang="en-US" dirty="0" smtClean="0"/>
-              <a:t>按一下以編輯母片標題</a:t>
-            </a:r>
-            <a:r>
-              <a:rPr lang="zh-TW" altLang="en-US" dirty="0" smtClean="0"/>
-              <a:t>樣式</a:t>
+              <a:t>按一下以編輯母片標題樣式</a:t>
             </a:r>
             <a:endParaRPr lang="zh-TW" altLang="en-US" dirty="0"/>
           </a:p>
@@ -3417,7 +3411,7 @@
           <a:p>
             <a:fld id="{31CDE89B-FBD9-4E23-BEEB-B0C8819124B3}" type="datetimeFigureOut">
               <a:rPr lang="zh-TW" altLang="en-US" smtClean="0"/>
-              <a:t>2022/2/8</a:t>
+              <a:t>2022/2/11</a:t>
             </a:fld>
             <a:endParaRPr lang="zh-TW" altLang="en-US"/>
           </a:p>
@@ -4313,13 +4307,13 @@
   <p:clrMapOvr>
     <a:masterClrMapping/>
   </p:clrMapOvr>
-  <mc:AlternateContent xmlns:mc="http://schemas.openxmlformats.org/markup-compatibility/2006">
-    <mc:Choice xmlns:p14="http://schemas.microsoft.com/office/powerpoint/2010/main" Requires="p14">
+  <mc:AlternateContent xmlns:mc="http://schemas.openxmlformats.org/markup-compatibility/2006" xmlns:p14="http://schemas.microsoft.com/office/powerpoint/2010/main">
+    <mc:Choice Requires="p14">
       <p:transition spd="slow" p14:dur="1500">
         <p:random/>
       </p:transition>
     </mc:Choice>
-    <mc:Fallback>
+    <mc:Fallback xmlns="">
       <p:transition spd="slow">
         <p:random/>
       </p:transition>
@@ -4513,7 +4507,7 @@
           <a:p>
             <a:fld id="{31CDE89B-FBD9-4E23-BEEB-B0C8819124B3}" type="datetimeFigureOut">
               <a:rPr lang="zh-TW" altLang="en-US" smtClean="0"/>
-              <a:t>2022/2/8</a:t>
+              <a:t>2022/2/11</a:t>
             </a:fld>
             <a:endParaRPr lang="zh-TW" altLang="en-US"/>
           </a:p>
@@ -4571,13 +4565,13 @@
   <p:clrMapOvr>
     <a:masterClrMapping/>
   </p:clrMapOvr>
-  <mc:AlternateContent xmlns:mc="http://schemas.openxmlformats.org/markup-compatibility/2006">
-    <mc:Choice xmlns:p14="http://schemas.microsoft.com/office/powerpoint/2010/main" Requires="p14">
+  <mc:AlternateContent xmlns:mc="http://schemas.openxmlformats.org/markup-compatibility/2006" xmlns:p14="http://schemas.microsoft.com/office/powerpoint/2010/main">
+    <mc:Choice Requires="p14">
       <p:transition spd="slow" p14:dur="1500">
         <p:random/>
       </p:transition>
     </mc:Choice>
-    <mc:Fallback>
+    <mc:Fallback xmlns="">
       <p:transition spd="slow">
         <p:random/>
       </p:transition>
@@ -4762,7 +4756,7 @@
           <a:p>
             <a:fld id="{31CDE89B-FBD9-4E23-BEEB-B0C8819124B3}" type="datetimeFigureOut">
               <a:rPr lang="zh-TW" altLang="en-US" smtClean="0"/>
-              <a:t>2022/2/8</a:t>
+              <a:t>2022/2/11</a:t>
             </a:fld>
             <a:endParaRPr lang="zh-TW" altLang="en-US"/>
           </a:p>
@@ -4820,13 +4814,13 @@
   <p:clrMapOvr>
     <a:masterClrMapping/>
   </p:clrMapOvr>
-  <mc:AlternateContent xmlns:mc="http://schemas.openxmlformats.org/markup-compatibility/2006">
-    <mc:Choice xmlns:p14="http://schemas.microsoft.com/office/powerpoint/2010/main" Requires="p14">
+  <mc:AlternateContent xmlns:mc="http://schemas.openxmlformats.org/markup-compatibility/2006" xmlns:p14="http://schemas.microsoft.com/office/powerpoint/2010/main">
+    <mc:Choice Requires="p14">
       <p:transition spd="slow" p14:dur="1500">
         <p:random/>
       </p:transition>
     </mc:Choice>
-    <mc:Fallback>
+    <mc:Fallback xmlns="">
       <p:transition spd="slow">
         <p:random/>
       </p:transition>
@@ -5141,7 +5135,7 @@
           <a:p>
             <a:fld id="{31CDE89B-FBD9-4E23-BEEB-B0C8819124B3}" type="datetimeFigureOut">
               <a:rPr lang="zh-TW" altLang="en-US" smtClean="0"/>
-              <a:t>2022/2/8</a:t>
+              <a:t>2022/2/11</a:t>
             </a:fld>
             <a:endParaRPr lang="zh-TW" altLang="en-US"/>
           </a:p>
@@ -5199,13 +5193,13 @@
   <p:clrMapOvr>
     <a:masterClrMapping/>
   </p:clrMapOvr>
-  <mc:AlternateContent xmlns:mc="http://schemas.openxmlformats.org/markup-compatibility/2006">
-    <mc:Choice xmlns:p14="http://schemas.microsoft.com/office/powerpoint/2010/main" Requires="p14">
+  <mc:AlternateContent xmlns:mc="http://schemas.openxmlformats.org/markup-compatibility/2006" xmlns:p14="http://schemas.microsoft.com/office/powerpoint/2010/main">
+    <mc:Choice Requires="p14">
       <p:transition spd="slow" p14:dur="1500">
         <p:random/>
       </p:transition>
     </mc:Choice>
-    <mc:Fallback>
+    <mc:Fallback xmlns="">
       <p:transition spd="slow">
         <p:random/>
       </p:transition>
@@ -5271,7 +5265,7 @@
           <a:p>
             <a:fld id="{31CDE89B-FBD9-4E23-BEEB-B0C8819124B3}" type="datetimeFigureOut">
               <a:rPr lang="zh-TW" altLang="en-US" smtClean="0"/>
-              <a:t>2022/2/8</a:t>
+              <a:t>2022/2/11</a:t>
             </a:fld>
             <a:endParaRPr lang="zh-TW" altLang="en-US"/>
           </a:p>
@@ -5329,13 +5323,13 @@
   <p:clrMapOvr>
     <a:masterClrMapping/>
   </p:clrMapOvr>
-  <mc:AlternateContent xmlns:mc="http://schemas.openxmlformats.org/markup-compatibility/2006">
-    <mc:Choice xmlns:p14="http://schemas.microsoft.com/office/powerpoint/2010/main" Requires="p14">
+  <mc:AlternateContent xmlns:mc="http://schemas.openxmlformats.org/markup-compatibility/2006" xmlns:p14="http://schemas.microsoft.com/office/powerpoint/2010/main">
+    <mc:Choice Requires="p14">
       <p:transition spd="slow" p14:dur="1500">
         <p:random/>
       </p:transition>
     </mc:Choice>
-    <mc:Fallback>
+    <mc:Fallback xmlns="">
       <p:transition spd="slow">
         <p:random/>
       </p:transition>
@@ -5378,7 +5372,7 @@
           <a:p>
             <a:fld id="{31CDE89B-FBD9-4E23-BEEB-B0C8819124B3}" type="datetimeFigureOut">
               <a:rPr lang="zh-TW" altLang="en-US" smtClean="0"/>
-              <a:t>2022/2/8</a:t>
+              <a:t>2022/2/11</a:t>
             </a:fld>
             <a:endParaRPr lang="zh-TW" altLang="en-US"/>
           </a:p>
@@ -5436,13 +5430,13 @@
   <p:clrMapOvr>
     <a:masterClrMapping/>
   </p:clrMapOvr>
-  <mc:AlternateContent xmlns:mc="http://schemas.openxmlformats.org/markup-compatibility/2006">
-    <mc:Choice xmlns:p14="http://schemas.microsoft.com/office/powerpoint/2010/main" Requires="p14">
+  <mc:AlternateContent xmlns:mc="http://schemas.openxmlformats.org/markup-compatibility/2006" xmlns:p14="http://schemas.microsoft.com/office/powerpoint/2010/main">
+    <mc:Choice Requires="p14">
       <p:transition spd="slow" p14:dur="1500">
         <p:random/>
       </p:transition>
     </mc:Choice>
-    <mc:Fallback>
+    <mc:Fallback xmlns="">
       <p:transition spd="slow">
         <p:random/>
       </p:transition>
@@ -5667,7 +5661,7 @@
           <a:p>
             <a:fld id="{31CDE89B-FBD9-4E23-BEEB-B0C8819124B3}" type="datetimeFigureOut">
               <a:rPr lang="zh-TW" altLang="en-US" smtClean="0"/>
-              <a:t>2022/2/8</a:t>
+              <a:t>2022/2/11</a:t>
             </a:fld>
             <a:endParaRPr lang="zh-TW" altLang="en-US"/>
           </a:p>
@@ -5725,13 +5719,13 @@
   <p:clrMapOvr>
     <a:masterClrMapping/>
   </p:clrMapOvr>
-  <mc:AlternateContent xmlns:mc="http://schemas.openxmlformats.org/markup-compatibility/2006">
-    <mc:Choice xmlns:p14="http://schemas.microsoft.com/office/powerpoint/2010/main" Requires="p14">
+  <mc:AlternateContent xmlns:mc="http://schemas.openxmlformats.org/markup-compatibility/2006" xmlns:p14="http://schemas.microsoft.com/office/powerpoint/2010/main">
+    <mc:Choice Requires="p14">
       <p:transition spd="slow" p14:dur="1500">
         <p:random/>
       </p:transition>
     </mc:Choice>
-    <mc:Fallback>
+    <mc:Fallback xmlns="">
       <p:transition spd="slow">
         <p:random/>
       </p:transition>
@@ -5932,7 +5926,7 @@
           <a:p>
             <a:fld id="{31CDE89B-FBD9-4E23-BEEB-B0C8819124B3}" type="datetimeFigureOut">
               <a:rPr lang="zh-TW" altLang="en-US" smtClean="0"/>
-              <a:t>2022/2/8</a:t>
+              <a:t>2022/2/11</a:t>
             </a:fld>
             <a:endParaRPr lang="zh-TW" altLang="en-US"/>
           </a:p>
@@ -5990,13 +5984,13 @@
   <p:clrMapOvr>
     <a:masterClrMapping/>
   </p:clrMapOvr>
-  <mc:AlternateContent xmlns:mc="http://schemas.openxmlformats.org/markup-compatibility/2006">
-    <mc:Choice xmlns:p14="http://schemas.microsoft.com/office/powerpoint/2010/main" Requires="p14">
+  <mc:AlternateContent xmlns:mc="http://schemas.openxmlformats.org/markup-compatibility/2006" xmlns:p14="http://schemas.microsoft.com/office/powerpoint/2010/main">
+    <mc:Choice Requires="p14">
       <p:transition spd="slow" p14:dur="1500">
         <p:random/>
       </p:transition>
     </mc:Choice>
-    <mc:Fallback>
+    <mc:Fallback xmlns="">
       <p:transition spd="slow">
         <p:random/>
       </p:transition>
@@ -6157,7 +6151,7 @@
           <a:p>
             <a:fld id="{31CDE89B-FBD9-4E23-BEEB-B0C8819124B3}" type="datetimeFigureOut">
               <a:rPr lang="zh-TW" altLang="en-US" smtClean="0"/>
-              <a:t>2022/2/8</a:t>
+              <a:t>2022/2/11</a:t>
             </a:fld>
             <a:endParaRPr lang="zh-TW" altLang="en-US"/>
           </a:p>
@@ -6262,13 +6256,13 @@
     <p:sldLayoutId id="2147483658" r:id="rId10"/>
     <p:sldLayoutId id="2147483659" r:id="rId11"/>
   </p:sldLayoutIdLst>
-  <mc:AlternateContent xmlns:mc="http://schemas.openxmlformats.org/markup-compatibility/2006">
-    <mc:Choice xmlns:p14="http://schemas.microsoft.com/office/powerpoint/2010/main" Requires="p14">
+  <mc:AlternateContent xmlns:mc="http://schemas.openxmlformats.org/markup-compatibility/2006" xmlns:p14="http://schemas.microsoft.com/office/powerpoint/2010/main">
+    <mc:Choice Requires="p14">
       <p:transition spd="slow" p14:dur="1500">
         <p:random/>
       </p:transition>
     </mc:Choice>
-    <mc:Fallback>
+    <mc:Fallback xmlns="">
       <p:transition spd="slow">
         <p:random/>
       </p:transition>
@@ -6631,13 +6625,13 @@
   <p:clrMapOvr>
     <a:masterClrMapping/>
   </p:clrMapOvr>
-  <mc:AlternateContent xmlns:mc="http://schemas.openxmlformats.org/markup-compatibility/2006">
-    <mc:Choice xmlns:p14="http://schemas.microsoft.com/office/powerpoint/2010/main" Requires="p14">
+  <mc:AlternateContent xmlns:mc="http://schemas.openxmlformats.org/markup-compatibility/2006" xmlns:p14="http://schemas.microsoft.com/office/powerpoint/2010/main">
+    <mc:Choice Requires="p14">
       <p:transition spd="slow" p14:dur="1500">
         <p:random/>
       </p:transition>
     </mc:Choice>
-    <mc:Fallback>
+    <mc:Fallback xmlns="">
       <p:transition spd="slow">
         <p:random/>
       </p:transition>
@@ -6755,13 +6749,13 @@
   <p:clrMapOvr>
     <a:masterClrMapping/>
   </p:clrMapOvr>
-  <mc:AlternateContent xmlns:mc="http://schemas.openxmlformats.org/markup-compatibility/2006">
-    <mc:Choice xmlns:p14="http://schemas.microsoft.com/office/powerpoint/2010/main" Requires="p14">
+  <mc:AlternateContent xmlns:mc="http://schemas.openxmlformats.org/markup-compatibility/2006" xmlns:p14="http://schemas.microsoft.com/office/powerpoint/2010/main">
+    <mc:Choice Requires="p14">
       <p:transition spd="slow" p14:dur="1500">
         <p:random/>
       </p:transition>
     </mc:Choice>
-    <mc:Fallback>
+    <mc:Fallback xmlns="">
       <p:transition spd="slow">
         <p:random/>
       </p:transition>
@@ -7033,13 +7027,13 @@
   <p:clrMapOvr>
     <a:masterClrMapping/>
   </p:clrMapOvr>
-  <mc:AlternateContent xmlns:mc="http://schemas.openxmlformats.org/markup-compatibility/2006">
-    <mc:Choice xmlns:p14="http://schemas.microsoft.com/office/powerpoint/2010/main" Requires="p14">
+  <mc:AlternateContent xmlns:mc="http://schemas.openxmlformats.org/markup-compatibility/2006" xmlns:p14="http://schemas.microsoft.com/office/powerpoint/2010/main">
+    <mc:Choice Requires="p14">
       <p:transition spd="slow" p14:dur="1500">
         <p:random/>
       </p:transition>
     </mc:Choice>
-    <mc:Fallback>
+    <mc:Fallback xmlns="">
       <p:transition spd="slow">
         <p:random/>
       </p:transition>
@@ -7312,13 +7306,13 @@
   <p:clrMapOvr>
     <a:masterClrMapping/>
   </p:clrMapOvr>
-  <mc:AlternateContent xmlns:mc="http://schemas.openxmlformats.org/markup-compatibility/2006">
-    <mc:Choice xmlns:p14="http://schemas.microsoft.com/office/powerpoint/2010/main" Requires="p14">
+  <mc:AlternateContent xmlns:mc="http://schemas.openxmlformats.org/markup-compatibility/2006" xmlns:p14="http://schemas.microsoft.com/office/powerpoint/2010/main">
+    <mc:Choice Requires="p14">
       <p:transition spd="slow" p14:dur="1500">
         <p:random/>
       </p:transition>
     </mc:Choice>
-    <mc:Fallback>
+    <mc:Fallback xmlns="">
       <p:transition spd="slow">
         <p:random/>
       </p:transition>
@@ -7810,13 +7804,13 @@
   <p:clrMapOvr>
     <a:masterClrMapping/>
   </p:clrMapOvr>
-  <mc:AlternateContent xmlns:mc="http://schemas.openxmlformats.org/markup-compatibility/2006">
-    <mc:Choice xmlns:p14="http://schemas.microsoft.com/office/powerpoint/2010/main" Requires="p14">
+  <mc:AlternateContent xmlns:mc="http://schemas.openxmlformats.org/markup-compatibility/2006" xmlns:p14="http://schemas.microsoft.com/office/powerpoint/2010/main">
+    <mc:Choice Requires="p14">
       <p:transition spd="slow" p14:dur="1500">
         <p:random/>
       </p:transition>
     </mc:Choice>
-    <mc:Fallback>
+    <mc:Fallback xmlns="">
       <p:transition spd="slow">
         <p:random/>
       </p:transition>
@@ -7974,21 +7968,23 @@
             <a:pPr lvl="1"/>
             <a:r>
               <a:rPr lang="zh-TW" altLang="en-US" dirty="0" smtClean="0"/>
-              <a:t>網站主題說明</a:t>
+              <a:t>網站主題</a:t>
+            </a:r>
+            <a:r>
+              <a:rPr lang="zh-TW" altLang="en-US" dirty="0" smtClean="0"/>
+              <a:t>說明</a:t>
             </a:r>
             <a:endParaRPr lang="en-US" altLang="zh-TW" dirty="0" smtClean="0"/>
           </a:p>
           <a:p>
             <a:pPr lvl="2"/>
             <a:r>
+              <a:rPr lang="zh-TW" altLang="en-US" dirty="0"/>
+              <a:t>借書</a:t>
+            </a:r>
+            <a:r>
               <a:rPr lang="zh-TW" altLang="en-US" dirty="0" smtClean="0"/>
-              <a:t>參考</a:t>
-            </a:r>
-            <a:r>
-              <a:rPr lang="zh-TW" altLang="en-US" dirty="0" smtClean="0">
-                <a:hlinkClick r:id="rId2"/>
-              </a:rPr>
-              <a:t>行政院環保署開放資料</a:t>
+              <a:t>系統、選課系統、購物系統、自訂系統</a:t>
             </a:r>
             <a:endParaRPr lang="en-US" altLang="zh-TW" dirty="0" smtClean="0"/>
           </a:p>
@@ -7996,7 +7992,11 @@
             <a:pPr lvl="1"/>
             <a:r>
               <a:rPr lang="zh-TW" altLang="en-US" dirty="0" smtClean="0"/>
-              <a:t>網站地圖設計</a:t>
+              <a:t>網站</a:t>
+            </a:r>
+            <a:r>
+              <a:rPr lang="zh-TW" altLang="en-US" dirty="0" smtClean="0"/>
+              <a:t>地圖設計</a:t>
             </a:r>
             <a:endParaRPr lang="en-US" altLang="zh-TW" dirty="0"/>
           </a:p>
@@ -8048,13 +8048,13 @@
   <p:clrMapOvr>
     <a:masterClrMapping/>
   </p:clrMapOvr>
-  <mc:AlternateContent xmlns:mc="http://schemas.openxmlformats.org/markup-compatibility/2006">
-    <mc:Choice xmlns:p14="http://schemas.microsoft.com/office/powerpoint/2010/main" Requires="p14">
+  <mc:AlternateContent xmlns:mc="http://schemas.openxmlformats.org/markup-compatibility/2006" xmlns:p14="http://schemas.microsoft.com/office/powerpoint/2010/main">
+    <mc:Choice Requires="p14">
       <p:transition spd="slow" p14:dur="1500">
         <p:random/>
       </p:transition>
     </mc:Choice>
-    <mc:Fallback>
+    <mc:Fallback xmlns="">
       <p:transition spd="slow">
         <p:random/>
       </p:transition>
@@ -8233,13 +8233,13 @@
   <p:clrMapOvr>
     <a:masterClrMapping/>
   </p:clrMapOvr>
-  <mc:AlternateContent xmlns:mc="http://schemas.openxmlformats.org/markup-compatibility/2006">
-    <mc:Choice xmlns:p14="http://schemas.microsoft.com/office/powerpoint/2010/main" Requires="p14">
+  <mc:AlternateContent xmlns:mc="http://schemas.openxmlformats.org/markup-compatibility/2006" xmlns:p14="http://schemas.microsoft.com/office/powerpoint/2010/main">
+    <mc:Choice Requires="p14">
       <p:transition spd="slow" p14:dur="1500">
         <p:random/>
       </p:transition>
     </mc:Choice>
-    <mc:Fallback>
+    <mc:Fallback xmlns="">
       <p:transition spd="slow">
         <p:random/>
       </p:transition>

--- a/投影片/0.課程說明.pptx
+++ b/投影片/0.課程說明.pptx
@@ -152,7 +152,7 @@
           <a:p>
             <a:fld id="{31CDE89B-FBD9-4E23-BEEB-B0C8819124B3}" type="datetimeFigureOut">
               <a:rPr lang="zh-TW" altLang="en-US" smtClean="0"/>
-              <a:t>2022/2/11</a:t>
+              <a:t>2022/2/21</a:t>
             </a:fld>
             <a:endParaRPr lang="zh-TW" altLang="en-US"/>
           </a:p>
@@ -3023,7 +3023,7 @@
           <a:p>
             <a:fld id="{31CDE89B-FBD9-4E23-BEEB-B0C8819124B3}" type="datetimeFigureOut">
               <a:rPr lang="zh-TW" altLang="en-US" smtClean="0"/>
-              <a:t>2022/2/11</a:t>
+              <a:t>2022/2/21</a:t>
             </a:fld>
             <a:endParaRPr lang="zh-TW" altLang="en-US"/>
           </a:p>
@@ -3215,7 +3215,7 @@
           <a:p>
             <a:fld id="{31CDE89B-FBD9-4E23-BEEB-B0C8819124B3}" type="datetimeFigureOut">
               <a:rPr lang="zh-TW" altLang="en-US" smtClean="0"/>
-              <a:t>2022/2/11</a:t>
+              <a:t>2022/2/21</a:t>
             </a:fld>
             <a:endParaRPr lang="zh-TW" altLang="en-US"/>
           </a:p>
@@ -3411,7 +3411,7 @@
           <a:p>
             <a:fld id="{31CDE89B-FBD9-4E23-BEEB-B0C8819124B3}" type="datetimeFigureOut">
               <a:rPr lang="zh-TW" altLang="en-US" smtClean="0"/>
-              <a:t>2022/2/11</a:t>
+              <a:t>2022/2/21</a:t>
             </a:fld>
             <a:endParaRPr lang="zh-TW" altLang="en-US"/>
           </a:p>
@@ -4507,7 +4507,7 @@
           <a:p>
             <a:fld id="{31CDE89B-FBD9-4E23-BEEB-B0C8819124B3}" type="datetimeFigureOut">
               <a:rPr lang="zh-TW" altLang="en-US" smtClean="0"/>
-              <a:t>2022/2/11</a:t>
+              <a:t>2022/2/21</a:t>
             </a:fld>
             <a:endParaRPr lang="zh-TW" altLang="en-US"/>
           </a:p>
@@ -4756,7 +4756,7 @@
           <a:p>
             <a:fld id="{31CDE89B-FBD9-4E23-BEEB-B0C8819124B3}" type="datetimeFigureOut">
               <a:rPr lang="zh-TW" altLang="en-US" smtClean="0"/>
-              <a:t>2022/2/11</a:t>
+              <a:t>2022/2/21</a:t>
             </a:fld>
             <a:endParaRPr lang="zh-TW" altLang="en-US"/>
           </a:p>
@@ -5135,7 +5135,7 @@
           <a:p>
             <a:fld id="{31CDE89B-FBD9-4E23-BEEB-B0C8819124B3}" type="datetimeFigureOut">
               <a:rPr lang="zh-TW" altLang="en-US" smtClean="0"/>
-              <a:t>2022/2/11</a:t>
+              <a:t>2022/2/21</a:t>
             </a:fld>
             <a:endParaRPr lang="zh-TW" altLang="en-US"/>
           </a:p>
@@ -5265,7 +5265,7 @@
           <a:p>
             <a:fld id="{31CDE89B-FBD9-4E23-BEEB-B0C8819124B3}" type="datetimeFigureOut">
               <a:rPr lang="zh-TW" altLang="en-US" smtClean="0"/>
-              <a:t>2022/2/11</a:t>
+              <a:t>2022/2/21</a:t>
             </a:fld>
             <a:endParaRPr lang="zh-TW" altLang="en-US"/>
           </a:p>
@@ -5372,7 +5372,7 @@
           <a:p>
             <a:fld id="{31CDE89B-FBD9-4E23-BEEB-B0C8819124B3}" type="datetimeFigureOut">
               <a:rPr lang="zh-TW" altLang="en-US" smtClean="0"/>
-              <a:t>2022/2/11</a:t>
+              <a:t>2022/2/21</a:t>
             </a:fld>
             <a:endParaRPr lang="zh-TW" altLang="en-US"/>
           </a:p>
@@ -5661,7 +5661,7 @@
           <a:p>
             <a:fld id="{31CDE89B-FBD9-4E23-BEEB-B0C8819124B3}" type="datetimeFigureOut">
               <a:rPr lang="zh-TW" altLang="en-US" smtClean="0"/>
-              <a:t>2022/2/11</a:t>
+              <a:t>2022/2/21</a:t>
             </a:fld>
             <a:endParaRPr lang="zh-TW" altLang="en-US"/>
           </a:p>
@@ -5926,7 +5926,7 @@
           <a:p>
             <a:fld id="{31CDE89B-FBD9-4E23-BEEB-B0C8819124B3}" type="datetimeFigureOut">
               <a:rPr lang="zh-TW" altLang="en-US" smtClean="0"/>
-              <a:t>2022/2/11</a:t>
+              <a:t>2022/2/21</a:t>
             </a:fld>
             <a:endParaRPr lang="zh-TW" altLang="en-US"/>
           </a:p>
@@ -6151,7 +6151,7 @@
           <a:p>
             <a:fld id="{31CDE89B-FBD9-4E23-BEEB-B0C8819124B3}" type="datetimeFigureOut">
               <a:rPr lang="zh-TW" altLang="en-US" smtClean="0"/>
-              <a:t>2022/2/11</a:t>
+              <a:t>2022/2/21</a:t>
             </a:fld>
             <a:endParaRPr lang="zh-TW" altLang="en-US"/>
           </a:p>
@@ -7968,11 +7968,7 @@
             <a:pPr lvl="1"/>
             <a:r>
               <a:rPr lang="zh-TW" altLang="en-US" dirty="0" smtClean="0"/>
-              <a:t>網站主題</a:t>
-            </a:r>
-            <a:r>
-              <a:rPr lang="zh-TW" altLang="en-US" dirty="0" smtClean="0"/>
-              <a:t>說明</a:t>
+              <a:t>網站主題說明</a:t>
             </a:r>
             <a:endParaRPr lang="en-US" altLang="zh-TW" dirty="0" smtClean="0"/>
           </a:p>
@@ -7992,11 +7988,7 @@
             <a:pPr lvl="1"/>
             <a:r>
               <a:rPr lang="zh-TW" altLang="en-US" dirty="0" smtClean="0"/>
-              <a:t>網站</a:t>
-            </a:r>
-            <a:r>
-              <a:rPr lang="zh-TW" altLang="en-US" dirty="0" smtClean="0"/>
-              <a:t>地圖設計</a:t>
+              <a:t>網站地圖設計</a:t>
             </a:r>
             <a:endParaRPr lang="en-US" altLang="zh-TW" dirty="0"/>
           </a:p>
@@ -8009,14 +8001,6 @@
             <a:r>
               <a:rPr lang="en-US" altLang="zh-TW" dirty="0" smtClean="0"/>
               <a:t>UI</a:t>
-            </a:r>
-            <a:r>
-              <a:rPr lang="zh-TW" altLang="en-US" dirty="0"/>
-              <a:t>、</a:t>
-            </a:r>
-            <a:r>
-              <a:rPr lang="en-US" altLang="zh-TW" dirty="0" smtClean="0"/>
-              <a:t>UX</a:t>
             </a:r>
             <a:r>
               <a:rPr lang="zh-TW" altLang="en-US" dirty="0" smtClean="0"/>
@@ -8125,7 +8109,9 @@
         </p:nvSpPr>
         <p:spPr/>
         <p:txBody>
-          <a:bodyPr/>
+          <a:bodyPr>
+            <a:normAutofit lnSpcReduction="10000"/>
+          </a:bodyPr>
           <a:lstStyle/>
           <a:p>
             <a:r>
@@ -8175,9 +8161,6 @@
             <a:endParaRPr lang="en-US" altLang="zh-TW" dirty="0" smtClean="0"/>
           </a:p>
           <a:p>
-            <a:endParaRPr lang="en-US" altLang="zh-TW" dirty="0" smtClean="0"/>
-          </a:p>
-          <a:p>
             <a:r>
               <a:rPr lang="zh-TW" altLang="en-US" dirty="0" smtClean="0"/>
               <a:t>評分方式</a:t>
@@ -8210,6 +8193,41 @@
               <a:t>40%</a:t>
             </a:r>
             <a:endParaRPr lang="en-US" altLang="zh-TW" dirty="0"/>
+          </a:p>
+          <a:p>
+            <a:r>
+              <a:rPr lang="zh-TW" altLang="en-US" dirty="0" smtClean="0"/>
+              <a:t>評分項目</a:t>
+            </a:r>
+            <a:endParaRPr lang="en-US" altLang="zh-TW" dirty="0" smtClean="0"/>
+          </a:p>
+          <a:p>
+            <a:pPr lvl="1"/>
+            <a:r>
+              <a:rPr lang="zh-TW" altLang="en-US" dirty="0"/>
+              <a:t>介面</a:t>
+            </a:r>
+            <a:endParaRPr lang="en-US" altLang="zh-TW" dirty="0" smtClean="0"/>
+          </a:p>
+          <a:p>
+            <a:pPr lvl="1"/>
+            <a:r>
+              <a:rPr lang="zh-TW" altLang="en-US" dirty="0"/>
+              <a:t>操作</a:t>
+            </a:r>
+            <a:r>
+              <a:rPr lang="zh-TW" altLang="en-US" dirty="0" smtClean="0"/>
+              <a:t>邏輯</a:t>
+            </a:r>
+            <a:endParaRPr lang="en-US" altLang="zh-TW" dirty="0" smtClean="0"/>
+          </a:p>
+          <a:p>
+            <a:pPr lvl="1"/>
+            <a:r>
+              <a:rPr lang="zh-TW" altLang="en-US" dirty="0" smtClean="0"/>
+              <a:t>功能完整度</a:t>
+            </a:r>
+            <a:endParaRPr lang="en-US" altLang="zh-TW" dirty="0" smtClean="0"/>
           </a:p>
           <a:p>
             <a:pPr lvl="1"/>

--- a/投影片/0.課程說明.pptx
+++ b/投影片/0.課程說明.pptx
@@ -152,7 +152,7 @@
           <a:p>
             <a:fld id="{31CDE89B-FBD9-4E23-BEEB-B0C8819124B3}" type="datetimeFigureOut">
               <a:rPr lang="zh-TW" altLang="en-US" smtClean="0"/>
-              <a:t>2022/2/21</a:t>
+              <a:t>2022/3/6</a:t>
             </a:fld>
             <a:endParaRPr lang="zh-TW" altLang="en-US"/>
           </a:p>
@@ -3023,7 +3023,7 @@
           <a:p>
             <a:fld id="{31CDE89B-FBD9-4E23-BEEB-B0C8819124B3}" type="datetimeFigureOut">
               <a:rPr lang="zh-TW" altLang="en-US" smtClean="0"/>
-              <a:t>2022/2/21</a:t>
+              <a:t>2022/3/6</a:t>
             </a:fld>
             <a:endParaRPr lang="zh-TW" altLang="en-US"/>
           </a:p>
@@ -3215,7 +3215,7 @@
           <a:p>
             <a:fld id="{31CDE89B-FBD9-4E23-BEEB-B0C8819124B3}" type="datetimeFigureOut">
               <a:rPr lang="zh-TW" altLang="en-US" smtClean="0"/>
-              <a:t>2022/2/21</a:t>
+              <a:t>2022/3/6</a:t>
             </a:fld>
             <a:endParaRPr lang="zh-TW" altLang="en-US"/>
           </a:p>
@@ -3411,7 +3411,7 @@
           <a:p>
             <a:fld id="{31CDE89B-FBD9-4E23-BEEB-B0C8819124B3}" type="datetimeFigureOut">
               <a:rPr lang="zh-TW" altLang="en-US" smtClean="0"/>
-              <a:t>2022/2/21</a:t>
+              <a:t>2022/3/6</a:t>
             </a:fld>
             <a:endParaRPr lang="zh-TW" altLang="en-US"/>
           </a:p>
@@ -4507,7 +4507,7 @@
           <a:p>
             <a:fld id="{31CDE89B-FBD9-4E23-BEEB-B0C8819124B3}" type="datetimeFigureOut">
               <a:rPr lang="zh-TW" altLang="en-US" smtClean="0"/>
-              <a:t>2022/2/21</a:t>
+              <a:t>2022/3/6</a:t>
             </a:fld>
             <a:endParaRPr lang="zh-TW" altLang="en-US"/>
           </a:p>
@@ -4756,7 +4756,7 @@
           <a:p>
             <a:fld id="{31CDE89B-FBD9-4E23-BEEB-B0C8819124B3}" type="datetimeFigureOut">
               <a:rPr lang="zh-TW" altLang="en-US" smtClean="0"/>
-              <a:t>2022/2/21</a:t>
+              <a:t>2022/3/6</a:t>
             </a:fld>
             <a:endParaRPr lang="zh-TW" altLang="en-US"/>
           </a:p>
@@ -5135,7 +5135,7 @@
           <a:p>
             <a:fld id="{31CDE89B-FBD9-4E23-BEEB-B0C8819124B3}" type="datetimeFigureOut">
               <a:rPr lang="zh-TW" altLang="en-US" smtClean="0"/>
-              <a:t>2022/2/21</a:t>
+              <a:t>2022/3/6</a:t>
             </a:fld>
             <a:endParaRPr lang="zh-TW" altLang="en-US"/>
           </a:p>
@@ -5265,7 +5265,7 @@
           <a:p>
             <a:fld id="{31CDE89B-FBD9-4E23-BEEB-B0C8819124B3}" type="datetimeFigureOut">
               <a:rPr lang="zh-TW" altLang="en-US" smtClean="0"/>
-              <a:t>2022/2/21</a:t>
+              <a:t>2022/3/6</a:t>
             </a:fld>
             <a:endParaRPr lang="zh-TW" altLang="en-US"/>
           </a:p>
@@ -5372,7 +5372,7 @@
           <a:p>
             <a:fld id="{31CDE89B-FBD9-4E23-BEEB-B0C8819124B3}" type="datetimeFigureOut">
               <a:rPr lang="zh-TW" altLang="en-US" smtClean="0"/>
-              <a:t>2022/2/21</a:t>
+              <a:t>2022/3/6</a:t>
             </a:fld>
             <a:endParaRPr lang="zh-TW" altLang="en-US"/>
           </a:p>
@@ -5661,7 +5661,7 @@
           <a:p>
             <a:fld id="{31CDE89B-FBD9-4E23-BEEB-B0C8819124B3}" type="datetimeFigureOut">
               <a:rPr lang="zh-TW" altLang="en-US" smtClean="0"/>
-              <a:t>2022/2/21</a:t>
+              <a:t>2022/3/6</a:t>
             </a:fld>
             <a:endParaRPr lang="zh-TW" altLang="en-US"/>
           </a:p>
@@ -5926,7 +5926,7 @@
           <a:p>
             <a:fld id="{31CDE89B-FBD9-4E23-BEEB-B0C8819124B3}" type="datetimeFigureOut">
               <a:rPr lang="zh-TW" altLang="en-US" smtClean="0"/>
-              <a:t>2022/2/21</a:t>
+              <a:t>2022/3/6</a:t>
             </a:fld>
             <a:endParaRPr lang="zh-TW" altLang="en-US"/>
           </a:p>
@@ -6151,7 +6151,7 @@
           <a:p>
             <a:fld id="{31CDE89B-FBD9-4E23-BEEB-B0C8819124B3}" type="datetimeFigureOut">
               <a:rPr lang="zh-TW" altLang="en-US" smtClean="0"/>
-              <a:t>2022/2/21</a:t>
+              <a:t>2022/3/6</a:t>
             </a:fld>
             <a:endParaRPr lang="zh-TW" altLang="en-US"/>
           </a:p>

--- a/投影片/0.課程說明.pptx
+++ b/投影片/0.課程說明.pptx
@@ -152,7 +152,7 @@
           <a:p>
             <a:fld id="{31CDE89B-FBD9-4E23-BEEB-B0C8819124B3}" type="datetimeFigureOut">
               <a:rPr lang="zh-TW" altLang="en-US" smtClean="0"/>
-              <a:t>2022/3/6</a:t>
+              <a:t>2022/6/16</a:t>
             </a:fld>
             <a:endParaRPr lang="zh-TW" altLang="en-US"/>
           </a:p>
@@ -3023,7 +3023,7 @@
           <a:p>
             <a:fld id="{31CDE89B-FBD9-4E23-BEEB-B0C8819124B3}" type="datetimeFigureOut">
               <a:rPr lang="zh-TW" altLang="en-US" smtClean="0"/>
-              <a:t>2022/3/6</a:t>
+              <a:t>2022/6/16</a:t>
             </a:fld>
             <a:endParaRPr lang="zh-TW" altLang="en-US"/>
           </a:p>
@@ -3215,7 +3215,7 @@
           <a:p>
             <a:fld id="{31CDE89B-FBD9-4E23-BEEB-B0C8819124B3}" type="datetimeFigureOut">
               <a:rPr lang="zh-TW" altLang="en-US" smtClean="0"/>
-              <a:t>2022/3/6</a:t>
+              <a:t>2022/6/16</a:t>
             </a:fld>
             <a:endParaRPr lang="zh-TW" altLang="en-US"/>
           </a:p>
@@ -3411,7 +3411,7 @@
           <a:p>
             <a:fld id="{31CDE89B-FBD9-4E23-BEEB-B0C8819124B3}" type="datetimeFigureOut">
               <a:rPr lang="zh-TW" altLang="en-US" smtClean="0"/>
-              <a:t>2022/3/6</a:t>
+              <a:t>2022/6/16</a:t>
             </a:fld>
             <a:endParaRPr lang="zh-TW" altLang="en-US"/>
           </a:p>
@@ -4507,7 +4507,7 @@
           <a:p>
             <a:fld id="{31CDE89B-FBD9-4E23-BEEB-B0C8819124B3}" type="datetimeFigureOut">
               <a:rPr lang="zh-TW" altLang="en-US" smtClean="0"/>
-              <a:t>2022/3/6</a:t>
+              <a:t>2022/6/16</a:t>
             </a:fld>
             <a:endParaRPr lang="zh-TW" altLang="en-US"/>
           </a:p>
@@ -4756,7 +4756,7 @@
           <a:p>
             <a:fld id="{31CDE89B-FBD9-4E23-BEEB-B0C8819124B3}" type="datetimeFigureOut">
               <a:rPr lang="zh-TW" altLang="en-US" smtClean="0"/>
-              <a:t>2022/3/6</a:t>
+              <a:t>2022/6/16</a:t>
             </a:fld>
             <a:endParaRPr lang="zh-TW" altLang="en-US"/>
           </a:p>
@@ -5135,7 +5135,7 @@
           <a:p>
             <a:fld id="{31CDE89B-FBD9-4E23-BEEB-B0C8819124B3}" type="datetimeFigureOut">
               <a:rPr lang="zh-TW" altLang="en-US" smtClean="0"/>
-              <a:t>2022/3/6</a:t>
+              <a:t>2022/6/16</a:t>
             </a:fld>
             <a:endParaRPr lang="zh-TW" altLang="en-US"/>
           </a:p>
@@ -5265,7 +5265,7 @@
           <a:p>
             <a:fld id="{31CDE89B-FBD9-4E23-BEEB-B0C8819124B3}" type="datetimeFigureOut">
               <a:rPr lang="zh-TW" altLang="en-US" smtClean="0"/>
-              <a:t>2022/3/6</a:t>
+              <a:t>2022/6/16</a:t>
             </a:fld>
             <a:endParaRPr lang="zh-TW" altLang="en-US"/>
           </a:p>
@@ -5372,7 +5372,7 @@
           <a:p>
             <a:fld id="{31CDE89B-FBD9-4E23-BEEB-B0C8819124B3}" type="datetimeFigureOut">
               <a:rPr lang="zh-TW" altLang="en-US" smtClean="0"/>
-              <a:t>2022/3/6</a:t>
+              <a:t>2022/6/16</a:t>
             </a:fld>
             <a:endParaRPr lang="zh-TW" altLang="en-US"/>
           </a:p>
@@ -5661,7 +5661,7 @@
           <a:p>
             <a:fld id="{31CDE89B-FBD9-4E23-BEEB-B0C8819124B3}" type="datetimeFigureOut">
               <a:rPr lang="zh-TW" altLang="en-US" smtClean="0"/>
-              <a:t>2022/3/6</a:t>
+              <a:t>2022/6/16</a:t>
             </a:fld>
             <a:endParaRPr lang="zh-TW" altLang="en-US"/>
           </a:p>
@@ -5926,7 +5926,7 @@
           <a:p>
             <a:fld id="{31CDE89B-FBD9-4E23-BEEB-B0C8819124B3}" type="datetimeFigureOut">
               <a:rPr lang="zh-TW" altLang="en-US" smtClean="0"/>
-              <a:t>2022/3/6</a:t>
+              <a:t>2022/6/16</a:t>
             </a:fld>
             <a:endParaRPr lang="zh-TW" altLang="en-US"/>
           </a:p>
@@ -6151,7 +6151,7 @@
           <a:p>
             <a:fld id="{31CDE89B-FBD9-4E23-BEEB-B0C8819124B3}" type="datetimeFigureOut">
               <a:rPr lang="zh-TW" altLang="en-US" smtClean="0"/>
-              <a:t>2022/3/6</a:t>
+              <a:t>2022/6/16</a:t>
             </a:fld>
             <a:endParaRPr lang="zh-TW" altLang="en-US"/>
           </a:p>
@@ -8110,7 +8110,7 @@
         <p:spPr/>
         <p:txBody>
           <a:bodyPr>
-            <a:normAutofit lnSpcReduction="10000"/>
+            <a:normAutofit fontScale="92500" lnSpcReduction="10000"/>
           </a:bodyPr>
           <a:lstStyle/>
           <a:p>
@@ -8155,6 +8155,29 @@
           <a:p>
             <a:pPr lvl="1"/>
             <a:r>
+              <a:rPr lang="zh-TW" altLang="en-US" dirty="0"/>
+              <a:t>報告前繳交紙本計劃書</a:t>
+            </a:r>
+            <a:r>
+              <a:rPr lang="en-US" altLang="zh-TW" dirty="0"/>
+              <a:t>(</a:t>
+            </a:r>
+            <a:r>
+              <a:rPr lang="zh-TW" altLang="en-US" dirty="0"/>
+              <a:t>電子檔傳至</a:t>
+            </a:r>
+            <a:r>
+              <a:rPr lang="en-US" altLang="zh-TW" dirty="0" err="1"/>
+              <a:t>moodle</a:t>
+            </a:r>
+            <a:r>
+              <a:rPr lang="en-US" altLang="zh-TW" dirty="0" smtClean="0"/>
+              <a:t>)</a:t>
+            </a:r>
+          </a:p>
+          <a:p>
+            <a:pPr lvl="1"/>
+            <a:r>
               <a:rPr lang="zh-TW" altLang="en-US" dirty="0" smtClean="0"/>
               <a:t>展示、說明網站開發成果</a:t>
             </a:r>
@@ -8204,16 +8227,16 @@
           <a:p>
             <a:pPr lvl="1"/>
             <a:r>
-              <a:rPr lang="zh-TW" altLang="en-US" dirty="0"/>
-              <a:t>介面</a:t>
+              <a:rPr lang="zh-TW" altLang="en-US" dirty="0" smtClean="0"/>
+              <a:t>介面設計</a:t>
             </a:r>
             <a:endParaRPr lang="en-US" altLang="zh-TW" dirty="0" smtClean="0"/>
           </a:p>
           <a:p>
             <a:pPr lvl="1"/>
             <a:r>
-              <a:rPr lang="zh-TW" altLang="en-US" dirty="0"/>
-              <a:t>操作</a:t>
+              <a:rPr lang="zh-TW" altLang="en-US" dirty="0" smtClean="0"/>
+              <a:t>系統操作</a:t>
             </a:r>
             <a:r>
               <a:rPr lang="zh-TW" altLang="en-US" dirty="0" smtClean="0"/>
